--- a/img/pubs/Thumbnail.pptx
+++ b/img/pubs/Thumbnail.pptx
@@ -8,6 +8,7 @@
     <p:sldId id="257" r:id="rId2"/>
     <p:sldId id="258" r:id="rId3"/>
     <p:sldId id="259" r:id="rId4"/>
+    <p:sldId id="260" r:id="rId5"/>
   </p:sldIdLst>
   <p:sldSz cx="2160588" cy="2436813"/>
   <p:notesSz cx="6858000" cy="9144000"/>
@@ -25080,6 +25081,65 @@
 </p:sld>
 </file>
 
+<file path=ppt/slides/slide4.xml><?xml version="1.0" encoding="utf-8"?>
+<p:sld xmlns:a="http://schemas.openxmlformats.org/drawingml/2006/main" xmlns:r="http://schemas.openxmlformats.org/officeDocument/2006/relationships" xmlns:p="http://schemas.openxmlformats.org/presentationml/2006/main">
+  <p:cSld>
+    <p:spTree>
+      <p:nvGrpSpPr>
+        <p:cNvPr id="1" name=""/>
+        <p:cNvGrpSpPr/>
+        <p:nvPr/>
+      </p:nvGrpSpPr>
+      <p:grpSpPr>
+        <a:xfrm>
+          <a:off x="0" y="0"/>
+          <a:ext cx="0" cy="0"/>
+          <a:chOff x="0" y="0"/>
+          <a:chExt cx="0" cy="0"/>
+        </a:xfrm>
+      </p:grpSpPr>
+      <p:pic>
+        <p:nvPicPr>
+          <p:cNvPr id="4" name="Picture 3">
+            <a:extLst>
+              <a:ext uri="{FF2B5EF4-FFF2-40B4-BE49-F238E27FC236}">
+                <a16:creationId xmlns:a16="http://schemas.microsoft.com/office/drawing/2014/main" id="{6CD94B5A-B13F-E874-9E84-C06FBEC8795C}"/>
+              </a:ext>
+            </a:extLst>
+          </p:cNvPr>
+          <p:cNvPicPr>
+            <a:picLocks noChangeAspect="1"/>
+          </p:cNvPicPr>
+          <p:nvPr/>
+        </p:nvPicPr>
+        <p:blipFill rotWithShape="1">
+          <a:blip r:embed="rId2"/>
+          <a:srcRect r="48673"/>
+          <a:stretch/>
+        </p:blipFill>
+        <p:spPr>
+          <a:xfrm>
+            <a:off x="-16316" y="-60159"/>
+            <a:ext cx="2176904" cy="3276602"/>
+          </a:xfrm>
+          <a:prstGeom prst="rect">
+            <a:avLst/>
+          </a:prstGeom>
+        </p:spPr>
+      </p:pic>
+    </p:spTree>
+    <p:extLst>
+      <p:ext uri="{BB962C8B-B14F-4D97-AF65-F5344CB8AC3E}">
+        <p14:creationId xmlns:p14="http://schemas.microsoft.com/office/powerpoint/2010/main" val="561742273"/>
+      </p:ext>
+    </p:extLst>
+  </p:cSld>
+  <p:clrMapOvr>
+    <a:masterClrMapping/>
+  </p:clrMapOvr>
+</p:sld>
+</file>
+
 <file path=ppt/theme/theme1.xml><?xml version="1.0" encoding="utf-8"?>
 <a:theme xmlns:a="http://schemas.openxmlformats.org/drawingml/2006/main" name="Office Theme">
   <a:themeElements>

--- a/img/pubs/Thumbnail.pptx
+++ b/img/pubs/Thumbnail.pptx
@@ -9,6 +9,8 @@
     <p:sldId id="258" r:id="rId3"/>
     <p:sldId id="259" r:id="rId4"/>
     <p:sldId id="260" r:id="rId5"/>
+    <p:sldId id="261" r:id="rId6"/>
+    <p:sldId id="262" r:id="rId7"/>
   </p:sldIdLst>
   <p:sldSz cx="2160588" cy="2436813"/>
   <p:notesSz cx="6858000" cy="9144000"/>
@@ -25100,10 +25102,10 @@
       </p:grpSpPr>
       <p:pic>
         <p:nvPicPr>
-          <p:cNvPr id="4" name="Picture 3">
+          <p:cNvPr id="6" name="Picture 5">
             <a:extLst>
               <a:ext uri="{FF2B5EF4-FFF2-40B4-BE49-F238E27FC236}">
-                <a16:creationId xmlns:a16="http://schemas.microsoft.com/office/drawing/2014/main" id="{6CD94B5A-B13F-E874-9E84-C06FBEC8795C}"/>
+                <a16:creationId xmlns:a16="http://schemas.microsoft.com/office/drawing/2014/main" id="{621962B7-FE4D-414B-6EB2-ACC238FF1386}"/>
               </a:ext>
             </a:extLst>
           </p:cNvPr>
@@ -25114,13 +25116,13 @@
         </p:nvPicPr>
         <p:blipFill rotWithShape="1">
           <a:blip r:embed="rId2"/>
-          <a:srcRect r="48673"/>
+          <a:srcRect l="2745" t="1258" b="1"/>
           <a:stretch/>
         </p:blipFill>
         <p:spPr>
           <a:xfrm>
-            <a:off x="-16316" y="-60159"/>
-            <a:ext cx="2176904" cy="3276602"/>
+            <a:off x="0" y="114777"/>
+            <a:ext cx="2305882" cy="2322036"/>
           </a:xfrm>
           <a:prstGeom prst="rect">
             <a:avLst/>
@@ -25131,6 +25133,8922 @@
     <p:extLst>
       <p:ext uri="{BB962C8B-B14F-4D97-AF65-F5344CB8AC3E}">
         <p14:creationId xmlns:p14="http://schemas.microsoft.com/office/powerpoint/2010/main" val="561742273"/>
+      </p:ext>
+    </p:extLst>
+  </p:cSld>
+  <p:clrMapOvr>
+    <a:masterClrMapping/>
+  </p:clrMapOvr>
+</p:sld>
+</file>
+
+<file path=ppt/slides/slide5.xml><?xml version="1.0" encoding="utf-8"?>
+<p:sld xmlns:a="http://schemas.openxmlformats.org/drawingml/2006/main" xmlns:r="http://schemas.openxmlformats.org/officeDocument/2006/relationships" xmlns:p="http://schemas.openxmlformats.org/presentationml/2006/main">
+  <p:cSld>
+    <p:spTree>
+      <p:nvGrpSpPr>
+        <p:cNvPr id="1" name=""/>
+        <p:cNvGrpSpPr/>
+        <p:nvPr/>
+      </p:nvGrpSpPr>
+      <p:grpSpPr>
+        <a:xfrm>
+          <a:off x="0" y="0"/>
+          <a:ext cx="0" cy="0"/>
+          <a:chOff x="0" y="0"/>
+          <a:chExt cx="0" cy="0"/>
+        </a:xfrm>
+      </p:grpSpPr>
+      <p:pic>
+        <p:nvPicPr>
+          <p:cNvPr id="1026" name="Picture 2">
+            <a:extLst>
+              <a:ext uri="{FF2B5EF4-FFF2-40B4-BE49-F238E27FC236}">
+                <a16:creationId xmlns:a16="http://schemas.microsoft.com/office/drawing/2014/main" id="{EDB21CE0-95B6-63E8-B88E-1741D88C02C9}"/>
+              </a:ext>
+            </a:extLst>
+          </p:cNvPr>
+          <p:cNvPicPr>
+            <a:picLocks noChangeAspect="1" noChangeArrowheads="1"/>
+          </p:cNvPicPr>
+          <p:nvPr/>
+        </p:nvPicPr>
+        <p:blipFill>
+          <a:blip r:embed="rId2">
+            <a:extLst>
+              <a:ext uri="{28A0092B-C50C-407E-A947-70E740481C1C}">
+                <a14:useLocalDpi xmlns:a14="http://schemas.microsoft.com/office/drawing/2010/main" val="0"/>
+              </a:ext>
+            </a:extLst>
+          </a:blip>
+          <a:srcRect/>
+          <a:stretch>
+            <a:fillRect/>
+          </a:stretch>
+        </p:blipFill>
+        <p:spPr bwMode="auto">
+          <a:xfrm>
+            <a:off x="-806115" y="-233445"/>
+            <a:ext cx="3468552" cy="1208004"/>
+          </a:xfrm>
+          <a:prstGeom prst="rect">
+            <a:avLst/>
+          </a:prstGeom>
+          <a:noFill/>
+          <a:extLst>
+            <a:ext uri="{909E8E84-426E-40DD-AFC4-6F175D3DCCD1}">
+              <a14:hiddenFill xmlns:a14="http://schemas.microsoft.com/office/drawing/2010/main">
+                <a:solidFill>
+                  <a:srgbClr val="FFFFFF"/>
+                </a:solidFill>
+              </a14:hiddenFill>
+            </a:ext>
+          </a:extLst>
+        </p:spPr>
+      </p:pic>
+      <p:pic>
+        <p:nvPicPr>
+          <p:cNvPr id="2" name="Picture 1">
+            <a:extLst>
+              <a:ext uri="{FF2B5EF4-FFF2-40B4-BE49-F238E27FC236}">
+                <a16:creationId xmlns:a16="http://schemas.microsoft.com/office/drawing/2014/main" id="{682532D7-275E-40FF-F6A5-116C8B900924}"/>
+              </a:ext>
+            </a:extLst>
+          </p:cNvPr>
+          <p:cNvPicPr>
+            <a:picLocks noChangeAspect="1"/>
+          </p:cNvPicPr>
+          <p:nvPr/>
+        </p:nvPicPr>
+        <p:blipFill>
+          <a:blip r:embed="rId3"/>
+          <a:stretch>
+            <a:fillRect/>
+          </a:stretch>
+        </p:blipFill>
+        <p:spPr>
+          <a:xfrm>
+            <a:off x="-208956" y="641685"/>
+            <a:ext cx="2646948" cy="1915271"/>
+          </a:xfrm>
+          <a:prstGeom prst="rect">
+            <a:avLst/>
+          </a:prstGeom>
+        </p:spPr>
+      </p:pic>
+    </p:spTree>
+    <p:extLst>
+      <p:ext uri="{BB962C8B-B14F-4D97-AF65-F5344CB8AC3E}">
+        <p14:creationId xmlns:p14="http://schemas.microsoft.com/office/powerpoint/2010/main" val="434685705"/>
+      </p:ext>
+    </p:extLst>
+  </p:cSld>
+  <p:clrMapOvr>
+    <a:masterClrMapping/>
+  </p:clrMapOvr>
+</p:sld>
+</file>
+
+<file path=ppt/slides/slide6.xml><?xml version="1.0" encoding="utf-8"?>
+<p:sld xmlns:a="http://schemas.openxmlformats.org/drawingml/2006/main" xmlns:r="http://schemas.openxmlformats.org/officeDocument/2006/relationships" xmlns:p="http://schemas.openxmlformats.org/presentationml/2006/main">
+  <p:cSld>
+    <p:spTree>
+      <p:nvGrpSpPr>
+        <p:cNvPr id="1" name=""/>
+        <p:cNvGrpSpPr/>
+        <p:nvPr/>
+      </p:nvGrpSpPr>
+      <p:grpSpPr>
+        <a:xfrm>
+          <a:off x="0" y="0"/>
+          <a:ext cx="0" cy="0"/>
+          <a:chOff x="0" y="0"/>
+          <a:chExt cx="0" cy="0"/>
+        </a:xfrm>
+      </p:grpSpPr>
+      <p:pic>
+        <p:nvPicPr>
+          <p:cNvPr id="5" name="Picture 4">
+            <a:extLst>
+              <a:ext uri="{FF2B5EF4-FFF2-40B4-BE49-F238E27FC236}">
+                <a16:creationId xmlns:a16="http://schemas.microsoft.com/office/drawing/2014/main" id="{642FEC1F-3138-2AE7-656A-EAAA8D914E39}"/>
+              </a:ext>
+            </a:extLst>
+          </p:cNvPr>
+          <p:cNvPicPr>
+            <a:picLocks noChangeAspect="1"/>
+          </p:cNvPicPr>
+          <p:nvPr/>
+        </p:nvPicPr>
+        <p:blipFill rotWithShape="1">
+          <a:blip r:embed="rId2">
+            <a:extLst>
+              <a:ext uri="{28A0092B-C50C-407E-A947-70E740481C1C}">
+                <a14:useLocalDpi xmlns:a14="http://schemas.microsoft.com/office/drawing/2010/main" val="0"/>
+              </a:ext>
+            </a:extLst>
+          </a:blip>
+          <a:srcRect b="3290"/>
+          <a:stretch/>
+        </p:blipFill>
+        <p:spPr>
+          <a:xfrm>
+            <a:off x="450090" y="260687"/>
+            <a:ext cx="1257245" cy="1940764"/>
+          </a:xfrm>
+          <a:prstGeom prst="rect">
+            <a:avLst/>
+          </a:prstGeom>
+          <a:ln w="7600" cap="flat">
+            <a:noFill/>
+            <a:miter/>
+          </a:ln>
+        </p:spPr>
+      </p:pic>
+      <p:sp>
+        <p:nvSpPr>
+          <p:cNvPr id="7" name="Rectangle">
+            <a:extLst>
+              <a:ext uri="{FF2B5EF4-FFF2-40B4-BE49-F238E27FC236}">
+                <a16:creationId xmlns:a16="http://schemas.microsoft.com/office/drawing/2014/main" id="{63812698-8306-BB89-1D80-BD295CEA3BCF}"/>
+              </a:ext>
+            </a:extLst>
+          </p:cNvPr>
+          <p:cNvSpPr/>
+          <p:nvPr/>
+        </p:nvSpPr>
+        <p:spPr>
+          <a:xfrm>
+            <a:off x="278116" y="2191905"/>
+            <a:ext cx="1951282" cy="212833"/>
+          </a:xfrm>
+          <a:custGeom>
+            <a:avLst/>
+            <a:gdLst/>
+            <a:ahLst/>
+            <a:cxnLst/>
+            <a:rect l="l" t="t" r="r" b="b"/>
+            <a:pathLst>
+              <a:path w="1599564" h="296400" stroke="0">
+                <a:moveTo>
+                  <a:pt x="0" y="0"/>
+                </a:moveTo>
+                <a:lnTo>
+                  <a:pt x="1599564" y="0"/>
+                </a:lnTo>
+                <a:lnTo>
+                  <a:pt x="1599564" y="296400"/>
+                </a:lnTo>
+                <a:lnTo>
+                  <a:pt x="0" y="296400"/>
+                </a:lnTo>
+                <a:lnTo>
+                  <a:pt x="0" y="0"/>
+                </a:lnTo>
+                <a:close/>
+              </a:path>
+              <a:path w="1599564" h="296400" fill="none">
+                <a:moveTo>
+                  <a:pt x="0" y="0"/>
+                </a:moveTo>
+                <a:lnTo>
+                  <a:pt x="1599564" y="0"/>
+                </a:lnTo>
+                <a:lnTo>
+                  <a:pt x="1599564" y="296400"/>
+                </a:lnTo>
+                <a:lnTo>
+                  <a:pt x="0" y="296400"/>
+                </a:lnTo>
+                <a:lnTo>
+                  <a:pt x="0" y="0"/>
+                </a:lnTo>
+                <a:close/>
+              </a:path>
+            </a:pathLst>
+          </a:custGeom>
+          <a:noFill/>
+          <a:ln w="7600" cap="flat">
+            <a:noFill/>
+            <a:miter/>
+          </a:ln>
+        </p:spPr>
+        <p:txBody>
+          <a:bodyPr wrap="square" lIns="38100" tIns="38100" rIns="38100" bIns="38100" rtlCol="0" anchor="t"/>
+          <a:lstStyle/>
+          <a:p>
+            <a:pPr algn="ctr"/>
+            <a:r>
+              <a:rPr lang="en-US" altLang="zh-CN" sz="800" b="1" dirty="0">
+                <a:solidFill>
+                  <a:srgbClr val="303030"/>
+                </a:solidFill>
+                <a:latin typeface="Arial"/>
+                <a:ea typeface="Arial"/>
+                <a:cs typeface="Arial"/>
+              </a:rPr>
+              <a:t>Dynamic Treatment Regimes</a:t>
+            </a:r>
+          </a:p>
+        </p:txBody>
+      </p:sp>
+      <p:sp>
+        <p:nvSpPr>
+          <p:cNvPr id="8" name="Rectangle">
+            <a:extLst>
+              <a:ext uri="{FF2B5EF4-FFF2-40B4-BE49-F238E27FC236}">
+                <a16:creationId xmlns:a16="http://schemas.microsoft.com/office/drawing/2014/main" id="{CA66F194-F3CB-BD42-E39C-2E26EA3217EB}"/>
+              </a:ext>
+            </a:extLst>
+          </p:cNvPr>
+          <p:cNvSpPr/>
+          <p:nvPr/>
+        </p:nvSpPr>
+        <p:spPr>
+          <a:xfrm>
+            <a:off x="-32580" y="1189007"/>
+            <a:ext cx="737935" cy="162715"/>
+          </a:xfrm>
+          <a:custGeom>
+            <a:avLst/>
+            <a:gdLst/>
+            <a:ahLst/>
+            <a:cxnLst/>
+            <a:rect l="l" t="t" r="r" b="b"/>
+            <a:pathLst>
+              <a:path w="1321800" h="296400" stroke="0">
+                <a:moveTo>
+                  <a:pt x="0" y="0"/>
+                </a:moveTo>
+                <a:lnTo>
+                  <a:pt x="1321800" y="0"/>
+                </a:lnTo>
+                <a:lnTo>
+                  <a:pt x="1321800" y="296400"/>
+                </a:lnTo>
+                <a:lnTo>
+                  <a:pt x="0" y="296400"/>
+                </a:lnTo>
+                <a:lnTo>
+                  <a:pt x="0" y="0"/>
+                </a:lnTo>
+                <a:close/>
+              </a:path>
+              <a:path w="1321800" h="296400" fill="none">
+                <a:moveTo>
+                  <a:pt x="0" y="0"/>
+                </a:moveTo>
+                <a:lnTo>
+                  <a:pt x="1321800" y="0"/>
+                </a:lnTo>
+                <a:lnTo>
+                  <a:pt x="1321800" y="296400"/>
+                </a:lnTo>
+                <a:lnTo>
+                  <a:pt x="0" y="296400"/>
+                </a:lnTo>
+                <a:lnTo>
+                  <a:pt x="0" y="0"/>
+                </a:lnTo>
+                <a:close/>
+              </a:path>
+            </a:pathLst>
+          </a:custGeom>
+          <a:noFill/>
+          <a:ln w="7600" cap="flat">
+            <a:noFill/>
+            <a:miter/>
+          </a:ln>
+        </p:spPr>
+        <p:txBody>
+          <a:bodyPr wrap="square" lIns="38100" tIns="38100" rIns="38100" bIns="38100" rtlCol="0" anchor="t"/>
+          <a:lstStyle/>
+          <a:p>
+            <a:pPr algn="ctr"/>
+            <a:r>
+              <a:rPr lang="en-US" altLang="zh-CN" sz="900" b="1" dirty="0">
+                <a:solidFill>
+                  <a:srgbClr val="303030"/>
+                </a:solidFill>
+                <a:latin typeface="Arial"/>
+                <a:ea typeface="Arial"/>
+                <a:cs typeface="Arial"/>
+              </a:rPr>
+              <a:t>Medicine</a:t>
+            </a:r>
+          </a:p>
+        </p:txBody>
+      </p:sp>
+      <p:sp>
+        <p:nvSpPr>
+          <p:cNvPr id="9" name="Rectangle">
+            <a:extLst>
+              <a:ext uri="{FF2B5EF4-FFF2-40B4-BE49-F238E27FC236}">
+                <a16:creationId xmlns:a16="http://schemas.microsoft.com/office/drawing/2014/main" id="{F15913E0-62F2-6F88-12C5-00B563E8EC57}"/>
+              </a:ext>
+            </a:extLst>
+          </p:cNvPr>
+          <p:cNvSpPr/>
+          <p:nvPr/>
+        </p:nvSpPr>
+        <p:spPr>
+          <a:xfrm>
+            <a:off x="-81147" y="743095"/>
+            <a:ext cx="503930" cy="212833"/>
+          </a:xfrm>
+          <a:custGeom>
+            <a:avLst/>
+            <a:gdLst/>
+            <a:ahLst/>
+            <a:cxnLst/>
+            <a:rect l="l" t="t" r="r" b="b"/>
+            <a:pathLst>
+              <a:path w="726789" h="296400" stroke="0">
+                <a:moveTo>
+                  <a:pt x="0" y="0"/>
+                </a:moveTo>
+                <a:lnTo>
+                  <a:pt x="726789" y="0"/>
+                </a:lnTo>
+                <a:lnTo>
+                  <a:pt x="726789" y="296400"/>
+                </a:lnTo>
+                <a:lnTo>
+                  <a:pt x="0" y="296400"/>
+                </a:lnTo>
+                <a:lnTo>
+                  <a:pt x="0" y="0"/>
+                </a:lnTo>
+                <a:close/>
+              </a:path>
+              <a:path w="726789" h="296400" fill="none">
+                <a:moveTo>
+                  <a:pt x="0" y="0"/>
+                </a:moveTo>
+                <a:lnTo>
+                  <a:pt x="726789" y="0"/>
+                </a:lnTo>
+                <a:lnTo>
+                  <a:pt x="726789" y="296400"/>
+                </a:lnTo>
+                <a:lnTo>
+                  <a:pt x="0" y="296400"/>
+                </a:lnTo>
+                <a:lnTo>
+                  <a:pt x="0" y="0"/>
+                </a:lnTo>
+                <a:close/>
+              </a:path>
+            </a:pathLst>
+          </a:custGeom>
+          <a:noFill/>
+          <a:ln w="7600" cap="flat">
+            <a:noFill/>
+            <a:miter/>
+          </a:ln>
+        </p:spPr>
+        <p:txBody>
+          <a:bodyPr wrap="square" lIns="38100" tIns="38100" rIns="38100" bIns="38100" rtlCol="0" anchor="t"/>
+          <a:lstStyle/>
+          <a:p>
+            <a:pPr algn="ctr"/>
+            <a:r>
+              <a:rPr lang="en-US" altLang="zh-CN" sz="900" b="1" dirty="0">
+                <a:solidFill>
+                  <a:srgbClr val="303030"/>
+                </a:solidFill>
+                <a:latin typeface="Arial"/>
+                <a:ea typeface="Arial"/>
+                <a:cs typeface="Arial"/>
+              </a:rPr>
+              <a:t>Meal</a:t>
+            </a:r>
+            <a:endParaRPr lang="zh-CN" altLang="en-US" sz="900" b="1" dirty="0">
+              <a:solidFill>
+                <a:srgbClr val="303030"/>
+              </a:solidFill>
+              <a:latin typeface="Arial"/>
+              <a:ea typeface="Arial"/>
+              <a:cs typeface="Arial"/>
+            </a:endParaRPr>
+          </a:p>
+        </p:txBody>
+      </p:sp>
+      <p:sp>
+        <p:nvSpPr>
+          <p:cNvPr id="10" name="Rectangle">
+            <a:extLst>
+              <a:ext uri="{FF2B5EF4-FFF2-40B4-BE49-F238E27FC236}">
+                <a16:creationId xmlns:a16="http://schemas.microsoft.com/office/drawing/2014/main" id="{57A01EAA-F2D2-D6FE-D3AB-70A11F4DDE5F}"/>
+              </a:ext>
+            </a:extLst>
+          </p:cNvPr>
+          <p:cNvSpPr/>
+          <p:nvPr/>
+        </p:nvSpPr>
+        <p:spPr>
+          <a:xfrm>
+            <a:off x="1619402" y="1557966"/>
+            <a:ext cx="618779" cy="212833"/>
+          </a:xfrm>
+          <a:custGeom>
+            <a:avLst/>
+            <a:gdLst/>
+            <a:ahLst/>
+            <a:cxnLst/>
+            <a:rect l="l" t="t" r="r" b="b"/>
+            <a:pathLst>
+              <a:path w="1504139" h="296400" stroke="0">
+                <a:moveTo>
+                  <a:pt x="0" y="0"/>
+                </a:moveTo>
+                <a:lnTo>
+                  <a:pt x="1504139" y="0"/>
+                </a:lnTo>
+                <a:lnTo>
+                  <a:pt x="1504139" y="296400"/>
+                </a:lnTo>
+                <a:lnTo>
+                  <a:pt x="0" y="296400"/>
+                </a:lnTo>
+                <a:lnTo>
+                  <a:pt x="0" y="0"/>
+                </a:lnTo>
+                <a:close/>
+              </a:path>
+              <a:path w="1504139" h="296400" fill="none">
+                <a:moveTo>
+                  <a:pt x="0" y="0"/>
+                </a:moveTo>
+                <a:lnTo>
+                  <a:pt x="1504139" y="0"/>
+                </a:lnTo>
+                <a:lnTo>
+                  <a:pt x="1504139" y="296400"/>
+                </a:lnTo>
+                <a:lnTo>
+                  <a:pt x="0" y="296400"/>
+                </a:lnTo>
+                <a:lnTo>
+                  <a:pt x="0" y="0"/>
+                </a:lnTo>
+                <a:close/>
+              </a:path>
+            </a:pathLst>
+          </a:custGeom>
+          <a:noFill/>
+          <a:ln w="7600" cap="flat">
+            <a:noFill/>
+            <a:miter/>
+          </a:ln>
+        </p:spPr>
+        <p:txBody>
+          <a:bodyPr wrap="square" lIns="38100" tIns="38100" rIns="38100" bIns="38100" rtlCol="0" anchor="t"/>
+          <a:lstStyle/>
+          <a:p>
+            <a:pPr algn="ctr"/>
+            <a:r>
+              <a:rPr lang="en-US" altLang="zh-CN" sz="800" b="1" dirty="0">
+                <a:solidFill>
+                  <a:srgbClr val="303030"/>
+                </a:solidFill>
+                <a:latin typeface="Arial"/>
+                <a:ea typeface="Arial"/>
+                <a:cs typeface="Arial"/>
+              </a:rPr>
+              <a:t>Dynamic models</a:t>
+            </a:r>
+            <a:endParaRPr lang="zh-CN" altLang="en-US" sz="800" b="1" dirty="0">
+              <a:solidFill>
+                <a:srgbClr val="303030"/>
+              </a:solidFill>
+              <a:latin typeface="Arial"/>
+              <a:ea typeface="Arial"/>
+              <a:cs typeface="Arial"/>
+            </a:endParaRPr>
+          </a:p>
+        </p:txBody>
+      </p:sp>
+      <p:sp>
+        <p:nvSpPr>
+          <p:cNvPr id="12" name="Rectangle">
+            <a:extLst>
+              <a:ext uri="{FF2B5EF4-FFF2-40B4-BE49-F238E27FC236}">
+                <a16:creationId xmlns:a16="http://schemas.microsoft.com/office/drawing/2014/main" id="{321B943D-B0BB-9419-60A3-9CAABBCB903B}"/>
+              </a:ext>
+            </a:extLst>
+          </p:cNvPr>
+          <p:cNvSpPr/>
+          <p:nvPr/>
+        </p:nvSpPr>
+        <p:spPr>
+          <a:xfrm>
+            <a:off x="308201" y="742262"/>
+            <a:ext cx="301569" cy="238317"/>
+          </a:xfrm>
+          <a:custGeom>
+            <a:avLst/>
+            <a:gdLst/>
+            <a:ahLst/>
+            <a:cxnLst/>
+            <a:rect l="l" t="t" r="r" b="b"/>
+            <a:pathLst>
+              <a:path w="434935" h="331890" stroke="0">
+                <a:moveTo>
+                  <a:pt x="0" y="0"/>
+                </a:moveTo>
+                <a:lnTo>
+                  <a:pt x="434935" y="0"/>
+                </a:lnTo>
+                <a:lnTo>
+                  <a:pt x="434935" y="331890"/>
+                </a:lnTo>
+                <a:lnTo>
+                  <a:pt x="0" y="331890"/>
+                </a:lnTo>
+                <a:lnTo>
+                  <a:pt x="0" y="0"/>
+                </a:lnTo>
+                <a:close/>
+              </a:path>
+              <a:path w="434935" h="331890" fill="none">
+                <a:moveTo>
+                  <a:pt x="0" y="0"/>
+                </a:moveTo>
+                <a:lnTo>
+                  <a:pt x="434935" y="0"/>
+                </a:lnTo>
+                <a:lnTo>
+                  <a:pt x="434935" y="331890"/>
+                </a:lnTo>
+                <a:lnTo>
+                  <a:pt x="0" y="331890"/>
+                </a:lnTo>
+                <a:lnTo>
+                  <a:pt x="0" y="0"/>
+                </a:lnTo>
+                <a:close/>
+              </a:path>
+            </a:pathLst>
+          </a:custGeom>
+          <a:noFill/>
+          <a:ln w="7600" cap="flat">
+            <a:noFill/>
+            <a:miter/>
+          </a:ln>
+        </p:spPr>
+        <p:txBody>
+          <a:bodyPr wrap="square" lIns="38100" tIns="38100" rIns="38100" bIns="38100" rtlCol="0" anchor="t"/>
+          <a:lstStyle/>
+          <a:p>
+            <a:pPr algn="ctr"/>
+            <a:r>
+              <a:rPr lang="zh-CN" altLang="en-US" sz="1100" dirty="0">
+                <a:solidFill>
+                  <a:srgbClr val="191919"/>
+                </a:solidFill>
+                <a:latin typeface="Arial"/>
+                <a:ea typeface="Arial"/>
+                <a:cs typeface="Arial"/>
+              </a:rPr>
+              <a:t>🍚</a:t>
+            </a:r>
+          </a:p>
+        </p:txBody>
+      </p:sp>
+      <p:grpSp>
+        <p:nvGrpSpPr>
+          <p:cNvPr id="13" name="Group 12">
+            <a:extLst>
+              <a:ext uri="{FF2B5EF4-FFF2-40B4-BE49-F238E27FC236}">
+                <a16:creationId xmlns:a16="http://schemas.microsoft.com/office/drawing/2014/main" id="{F9F0FE6E-DA92-58AF-D8C5-792323342D95}"/>
+              </a:ext>
+            </a:extLst>
+          </p:cNvPr>
+          <p:cNvGrpSpPr/>
+          <p:nvPr/>
+        </p:nvGrpSpPr>
+        <p:grpSpPr>
+          <a:xfrm rot="10800000">
+            <a:off x="609771" y="796267"/>
+            <a:ext cx="118435" cy="130309"/>
+            <a:chOff x="122203" y="2260827"/>
+            <a:chExt cx="170812" cy="181474"/>
+          </a:xfrm>
+        </p:grpSpPr>
+        <p:sp>
+          <p:nvSpPr>
+            <p:cNvPr id="1107" name="Freeform 1106">
+              <a:extLst>
+                <a:ext uri="{FF2B5EF4-FFF2-40B4-BE49-F238E27FC236}">
+                  <a16:creationId xmlns:a16="http://schemas.microsoft.com/office/drawing/2014/main" id="{BAB104C6-04DF-DFCC-862C-B851E650D76B}"/>
+                </a:ext>
+              </a:extLst>
+            </p:cNvPr>
+            <p:cNvSpPr/>
+            <p:nvPr/>
+          </p:nvSpPr>
+          <p:spPr>
+            <a:xfrm>
+              <a:off x="122203" y="2260827"/>
+              <a:ext cx="103542" cy="181474"/>
+            </a:xfrm>
+            <a:custGeom>
+              <a:avLst/>
+              <a:gdLst/>
+              <a:ahLst/>
+              <a:cxnLst/>
+              <a:rect l="l" t="t" r="r" b="b"/>
+              <a:pathLst>
+                <a:path w="103542" h="181474" stroke="0">
+                  <a:moveTo>
+                    <a:pt x="91021" y="181474"/>
+                  </a:moveTo>
+                  <a:cubicBezTo>
+                    <a:pt x="87813" y="181474"/>
+                    <a:pt x="84604" y="180213"/>
+                    <a:pt x="82083" y="177806"/>
+                  </a:cubicBezTo>
+                  <a:lnTo>
+                    <a:pt x="3696" y="99405"/>
+                  </a:lnTo>
+                  <a:cubicBezTo>
+                    <a:pt x="-1232" y="94476"/>
+                    <a:pt x="-1232" y="86453"/>
+                    <a:pt x="3696" y="81524"/>
+                  </a:cubicBezTo>
+                  <a:lnTo>
+                    <a:pt x="81510" y="3697"/>
+                  </a:lnTo>
+                  <a:cubicBezTo>
+                    <a:pt x="86437" y="-1232"/>
+                    <a:pt x="94460" y="-1232"/>
+                    <a:pt x="99387" y="3697"/>
+                  </a:cubicBezTo>
+                  <a:cubicBezTo>
+                    <a:pt x="104315" y="8625"/>
+                    <a:pt x="104315" y="16649"/>
+                    <a:pt x="99387" y="21577"/>
+                  </a:cubicBezTo>
+                  <a:lnTo>
+                    <a:pt x="30398" y="90579"/>
+                  </a:lnTo>
+                  <a:lnTo>
+                    <a:pt x="99846" y="160040"/>
+                  </a:lnTo>
+                  <a:cubicBezTo>
+                    <a:pt x="104774" y="164968"/>
+                    <a:pt x="104774" y="172992"/>
+                    <a:pt x="99846" y="177920"/>
+                  </a:cubicBezTo>
+                  <a:cubicBezTo>
+                    <a:pt x="97439" y="180327"/>
+                    <a:pt x="94230" y="181474"/>
+                    <a:pt x="91021" y="181474"/>
+                  </a:cubicBezTo>
+                  <a:close/>
+                </a:path>
+                <a:path w="103542" h="181474" fill="none">
+                  <a:moveTo>
+                    <a:pt x="91021" y="181474"/>
+                  </a:moveTo>
+                  <a:cubicBezTo>
+                    <a:pt x="87813" y="181474"/>
+                    <a:pt x="84604" y="180213"/>
+                    <a:pt x="82083" y="177806"/>
+                  </a:cubicBezTo>
+                  <a:lnTo>
+                    <a:pt x="3696" y="99405"/>
+                  </a:lnTo>
+                  <a:cubicBezTo>
+                    <a:pt x="-1232" y="94476"/>
+                    <a:pt x="-1232" y="86453"/>
+                    <a:pt x="3696" y="81524"/>
+                  </a:cubicBezTo>
+                  <a:lnTo>
+                    <a:pt x="81510" y="3697"/>
+                  </a:lnTo>
+                  <a:cubicBezTo>
+                    <a:pt x="86437" y="-1232"/>
+                    <a:pt x="94460" y="-1232"/>
+                    <a:pt x="99387" y="3697"/>
+                  </a:cubicBezTo>
+                  <a:cubicBezTo>
+                    <a:pt x="104315" y="8625"/>
+                    <a:pt x="104315" y="16649"/>
+                    <a:pt x="99387" y="21577"/>
+                  </a:cubicBezTo>
+                  <a:lnTo>
+                    <a:pt x="30398" y="90579"/>
+                  </a:lnTo>
+                  <a:lnTo>
+                    <a:pt x="99846" y="160040"/>
+                  </a:lnTo>
+                  <a:cubicBezTo>
+                    <a:pt x="104774" y="164968"/>
+                    <a:pt x="104774" y="172992"/>
+                    <a:pt x="99846" y="177920"/>
+                  </a:cubicBezTo>
+                  <a:cubicBezTo>
+                    <a:pt x="97439" y="180327"/>
+                    <a:pt x="94230" y="181474"/>
+                    <a:pt x="91021" y="181474"/>
+                  </a:cubicBezTo>
+                  <a:close/>
+                </a:path>
+              </a:pathLst>
+            </a:custGeom>
+            <a:solidFill>
+              <a:srgbClr val="9B9C9B"/>
+            </a:solidFill>
+            <a:ln w="7600" cap="flat">
+              <a:noFill/>
+              <a:miter/>
+            </a:ln>
+          </p:spPr>
+        </p:sp>
+        <p:sp>
+          <p:nvSpPr>
+            <p:cNvPr id="1108" name="Freeform 1107">
+              <a:extLst>
+                <a:ext uri="{FF2B5EF4-FFF2-40B4-BE49-F238E27FC236}">
+                  <a16:creationId xmlns:a16="http://schemas.microsoft.com/office/drawing/2014/main" id="{C24FF89F-764A-1648-1DFF-1A3EC33D6254}"/>
+                </a:ext>
+              </a:extLst>
+            </p:cNvPr>
+            <p:cNvSpPr/>
+            <p:nvPr/>
+          </p:nvSpPr>
+          <p:spPr>
+            <a:xfrm>
+              <a:off x="189473" y="2260827"/>
+              <a:ext cx="103542" cy="181474"/>
+            </a:xfrm>
+            <a:custGeom>
+              <a:avLst/>
+              <a:gdLst/>
+              <a:ahLst/>
+              <a:cxnLst/>
+              <a:rect l="l" t="t" r="r" b="b"/>
+              <a:pathLst>
+                <a:path w="103542" h="181474" stroke="0">
+                  <a:moveTo>
+                    <a:pt x="91021" y="181474"/>
+                  </a:moveTo>
+                  <a:cubicBezTo>
+                    <a:pt x="87813" y="181474"/>
+                    <a:pt x="84604" y="180213"/>
+                    <a:pt x="82083" y="177806"/>
+                  </a:cubicBezTo>
+                  <a:lnTo>
+                    <a:pt x="3696" y="99405"/>
+                  </a:lnTo>
+                  <a:cubicBezTo>
+                    <a:pt x="-1232" y="94476"/>
+                    <a:pt x="-1232" y="86453"/>
+                    <a:pt x="3696" y="81524"/>
+                  </a:cubicBezTo>
+                  <a:lnTo>
+                    <a:pt x="81510" y="3697"/>
+                  </a:lnTo>
+                  <a:cubicBezTo>
+                    <a:pt x="86437" y="-1232"/>
+                    <a:pt x="94460" y="-1232"/>
+                    <a:pt x="99387" y="3697"/>
+                  </a:cubicBezTo>
+                  <a:cubicBezTo>
+                    <a:pt x="104315" y="8625"/>
+                    <a:pt x="104315" y="16649"/>
+                    <a:pt x="99387" y="21577"/>
+                  </a:cubicBezTo>
+                  <a:lnTo>
+                    <a:pt x="30398" y="90579"/>
+                  </a:lnTo>
+                  <a:lnTo>
+                    <a:pt x="99846" y="160040"/>
+                  </a:lnTo>
+                  <a:cubicBezTo>
+                    <a:pt x="104774" y="164968"/>
+                    <a:pt x="104774" y="172992"/>
+                    <a:pt x="99846" y="177920"/>
+                  </a:cubicBezTo>
+                  <a:cubicBezTo>
+                    <a:pt x="97439" y="180327"/>
+                    <a:pt x="94230" y="181474"/>
+                    <a:pt x="91021" y="181474"/>
+                  </a:cubicBezTo>
+                  <a:close/>
+                </a:path>
+                <a:path w="103542" h="181474" fill="none">
+                  <a:moveTo>
+                    <a:pt x="91021" y="181474"/>
+                  </a:moveTo>
+                  <a:cubicBezTo>
+                    <a:pt x="87813" y="181474"/>
+                    <a:pt x="84604" y="180213"/>
+                    <a:pt x="82083" y="177806"/>
+                  </a:cubicBezTo>
+                  <a:lnTo>
+                    <a:pt x="3696" y="99405"/>
+                  </a:lnTo>
+                  <a:cubicBezTo>
+                    <a:pt x="-1232" y="94476"/>
+                    <a:pt x="-1232" y="86453"/>
+                    <a:pt x="3696" y="81524"/>
+                  </a:cubicBezTo>
+                  <a:lnTo>
+                    <a:pt x="81510" y="3697"/>
+                  </a:lnTo>
+                  <a:cubicBezTo>
+                    <a:pt x="86437" y="-1232"/>
+                    <a:pt x="94460" y="-1232"/>
+                    <a:pt x="99387" y="3697"/>
+                  </a:cubicBezTo>
+                  <a:cubicBezTo>
+                    <a:pt x="104315" y="8625"/>
+                    <a:pt x="104315" y="16649"/>
+                    <a:pt x="99387" y="21577"/>
+                  </a:cubicBezTo>
+                  <a:lnTo>
+                    <a:pt x="30398" y="90579"/>
+                  </a:lnTo>
+                  <a:lnTo>
+                    <a:pt x="99846" y="160040"/>
+                  </a:lnTo>
+                  <a:cubicBezTo>
+                    <a:pt x="104774" y="164968"/>
+                    <a:pt x="104774" y="172992"/>
+                    <a:pt x="99846" y="177920"/>
+                  </a:cubicBezTo>
+                  <a:cubicBezTo>
+                    <a:pt x="97439" y="180327"/>
+                    <a:pt x="94230" y="181474"/>
+                    <a:pt x="91021" y="181474"/>
+                  </a:cubicBezTo>
+                  <a:close/>
+                </a:path>
+              </a:pathLst>
+            </a:custGeom>
+            <a:solidFill>
+              <a:srgbClr val="9B9C9B"/>
+            </a:solidFill>
+            <a:ln w="7600" cap="flat">
+              <a:noFill/>
+              <a:miter/>
+            </a:ln>
+          </p:spPr>
+        </p:sp>
+      </p:grpSp>
+      <p:sp>
+        <p:nvSpPr>
+          <p:cNvPr id="14" name="Rectangle">
+            <a:extLst>
+              <a:ext uri="{FF2B5EF4-FFF2-40B4-BE49-F238E27FC236}">
+                <a16:creationId xmlns:a16="http://schemas.microsoft.com/office/drawing/2014/main" id="{86508F2C-7B3B-8F96-3A7A-532C7ABE8055}"/>
+              </a:ext>
+            </a:extLst>
+          </p:cNvPr>
+          <p:cNvSpPr/>
+          <p:nvPr/>
+        </p:nvSpPr>
+        <p:spPr>
+          <a:xfrm>
+            <a:off x="50195" y="1358647"/>
+            <a:ext cx="423786" cy="272862"/>
+          </a:xfrm>
+          <a:custGeom>
+            <a:avLst/>
+            <a:gdLst/>
+            <a:ahLst/>
+            <a:cxnLst/>
+            <a:rect l="l" t="t" r="r" b="b"/>
+            <a:pathLst>
+              <a:path w="611202" h="380000" stroke="0">
+                <a:moveTo>
+                  <a:pt x="0" y="0"/>
+                </a:moveTo>
+                <a:lnTo>
+                  <a:pt x="611202" y="0"/>
+                </a:lnTo>
+                <a:lnTo>
+                  <a:pt x="611202" y="380000"/>
+                </a:lnTo>
+                <a:lnTo>
+                  <a:pt x="0" y="380000"/>
+                </a:lnTo>
+                <a:lnTo>
+                  <a:pt x="0" y="0"/>
+                </a:lnTo>
+                <a:close/>
+              </a:path>
+              <a:path w="611202" h="380000" fill="none">
+                <a:moveTo>
+                  <a:pt x="0" y="0"/>
+                </a:moveTo>
+                <a:lnTo>
+                  <a:pt x="611202" y="0"/>
+                </a:lnTo>
+                <a:lnTo>
+                  <a:pt x="611202" y="380000"/>
+                </a:lnTo>
+                <a:lnTo>
+                  <a:pt x="0" y="380000"/>
+                </a:lnTo>
+                <a:lnTo>
+                  <a:pt x="0" y="0"/>
+                </a:lnTo>
+                <a:close/>
+              </a:path>
+            </a:pathLst>
+          </a:custGeom>
+          <a:noFill/>
+          <a:ln w="7600" cap="flat">
+            <a:noFill/>
+            <a:miter/>
+          </a:ln>
+        </p:spPr>
+        <p:txBody>
+          <a:bodyPr wrap="square" lIns="38100" tIns="38100" rIns="38100" bIns="38100" rtlCol="0" anchor="ctr"/>
+          <a:lstStyle/>
+          <a:p>
+            <a:pPr algn="l"/>
+            <a:r>
+              <a:rPr lang="zh-CN" altLang="en-US" sz="1100" dirty="0">
+                <a:solidFill>
+                  <a:srgbClr val="000000"/>
+                </a:solidFill>
+                <a:latin typeface="Arial"/>
+                <a:ea typeface="Arial"/>
+                <a:cs typeface="Arial"/>
+              </a:rPr>
+              <a:t>💉 💊 </a:t>
+            </a:r>
+          </a:p>
+        </p:txBody>
+      </p:sp>
+      <p:grpSp>
+        <p:nvGrpSpPr>
+          <p:cNvPr id="15" name="Group 14">
+            <a:extLst>
+              <a:ext uri="{FF2B5EF4-FFF2-40B4-BE49-F238E27FC236}">
+                <a16:creationId xmlns:a16="http://schemas.microsoft.com/office/drawing/2014/main" id="{257551DC-25ED-568F-BEAB-0870A634983E}"/>
+              </a:ext>
+            </a:extLst>
+          </p:cNvPr>
+          <p:cNvGrpSpPr/>
+          <p:nvPr/>
+        </p:nvGrpSpPr>
+        <p:grpSpPr>
+          <a:xfrm>
+            <a:off x="1722555" y="1128057"/>
+            <a:ext cx="574358" cy="401252"/>
+            <a:chOff x="2355969" y="2757383"/>
+            <a:chExt cx="1269200" cy="800533"/>
+          </a:xfrm>
+        </p:grpSpPr>
+        <p:sp>
+          <p:nvSpPr>
+            <p:cNvPr id="1093" name="Ellipse">
+              <a:extLst>
+                <a:ext uri="{FF2B5EF4-FFF2-40B4-BE49-F238E27FC236}">
+                  <a16:creationId xmlns:a16="http://schemas.microsoft.com/office/drawing/2014/main" id="{AB4190BA-237B-5043-0487-41B7013C7D91}"/>
+                </a:ext>
+              </a:extLst>
+            </p:cNvPr>
+            <p:cNvSpPr/>
+            <p:nvPr/>
+          </p:nvSpPr>
+          <p:spPr>
+            <a:xfrm>
+              <a:off x="2591569" y="2757383"/>
+              <a:ext cx="121600" cy="121600"/>
+            </a:xfrm>
+            <a:custGeom>
+              <a:avLst/>
+              <a:gdLst>
+                <a:gd name="connsiteX0" fmla="*/ 0 w 121600"/>
+                <a:gd name="connsiteY0" fmla="*/ 60800 h 121600"/>
+                <a:gd name="connsiteX1" fmla="*/ 60800 w 121600"/>
+                <a:gd name="connsiteY1" fmla="*/ 0 h 121600"/>
+                <a:gd name="connsiteX2" fmla="*/ 121600 w 121600"/>
+                <a:gd name="connsiteY2" fmla="*/ 60800 h 121600"/>
+                <a:gd name="connsiteX3" fmla="*/ 60800 w 121600"/>
+                <a:gd name="connsiteY3" fmla="*/ 121600 h 121600"/>
+              </a:gdLst>
+              <a:ahLst/>
+              <a:cxnLst>
+                <a:cxn ang="10800000">
+                  <a:pos x="connsiteX0" y="connsiteY0"/>
+                </a:cxn>
+                <a:cxn ang="16200000">
+                  <a:pos x="connsiteX1" y="connsiteY1"/>
+                </a:cxn>
+                <a:cxn ang="0">
+                  <a:pos x="connsiteX2" y="connsiteY2"/>
+                </a:cxn>
+                <a:cxn ang="5400000">
+                  <a:pos x="connsiteX3" y="connsiteY3"/>
+                </a:cxn>
+              </a:cxnLst>
+              <a:rect l="l" t="t" r="r" b="b"/>
+              <a:pathLst>
+                <a:path w="121600" h="121600" stroke="0">
+                  <a:moveTo>
+                    <a:pt x="0" y="60800"/>
+                  </a:moveTo>
+                  <a:cubicBezTo>
+                    <a:pt x="0" y="27221"/>
+                    <a:pt x="27221" y="0"/>
+                    <a:pt x="60800" y="0"/>
+                  </a:cubicBezTo>
+                  <a:cubicBezTo>
+                    <a:pt x="94379" y="0"/>
+                    <a:pt x="121600" y="27221"/>
+                    <a:pt x="121600" y="60800"/>
+                  </a:cubicBezTo>
+                  <a:cubicBezTo>
+                    <a:pt x="121600" y="94379"/>
+                    <a:pt x="94379" y="121600"/>
+                    <a:pt x="60800" y="121600"/>
+                  </a:cubicBezTo>
+                  <a:cubicBezTo>
+                    <a:pt x="27221" y="121600"/>
+                    <a:pt x="0" y="94379"/>
+                    <a:pt x="0" y="60800"/>
+                  </a:cubicBezTo>
+                  <a:close/>
+                </a:path>
+                <a:path w="121600" h="121600" fill="none">
+                  <a:moveTo>
+                    <a:pt x="0" y="60800"/>
+                  </a:moveTo>
+                  <a:cubicBezTo>
+                    <a:pt x="0" y="27221"/>
+                    <a:pt x="27221" y="0"/>
+                    <a:pt x="60800" y="0"/>
+                  </a:cubicBezTo>
+                  <a:cubicBezTo>
+                    <a:pt x="94379" y="0"/>
+                    <a:pt x="121600" y="27221"/>
+                    <a:pt x="121600" y="60800"/>
+                  </a:cubicBezTo>
+                  <a:cubicBezTo>
+                    <a:pt x="121600" y="94379"/>
+                    <a:pt x="94379" y="121600"/>
+                    <a:pt x="60800" y="121600"/>
+                  </a:cubicBezTo>
+                  <a:cubicBezTo>
+                    <a:pt x="27221" y="121600"/>
+                    <a:pt x="0" y="94379"/>
+                    <a:pt x="0" y="60800"/>
+                  </a:cubicBezTo>
+                  <a:close/>
+                </a:path>
+              </a:pathLst>
+            </a:custGeom>
+            <a:solidFill>
+              <a:srgbClr val="000000"/>
+            </a:solidFill>
+            <a:ln w="7600" cap="flat">
+              <a:solidFill>
+                <a:srgbClr val="000000"/>
+              </a:solidFill>
+              <a:miter/>
+            </a:ln>
+          </p:spPr>
+        </p:sp>
+        <p:sp>
+          <p:nvSpPr>
+            <p:cNvPr id="1094" name="Ellipse">
+              <a:extLst>
+                <a:ext uri="{FF2B5EF4-FFF2-40B4-BE49-F238E27FC236}">
+                  <a16:creationId xmlns:a16="http://schemas.microsoft.com/office/drawing/2014/main" id="{D84FF82F-112F-7012-5396-0B5C08F2274D}"/>
+                </a:ext>
+              </a:extLst>
+            </p:cNvPr>
+            <p:cNvSpPr/>
+            <p:nvPr/>
+          </p:nvSpPr>
+          <p:spPr>
+            <a:xfrm>
+              <a:off x="2986769" y="2757383"/>
+              <a:ext cx="121600" cy="121600"/>
+            </a:xfrm>
+            <a:custGeom>
+              <a:avLst/>
+              <a:gdLst>
+                <a:gd name="connsiteX0" fmla="*/ 0 w 121600"/>
+                <a:gd name="connsiteY0" fmla="*/ 60800 h 121600"/>
+                <a:gd name="connsiteX1" fmla="*/ 60800 w 121600"/>
+                <a:gd name="connsiteY1" fmla="*/ 0 h 121600"/>
+                <a:gd name="connsiteX2" fmla="*/ 121600 w 121600"/>
+                <a:gd name="connsiteY2" fmla="*/ 60800 h 121600"/>
+                <a:gd name="connsiteX3" fmla="*/ 60800 w 121600"/>
+                <a:gd name="connsiteY3" fmla="*/ 121600 h 121600"/>
+              </a:gdLst>
+              <a:ahLst/>
+              <a:cxnLst>
+                <a:cxn ang="10800000">
+                  <a:pos x="connsiteX0" y="connsiteY0"/>
+                </a:cxn>
+                <a:cxn ang="16200000">
+                  <a:pos x="connsiteX1" y="connsiteY1"/>
+                </a:cxn>
+                <a:cxn ang="0">
+                  <a:pos x="connsiteX2" y="connsiteY2"/>
+                </a:cxn>
+                <a:cxn ang="5400000">
+                  <a:pos x="connsiteX3" y="connsiteY3"/>
+                </a:cxn>
+              </a:cxnLst>
+              <a:rect l="l" t="t" r="r" b="b"/>
+              <a:pathLst>
+                <a:path w="121600" h="121600" stroke="0">
+                  <a:moveTo>
+                    <a:pt x="0" y="60800"/>
+                  </a:moveTo>
+                  <a:cubicBezTo>
+                    <a:pt x="0" y="27221"/>
+                    <a:pt x="27221" y="0"/>
+                    <a:pt x="60800" y="0"/>
+                  </a:cubicBezTo>
+                  <a:cubicBezTo>
+                    <a:pt x="94379" y="0"/>
+                    <a:pt x="121600" y="27221"/>
+                    <a:pt x="121600" y="60800"/>
+                  </a:cubicBezTo>
+                  <a:cubicBezTo>
+                    <a:pt x="121600" y="94379"/>
+                    <a:pt x="94379" y="121600"/>
+                    <a:pt x="60800" y="121600"/>
+                  </a:cubicBezTo>
+                  <a:cubicBezTo>
+                    <a:pt x="27221" y="121600"/>
+                    <a:pt x="0" y="94379"/>
+                    <a:pt x="0" y="60800"/>
+                  </a:cubicBezTo>
+                  <a:close/>
+                </a:path>
+                <a:path w="121600" h="121600" fill="none">
+                  <a:moveTo>
+                    <a:pt x="0" y="60800"/>
+                  </a:moveTo>
+                  <a:cubicBezTo>
+                    <a:pt x="0" y="27221"/>
+                    <a:pt x="27221" y="0"/>
+                    <a:pt x="60800" y="0"/>
+                  </a:cubicBezTo>
+                  <a:cubicBezTo>
+                    <a:pt x="94379" y="0"/>
+                    <a:pt x="121600" y="27221"/>
+                    <a:pt x="121600" y="60800"/>
+                  </a:cubicBezTo>
+                  <a:cubicBezTo>
+                    <a:pt x="121600" y="94379"/>
+                    <a:pt x="94379" y="121600"/>
+                    <a:pt x="60800" y="121600"/>
+                  </a:cubicBezTo>
+                  <a:cubicBezTo>
+                    <a:pt x="27221" y="121600"/>
+                    <a:pt x="0" y="94379"/>
+                    <a:pt x="0" y="60800"/>
+                  </a:cubicBezTo>
+                  <a:close/>
+                </a:path>
+              </a:pathLst>
+            </a:custGeom>
+            <a:solidFill>
+              <a:srgbClr val="000000"/>
+            </a:solidFill>
+            <a:ln w="7600" cap="flat">
+              <a:solidFill>
+                <a:srgbClr val="000000"/>
+              </a:solidFill>
+              <a:miter/>
+            </a:ln>
+          </p:spPr>
+        </p:sp>
+        <p:sp>
+          <p:nvSpPr>
+            <p:cNvPr id="1095" name="ConnectLine">
+              <a:extLst>
+                <a:ext uri="{FF2B5EF4-FFF2-40B4-BE49-F238E27FC236}">
+                  <a16:creationId xmlns:a16="http://schemas.microsoft.com/office/drawing/2014/main" id="{8737AE08-9BA6-7EF5-B844-505FCC447845}"/>
+                </a:ext>
+              </a:extLst>
+            </p:cNvPr>
+            <p:cNvSpPr/>
+            <p:nvPr/>
+          </p:nvSpPr>
+          <p:spPr>
+            <a:xfrm>
+              <a:off x="2713169" y="2818183"/>
+              <a:ext cx="273600" cy="7600"/>
+            </a:xfrm>
+            <a:custGeom>
+              <a:avLst/>
+              <a:gdLst/>
+              <a:ahLst/>
+              <a:cxnLst/>
+              <a:rect l="l" t="t" r="r" b="b"/>
+              <a:pathLst>
+                <a:path w="273600" h="7600" fill="none">
+                  <a:moveTo>
+                    <a:pt x="0" y="0"/>
+                  </a:moveTo>
+                  <a:lnTo>
+                    <a:pt x="273600" y="0"/>
+                  </a:lnTo>
+                </a:path>
+              </a:pathLst>
+            </a:custGeom>
+            <a:noFill/>
+            <a:ln w="20267" cap="flat">
+              <a:solidFill>
+                <a:srgbClr val="000000"/>
+              </a:solidFill>
+              <a:miter/>
+              <a:tailEnd type="triangle" w="sm" len="sm"/>
+            </a:ln>
+          </p:spPr>
+        </p:sp>
+        <p:sp>
+          <p:nvSpPr>
+            <p:cNvPr id="1096" name="Ellipse">
+              <a:extLst>
+                <a:ext uri="{FF2B5EF4-FFF2-40B4-BE49-F238E27FC236}">
+                  <a16:creationId xmlns:a16="http://schemas.microsoft.com/office/drawing/2014/main" id="{98FB77E9-4569-3882-47D4-76D27A0675E8}"/>
+                </a:ext>
+              </a:extLst>
+            </p:cNvPr>
+            <p:cNvSpPr/>
+            <p:nvPr/>
+          </p:nvSpPr>
+          <p:spPr>
+            <a:xfrm>
+              <a:off x="2424369" y="2932183"/>
+              <a:ext cx="121600" cy="121600"/>
+            </a:xfrm>
+            <a:custGeom>
+              <a:avLst/>
+              <a:gdLst>
+                <a:gd name="connsiteX0" fmla="*/ 0 w 121600"/>
+                <a:gd name="connsiteY0" fmla="*/ 60800 h 121600"/>
+                <a:gd name="connsiteX1" fmla="*/ 60800 w 121600"/>
+                <a:gd name="connsiteY1" fmla="*/ 0 h 121600"/>
+                <a:gd name="connsiteX2" fmla="*/ 121600 w 121600"/>
+                <a:gd name="connsiteY2" fmla="*/ 60800 h 121600"/>
+                <a:gd name="connsiteX3" fmla="*/ 60800 w 121600"/>
+                <a:gd name="connsiteY3" fmla="*/ 121600 h 121600"/>
+              </a:gdLst>
+              <a:ahLst/>
+              <a:cxnLst>
+                <a:cxn ang="10800000">
+                  <a:pos x="connsiteX0" y="connsiteY0"/>
+                </a:cxn>
+                <a:cxn ang="16200000">
+                  <a:pos x="connsiteX1" y="connsiteY1"/>
+                </a:cxn>
+                <a:cxn ang="0">
+                  <a:pos x="connsiteX2" y="connsiteY2"/>
+                </a:cxn>
+                <a:cxn ang="5400000">
+                  <a:pos x="connsiteX3" y="connsiteY3"/>
+                </a:cxn>
+              </a:cxnLst>
+              <a:rect l="l" t="t" r="r" b="b"/>
+              <a:pathLst>
+                <a:path w="121600" h="121600" stroke="0">
+                  <a:moveTo>
+                    <a:pt x="0" y="60800"/>
+                  </a:moveTo>
+                  <a:cubicBezTo>
+                    <a:pt x="0" y="27221"/>
+                    <a:pt x="27221" y="0"/>
+                    <a:pt x="60800" y="0"/>
+                  </a:cubicBezTo>
+                  <a:cubicBezTo>
+                    <a:pt x="94379" y="0"/>
+                    <a:pt x="121600" y="27221"/>
+                    <a:pt x="121600" y="60800"/>
+                  </a:cubicBezTo>
+                  <a:cubicBezTo>
+                    <a:pt x="121600" y="94379"/>
+                    <a:pt x="94379" y="121600"/>
+                    <a:pt x="60800" y="121600"/>
+                  </a:cubicBezTo>
+                  <a:cubicBezTo>
+                    <a:pt x="27221" y="121600"/>
+                    <a:pt x="0" y="94379"/>
+                    <a:pt x="0" y="60800"/>
+                  </a:cubicBezTo>
+                  <a:close/>
+                </a:path>
+                <a:path w="121600" h="121600" fill="none">
+                  <a:moveTo>
+                    <a:pt x="0" y="60800"/>
+                  </a:moveTo>
+                  <a:cubicBezTo>
+                    <a:pt x="0" y="27221"/>
+                    <a:pt x="27221" y="0"/>
+                    <a:pt x="60800" y="0"/>
+                  </a:cubicBezTo>
+                  <a:cubicBezTo>
+                    <a:pt x="94379" y="0"/>
+                    <a:pt x="121600" y="27221"/>
+                    <a:pt x="121600" y="60800"/>
+                  </a:cubicBezTo>
+                  <a:cubicBezTo>
+                    <a:pt x="121600" y="94379"/>
+                    <a:pt x="94379" y="121600"/>
+                    <a:pt x="60800" y="121600"/>
+                  </a:cubicBezTo>
+                  <a:cubicBezTo>
+                    <a:pt x="27221" y="121600"/>
+                    <a:pt x="0" y="94379"/>
+                    <a:pt x="0" y="60800"/>
+                  </a:cubicBezTo>
+                  <a:close/>
+                </a:path>
+              </a:pathLst>
+            </a:custGeom>
+            <a:solidFill>
+              <a:srgbClr val="000000"/>
+            </a:solidFill>
+            <a:ln w="7600" cap="flat">
+              <a:solidFill>
+                <a:srgbClr val="000000"/>
+              </a:solidFill>
+              <a:miter/>
+            </a:ln>
+          </p:spPr>
+        </p:sp>
+        <p:sp>
+          <p:nvSpPr>
+            <p:cNvPr id="1097" name="Ellipse">
+              <a:extLst>
+                <a:ext uri="{FF2B5EF4-FFF2-40B4-BE49-F238E27FC236}">
+                  <a16:creationId xmlns:a16="http://schemas.microsoft.com/office/drawing/2014/main" id="{04931871-ABC9-289A-1D75-2AD6887B3FDA}"/>
+                </a:ext>
+              </a:extLst>
+            </p:cNvPr>
+            <p:cNvSpPr/>
+            <p:nvPr/>
+          </p:nvSpPr>
+          <p:spPr>
+            <a:xfrm>
+              <a:off x="2827169" y="3152583"/>
+              <a:ext cx="121600" cy="121600"/>
+            </a:xfrm>
+            <a:custGeom>
+              <a:avLst/>
+              <a:gdLst>
+                <a:gd name="connsiteX0" fmla="*/ 0 w 121600"/>
+                <a:gd name="connsiteY0" fmla="*/ 60800 h 121600"/>
+                <a:gd name="connsiteX1" fmla="*/ 60800 w 121600"/>
+                <a:gd name="connsiteY1" fmla="*/ 0 h 121600"/>
+                <a:gd name="connsiteX2" fmla="*/ 121600 w 121600"/>
+                <a:gd name="connsiteY2" fmla="*/ 60800 h 121600"/>
+                <a:gd name="connsiteX3" fmla="*/ 60800 w 121600"/>
+                <a:gd name="connsiteY3" fmla="*/ 121600 h 121600"/>
+              </a:gdLst>
+              <a:ahLst/>
+              <a:cxnLst>
+                <a:cxn ang="10800000">
+                  <a:pos x="connsiteX0" y="connsiteY0"/>
+                </a:cxn>
+                <a:cxn ang="16200000">
+                  <a:pos x="connsiteX1" y="connsiteY1"/>
+                </a:cxn>
+                <a:cxn ang="0">
+                  <a:pos x="connsiteX2" y="connsiteY2"/>
+                </a:cxn>
+                <a:cxn ang="5400000">
+                  <a:pos x="connsiteX3" y="connsiteY3"/>
+                </a:cxn>
+              </a:cxnLst>
+              <a:rect l="l" t="t" r="r" b="b"/>
+              <a:pathLst>
+                <a:path w="121600" h="121600" stroke="0">
+                  <a:moveTo>
+                    <a:pt x="0" y="60800"/>
+                  </a:moveTo>
+                  <a:cubicBezTo>
+                    <a:pt x="0" y="27221"/>
+                    <a:pt x="27221" y="0"/>
+                    <a:pt x="60800" y="0"/>
+                  </a:cubicBezTo>
+                  <a:cubicBezTo>
+                    <a:pt x="94379" y="0"/>
+                    <a:pt x="121600" y="27221"/>
+                    <a:pt x="121600" y="60800"/>
+                  </a:cubicBezTo>
+                  <a:cubicBezTo>
+                    <a:pt x="121600" y="94379"/>
+                    <a:pt x="94379" y="121600"/>
+                    <a:pt x="60800" y="121600"/>
+                  </a:cubicBezTo>
+                  <a:cubicBezTo>
+                    <a:pt x="27221" y="121600"/>
+                    <a:pt x="0" y="94379"/>
+                    <a:pt x="0" y="60800"/>
+                  </a:cubicBezTo>
+                  <a:close/>
+                </a:path>
+                <a:path w="121600" h="121600" fill="none">
+                  <a:moveTo>
+                    <a:pt x="0" y="60800"/>
+                  </a:moveTo>
+                  <a:cubicBezTo>
+                    <a:pt x="0" y="27221"/>
+                    <a:pt x="27221" y="0"/>
+                    <a:pt x="60800" y="0"/>
+                  </a:cubicBezTo>
+                  <a:cubicBezTo>
+                    <a:pt x="94379" y="0"/>
+                    <a:pt x="121600" y="27221"/>
+                    <a:pt x="121600" y="60800"/>
+                  </a:cubicBezTo>
+                  <a:cubicBezTo>
+                    <a:pt x="121600" y="94379"/>
+                    <a:pt x="94379" y="121600"/>
+                    <a:pt x="60800" y="121600"/>
+                  </a:cubicBezTo>
+                  <a:cubicBezTo>
+                    <a:pt x="27221" y="121600"/>
+                    <a:pt x="0" y="94379"/>
+                    <a:pt x="0" y="60800"/>
+                  </a:cubicBezTo>
+                  <a:close/>
+                </a:path>
+              </a:pathLst>
+            </a:custGeom>
+            <a:solidFill>
+              <a:srgbClr val="000000"/>
+            </a:solidFill>
+            <a:ln w="7600" cap="flat">
+              <a:solidFill>
+                <a:srgbClr val="000000"/>
+              </a:solidFill>
+              <a:miter/>
+            </a:ln>
+          </p:spPr>
+        </p:sp>
+        <p:sp>
+          <p:nvSpPr>
+            <p:cNvPr id="1098" name="Ellipse">
+              <a:extLst>
+                <a:ext uri="{FF2B5EF4-FFF2-40B4-BE49-F238E27FC236}">
+                  <a16:creationId xmlns:a16="http://schemas.microsoft.com/office/drawing/2014/main" id="{88604774-EDB7-3313-DE06-83B58B6186E7}"/>
+                </a:ext>
+              </a:extLst>
+            </p:cNvPr>
+            <p:cNvSpPr/>
+            <p:nvPr/>
+          </p:nvSpPr>
+          <p:spPr>
+            <a:xfrm>
+              <a:off x="3055169" y="2985383"/>
+              <a:ext cx="121600" cy="121600"/>
+            </a:xfrm>
+            <a:custGeom>
+              <a:avLst/>
+              <a:gdLst>
+                <a:gd name="connsiteX0" fmla="*/ 0 w 121600"/>
+                <a:gd name="connsiteY0" fmla="*/ 60800 h 121600"/>
+                <a:gd name="connsiteX1" fmla="*/ 60800 w 121600"/>
+                <a:gd name="connsiteY1" fmla="*/ 0 h 121600"/>
+                <a:gd name="connsiteX2" fmla="*/ 121600 w 121600"/>
+                <a:gd name="connsiteY2" fmla="*/ 60800 h 121600"/>
+                <a:gd name="connsiteX3" fmla="*/ 60800 w 121600"/>
+                <a:gd name="connsiteY3" fmla="*/ 121600 h 121600"/>
+              </a:gdLst>
+              <a:ahLst/>
+              <a:cxnLst>
+                <a:cxn ang="10800000">
+                  <a:pos x="connsiteX0" y="connsiteY0"/>
+                </a:cxn>
+                <a:cxn ang="16200000">
+                  <a:pos x="connsiteX1" y="connsiteY1"/>
+                </a:cxn>
+                <a:cxn ang="0">
+                  <a:pos x="connsiteX2" y="connsiteY2"/>
+                </a:cxn>
+                <a:cxn ang="5400000">
+                  <a:pos x="connsiteX3" y="connsiteY3"/>
+                </a:cxn>
+              </a:cxnLst>
+              <a:rect l="l" t="t" r="r" b="b"/>
+              <a:pathLst>
+                <a:path w="121600" h="121600" stroke="0">
+                  <a:moveTo>
+                    <a:pt x="0" y="60800"/>
+                  </a:moveTo>
+                  <a:cubicBezTo>
+                    <a:pt x="0" y="27221"/>
+                    <a:pt x="27221" y="0"/>
+                    <a:pt x="60800" y="0"/>
+                  </a:cubicBezTo>
+                  <a:cubicBezTo>
+                    <a:pt x="94379" y="0"/>
+                    <a:pt x="121600" y="27221"/>
+                    <a:pt x="121600" y="60800"/>
+                  </a:cubicBezTo>
+                  <a:cubicBezTo>
+                    <a:pt x="121600" y="94379"/>
+                    <a:pt x="94379" y="121600"/>
+                    <a:pt x="60800" y="121600"/>
+                  </a:cubicBezTo>
+                  <a:cubicBezTo>
+                    <a:pt x="27221" y="121600"/>
+                    <a:pt x="0" y="94379"/>
+                    <a:pt x="0" y="60800"/>
+                  </a:cubicBezTo>
+                  <a:close/>
+                </a:path>
+                <a:path w="121600" h="121600" fill="none">
+                  <a:moveTo>
+                    <a:pt x="0" y="60800"/>
+                  </a:moveTo>
+                  <a:cubicBezTo>
+                    <a:pt x="0" y="27221"/>
+                    <a:pt x="27221" y="0"/>
+                    <a:pt x="60800" y="0"/>
+                  </a:cubicBezTo>
+                  <a:cubicBezTo>
+                    <a:pt x="94379" y="0"/>
+                    <a:pt x="121600" y="27221"/>
+                    <a:pt x="121600" y="60800"/>
+                  </a:cubicBezTo>
+                  <a:cubicBezTo>
+                    <a:pt x="121600" y="94379"/>
+                    <a:pt x="94379" y="121600"/>
+                    <a:pt x="60800" y="121600"/>
+                  </a:cubicBezTo>
+                  <a:cubicBezTo>
+                    <a:pt x="27221" y="121600"/>
+                    <a:pt x="0" y="94379"/>
+                    <a:pt x="0" y="60800"/>
+                  </a:cubicBezTo>
+                  <a:close/>
+                </a:path>
+              </a:pathLst>
+            </a:custGeom>
+            <a:solidFill>
+              <a:srgbClr val="000000"/>
+            </a:solidFill>
+            <a:ln w="7600" cap="flat">
+              <a:solidFill>
+                <a:srgbClr val="000000"/>
+              </a:solidFill>
+              <a:miter/>
+            </a:ln>
+          </p:spPr>
+        </p:sp>
+        <p:sp>
+          <p:nvSpPr>
+            <p:cNvPr id="1099" name="Ellipse">
+              <a:extLst>
+                <a:ext uri="{FF2B5EF4-FFF2-40B4-BE49-F238E27FC236}">
+                  <a16:creationId xmlns:a16="http://schemas.microsoft.com/office/drawing/2014/main" id="{44CC8614-7DD1-F2A7-109A-9F61EC6CE52F}"/>
+                </a:ext>
+              </a:extLst>
+            </p:cNvPr>
+            <p:cNvSpPr/>
+            <p:nvPr/>
+          </p:nvSpPr>
+          <p:spPr>
+            <a:xfrm>
+              <a:off x="2355969" y="3213383"/>
+              <a:ext cx="121600" cy="121600"/>
+            </a:xfrm>
+            <a:custGeom>
+              <a:avLst/>
+              <a:gdLst>
+                <a:gd name="connsiteX0" fmla="*/ 0 w 121600"/>
+                <a:gd name="connsiteY0" fmla="*/ 60800 h 121600"/>
+                <a:gd name="connsiteX1" fmla="*/ 60800 w 121600"/>
+                <a:gd name="connsiteY1" fmla="*/ 0 h 121600"/>
+                <a:gd name="connsiteX2" fmla="*/ 121600 w 121600"/>
+                <a:gd name="connsiteY2" fmla="*/ 60800 h 121600"/>
+                <a:gd name="connsiteX3" fmla="*/ 60800 w 121600"/>
+                <a:gd name="connsiteY3" fmla="*/ 121600 h 121600"/>
+              </a:gdLst>
+              <a:ahLst/>
+              <a:cxnLst>
+                <a:cxn ang="10800000">
+                  <a:pos x="connsiteX0" y="connsiteY0"/>
+                </a:cxn>
+                <a:cxn ang="16200000">
+                  <a:pos x="connsiteX1" y="connsiteY1"/>
+                </a:cxn>
+                <a:cxn ang="0">
+                  <a:pos x="connsiteX2" y="connsiteY2"/>
+                </a:cxn>
+                <a:cxn ang="5400000">
+                  <a:pos x="connsiteX3" y="connsiteY3"/>
+                </a:cxn>
+              </a:cxnLst>
+              <a:rect l="l" t="t" r="r" b="b"/>
+              <a:pathLst>
+                <a:path w="121600" h="121600" stroke="0">
+                  <a:moveTo>
+                    <a:pt x="0" y="60800"/>
+                  </a:moveTo>
+                  <a:cubicBezTo>
+                    <a:pt x="0" y="27221"/>
+                    <a:pt x="27221" y="0"/>
+                    <a:pt x="60800" y="0"/>
+                  </a:cubicBezTo>
+                  <a:cubicBezTo>
+                    <a:pt x="94379" y="0"/>
+                    <a:pt x="121600" y="27221"/>
+                    <a:pt x="121600" y="60800"/>
+                  </a:cubicBezTo>
+                  <a:cubicBezTo>
+                    <a:pt x="121600" y="94379"/>
+                    <a:pt x="94379" y="121600"/>
+                    <a:pt x="60800" y="121600"/>
+                  </a:cubicBezTo>
+                  <a:cubicBezTo>
+                    <a:pt x="27221" y="121600"/>
+                    <a:pt x="0" y="94379"/>
+                    <a:pt x="0" y="60800"/>
+                  </a:cubicBezTo>
+                  <a:close/>
+                </a:path>
+                <a:path w="121600" h="121600" fill="none">
+                  <a:moveTo>
+                    <a:pt x="0" y="60800"/>
+                  </a:moveTo>
+                  <a:cubicBezTo>
+                    <a:pt x="0" y="27221"/>
+                    <a:pt x="27221" y="0"/>
+                    <a:pt x="60800" y="0"/>
+                  </a:cubicBezTo>
+                  <a:cubicBezTo>
+                    <a:pt x="94379" y="0"/>
+                    <a:pt x="121600" y="27221"/>
+                    <a:pt x="121600" y="60800"/>
+                  </a:cubicBezTo>
+                  <a:cubicBezTo>
+                    <a:pt x="121600" y="94379"/>
+                    <a:pt x="94379" y="121600"/>
+                    <a:pt x="60800" y="121600"/>
+                  </a:cubicBezTo>
+                  <a:cubicBezTo>
+                    <a:pt x="27221" y="121600"/>
+                    <a:pt x="0" y="94379"/>
+                    <a:pt x="0" y="60800"/>
+                  </a:cubicBezTo>
+                  <a:close/>
+                </a:path>
+              </a:pathLst>
+            </a:custGeom>
+            <a:solidFill>
+              <a:srgbClr val="000000"/>
+            </a:solidFill>
+            <a:ln w="7600" cap="flat">
+              <a:solidFill>
+                <a:srgbClr val="000000"/>
+              </a:solidFill>
+              <a:miter/>
+            </a:ln>
+          </p:spPr>
+        </p:sp>
+        <p:sp>
+          <p:nvSpPr>
+            <p:cNvPr id="1100" name="Ellipse">
+              <a:extLst>
+                <a:ext uri="{FF2B5EF4-FFF2-40B4-BE49-F238E27FC236}">
+                  <a16:creationId xmlns:a16="http://schemas.microsoft.com/office/drawing/2014/main" id="{260F66DB-0C65-0CCC-965A-1546B5F604E2}"/>
+                </a:ext>
+              </a:extLst>
+            </p:cNvPr>
+            <p:cNvSpPr/>
+            <p:nvPr/>
+          </p:nvSpPr>
+          <p:spPr>
+            <a:xfrm>
+              <a:off x="3503569" y="3046183"/>
+              <a:ext cx="121600" cy="121600"/>
+            </a:xfrm>
+            <a:custGeom>
+              <a:avLst/>
+              <a:gdLst>
+                <a:gd name="connsiteX0" fmla="*/ 0 w 121600"/>
+                <a:gd name="connsiteY0" fmla="*/ 60800 h 121600"/>
+                <a:gd name="connsiteX1" fmla="*/ 60800 w 121600"/>
+                <a:gd name="connsiteY1" fmla="*/ 0 h 121600"/>
+                <a:gd name="connsiteX2" fmla="*/ 121600 w 121600"/>
+                <a:gd name="connsiteY2" fmla="*/ 60800 h 121600"/>
+                <a:gd name="connsiteX3" fmla="*/ 60800 w 121600"/>
+                <a:gd name="connsiteY3" fmla="*/ 121600 h 121600"/>
+              </a:gdLst>
+              <a:ahLst/>
+              <a:cxnLst>
+                <a:cxn ang="10800000">
+                  <a:pos x="connsiteX0" y="connsiteY0"/>
+                </a:cxn>
+                <a:cxn ang="16200000">
+                  <a:pos x="connsiteX1" y="connsiteY1"/>
+                </a:cxn>
+                <a:cxn ang="0">
+                  <a:pos x="connsiteX2" y="connsiteY2"/>
+                </a:cxn>
+                <a:cxn ang="5400000">
+                  <a:pos x="connsiteX3" y="connsiteY3"/>
+                </a:cxn>
+              </a:cxnLst>
+              <a:rect l="l" t="t" r="r" b="b"/>
+              <a:pathLst>
+                <a:path w="121600" h="121600" stroke="0">
+                  <a:moveTo>
+                    <a:pt x="0" y="60800"/>
+                  </a:moveTo>
+                  <a:cubicBezTo>
+                    <a:pt x="0" y="27221"/>
+                    <a:pt x="27221" y="0"/>
+                    <a:pt x="60800" y="0"/>
+                  </a:cubicBezTo>
+                  <a:cubicBezTo>
+                    <a:pt x="94379" y="0"/>
+                    <a:pt x="121600" y="27221"/>
+                    <a:pt x="121600" y="60800"/>
+                  </a:cubicBezTo>
+                  <a:cubicBezTo>
+                    <a:pt x="121600" y="94379"/>
+                    <a:pt x="94379" y="121600"/>
+                    <a:pt x="60800" y="121600"/>
+                  </a:cubicBezTo>
+                  <a:cubicBezTo>
+                    <a:pt x="27221" y="121600"/>
+                    <a:pt x="0" y="94379"/>
+                    <a:pt x="0" y="60800"/>
+                  </a:cubicBezTo>
+                  <a:close/>
+                </a:path>
+                <a:path w="121600" h="121600" fill="none">
+                  <a:moveTo>
+                    <a:pt x="0" y="60800"/>
+                  </a:moveTo>
+                  <a:cubicBezTo>
+                    <a:pt x="0" y="27221"/>
+                    <a:pt x="27221" y="0"/>
+                    <a:pt x="60800" y="0"/>
+                  </a:cubicBezTo>
+                  <a:cubicBezTo>
+                    <a:pt x="94379" y="0"/>
+                    <a:pt x="121600" y="27221"/>
+                    <a:pt x="121600" y="60800"/>
+                  </a:cubicBezTo>
+                  <a:cubicBezTo>
+                    <a:pt x="121600" y="94379"/>
+                    <a:pt x="94379" y="121600"/>
+                    <a:pt x="60800" y="121600"/>
+                  </a:cubicBezTo>
+                  <a:cubicBezTo>
+                    <a:pt x="27221" y="121600"/>
+                    <a:pt x="0" y="94379"/>
+                    <a:pt x="0" y="60800"/>
+                  </a:cubicBezTo>
+                  <a:close/>
+                </a:path>
+              </a:pathLst>
+            </a:custGeom>
+            <a:solidFill>
+              <a:srgbClr val="000000"/>
+            </a:solidFill>
+            <a:ln w="7600" cap="flat">
+              <a:solidFill>
+                <a:srgbClr val="000000"/>
+              </a:solidFill>
+              <a:miter/>
+            </a:ln>
+          </p:spPr>
+        </p:sp>
+        <p:sp>
+          <p:nvSpPr>
+            <p:cNvPr id="1101" name="Ellipse">
+              <a:extLst>
+                <a:ext uri="{FF2B5EF4-FFF2-40B4-BE49-F238E27FC236}">
+                  <a16:creationId xmlns:a16="http://schemas.microsoft.com/office/drawing/2014/main" id="{D284C868-2196-9ACB-CD64-C249DC8F2F41}"/>
+                </a:ext>
+              </a:extLst>
+            </p:cNvPr>
+            <p:cNvSpPr/>
+            <p:nvPr/>
+          </p:nvSpPr>
+          <p:spPr>
+            <a:xfrm>
+              <a:off x="3074169" y="3436316"/>
+              <a:ext cx="121600" cy="121600"/>
+            </a:xfrm>
+            <a:custGeom>
+              <a:avLst/>
+              <a:gdLst>
+                <a:gd name="connsiteX0" fmla="*/ 0 w 121600"/>
+                <a:gd name="connsiteY0" fmla="*/ 60800 h 121600"/>
+                <a:gd name="connsiteX1" fmla="*/ 60800 w 121600"/>
+                <a:gd name="connsiteY1" fmla="*/ 0 h 121600"/>
+                <a:gd name="connsiteX2" fmla="*/ 121600 w 121600"/>
+                <a:gd name="connsiteY2" fmla="*/ 60800 h 121600"/>
+                <a:gd name="connsiteX3" fmla="*/ 60800 w 121600"/>
+                <a:gd name="connsiteY3" fmla="*/ 121600 h 121600"/>
+              </a:gdLst>
+              <a:ahLst/>
+              <a:cxnLst>
+                <a:cxn ang="10800000">
+                  <a:pos x="connsiteX0" y="connsiteY0"/>
+                </a:cxn>
+                <a:cxn ang="16200000">
+                  <a:pos x="connsiteX1" y="connsiteY1"/>
+                </a:cxn>
+                <a:cxn ang="0">
+                  <a:pos x="connsiteX2" y="connsiteY2"/>
+                </a:cxn>
+                <a:cxn ang="5400000">
+                  <a:pos x="connsiteX3" y="connsiteY3"/>
+                </a:cxn>
+              </a:cxnLst>
+              <a:rect l="l" t="t" r="r" b="b"/>
+              <a:pathLst>
+                <a:path w="121600" h="121600" stroke="0">
+                  <a:moveTo>
+                    <a:pt x="0" y="60800"/>
+                  </a:moveTo>
+                  <a:cubicBezTo>
+                    <a:pt x="0" y="27221"/>
+                    <a:pt x="27221" y="0"/>
+                    <a:pt x="60800" y="0"/>
+                  </a:cubicBezTo>
+                  <a:cubicBezTo>
+                    <a:pt x="94379" y="0"/>
+                    <a:pt x="121600" y="27221"/>
+                    <a:pt x="121600" y="60800"/>
+                  </a:cubicBezTo>
+                  <a:cubicBezTo>
+                    <a:pt x="121600" y="94379"/>
+                    <a:pt x="94379" y="121600"/>
+                    <a:pt x="60800" y="121600"/>
+                  </a:cubicBezTo>
+                  <a:cubicBezTo>
+                    <a:pt x="27221" y="121600"/>
+                    <a:pt x="0" y="94379"/>
+                    <a:pt x="0" y="60800"/>
+                  </a:cubicBezTo>
+                  <a:close/>
+                </a:path>
+                <a:path w="121600" h="121600" fill="none">
+                  <a:moveTo>
+                    <a:pt x="0" y="60800"/>
+                  </a:moveTo>
+                  <a:cubicBezTo>
+                    <a:pt x="0" y="27221"/>
+                    <a:pt x="27221" y="0"/>
+                    <a:pt x="60800" y="0"/>
+                  </a:cubicBezTo>
+                  <a:cubicBezTo>
+                    <a:pt x="94379" y="0"/>
+                    <a:pt x="121600" y="27221"/>
+                    <a:pt x="121600" y="60800"/>
+                  </a:cubicBezTo>
+                  <a:cubicBezTo>
+                    <a:pt x="121600" y="94379"/>
+                    <a:pt x="94379" y="121600"/>
+                    <a:pt x="60800" y="121600"/>
+                  </a:cubicBezTo>
+                  <a:cubicBezTo>
+                    <a:pt x="27221" y="121600"/>
+                    <a:pt x="0" y="94379"/>
+                    <a:pt x="0" y="60800"/>
+                  </a:cubicBezTo>
+                  <a:close/>
+                </a:path>
+              </a:pathLst>
+            </a:custGeom>
+            <a:solidFill>
+              <a:srgbClr val="000000"/>
+            </a:solidFill>
+            <a:ln w="7600" cap="flat">
+              <a:solidFill>
+                <a:srgbClr val="000000"/>
+              </a:solidFill>
+              <a:miter/>
+            </a:ln>
+          </p:spPr>
+        </p:sp>
+        <p:sp>
+          <p:nvSpPr>
+            <p:cNvPr id="1102" name="ConnectLine">
+              <a:extLst>
+                <a:ext uri="{FF2B5EF4-FFF2-40B4-BE49-F238E27FC236}">
+                  <a16:creationId xmlns:a16="http://schemas.microsoft.com/office/drawing/2014/main" id="{4C0366C5-1FE5-72B5-76F9-B24B4BE6CDAB}"/>
+                </a:ext>
+              </a:extLst>
+            </p:cNvPr>
+            <p:cNvSpPr/>
+            <p:nvPr/>
+          </p:nvSpPr>
+          <p:spPr>
+            <a:xfrm>
+              <a:off x="2540114" y="3019048"/>
+              <a:ext cx="299928" cy="156918"/>
+            </a:xfrm>
+            <a:custGeom>
+              <a:avLst/>
+              <a:gdLst/>
+              <a:ahLst/>
+              <a:cxnLst/>
+              <a:rect l="l" t="t" r="r" b="b"/>
+              <a:pathLst>
+                <a:path w="299928" h="156918" fill="none">
+                  <a:moveTo>
+                    <a:pt x="0" y="0"/>
+                  </a:moveTo>
+                  <a:lnTo>
+                    <a:pt x="299928" y="156918"/>
+                  </a:lnTo>
+                </a:path>
+              </a:pathLst>
+            </a:custGeom>
+            <a:noFill/>
+            <a:ln w="20267" cap="flat">
+              <a:solidFill>
+                <a:srgbClr val="000000"/>
+              </a:solidFill>
+              <a:miter/>
+              <a:tailEnd type="triangle" w="sm" len="sm"/>
+            </a:ln>
+          </p:spPr>
+        </p:sp>
+        <p:sp>
+          <p:nvSpPr>
+            <p:cNvPr id="1103" name="ConnectLine">
+              <a:extLst>
+                <a:ext uri="{FF2B5EF4-FFF2-40B4-BE49-F238E27FC236}">
+                  <a16:creationId xmlns:a16="http://schemas.microsoft.com/office/drawing/2014/main" id="{79298F9F-C00D-E92E-921D-FD99B0A2CEE0}"/>
+                </a:ext>
+              </a:extLst>
+            </p:cNvPr>
+            <p:cNvSpPr/>
+            <p:nvPr/>
+          </p:nvSpPr>
+          <p:spPr>
+            <a:xfrm>
+              <a:off x="2477569" y="3213383"/>
+              <a:ext cx="349600" cy="60800"/>
+            </a:xfrm>
+            <a:custGeom>
+              <a:avLst/>
+              <a:gdLst/>
+              <a:ahLst/>
+              <a:cxnLst/>
+              <a:rect l="l" t="t" r="r" b="b"/>
+              <a:pathLst>
+                <a:path w="349600" h="60800" fill="none">
+                  <a:moveTo>
+                    <a:pt x="0" y="60800"/>
+                  </a:moveTo>
+                  <a:lnTo>
+                    <a:pt x="349600" y="0"/>
+                  </a:lnTo>
+                </a:path>
+              </a:pathLst>
+            </a:custGeom>
+            <a:noFill/>
+            <a:ln w="20267" cap="flat">
+              <a:solidFill>
+                <a:srgbClr val="000000"/>
+              </a:solidFill>
+              <a:miter/>
+              <a:tailEnd type="triangle" w="sm" len="sm"/>
+            </a:ln>
+          </p:spPr>
+        </p:sp>
+        <p:sp>
+          <p:nvSpPr>
+            <p:cNvPr id="1104" name="ConnectLine">
+              <a:extLst>
+                <a:ext uri="{FF2B5EF4-FFF2-40B4-BE49-F238E27FC236}">
+                  <a16:creationId xmlns:a16="http://schemas.microsoft.com/office/drawing/2014/main" id="{FABBE522-FA08-7B11-C0B8-56DF928F5A59}"/>
+                </a:ext>
+              </a:extLst>
+            </p:cNvPr>
+            <p:cNvSpPr/>
+            <p:nvPr/>
+          </p:nvSpPr>
+          <p:spPr>
+            <a:xfrm>
+              <a:off x="2940214" y="3088904"/>
+              <a:ext cx="132495" cy="93361"/>
+            </a:xfrm>
+            <a:custGeom>
+              <a:avLst/>
+              <a:gdLst/>
+              <a:ahLst/>
+              <a:cxnLst/>
+              <a:rect l="l" t="t" r="r" b="b"/>
+              <a:pathLst>
+                <a:path w="132495" h="93361" fill="none">
+                  <a:moveTo>
+                    <a:pt x="0" y="93361"/>
+                  </a:moveTo>
+                  <a:lnTo>
+                    <a:pt x="132495" y="0"/>
+                  </a:lnTo>
+                </a:path>
+              </a:pathLst>
+            </a:custGeom>
+            <a:noFill/>
+            <a:ln w="20267" cap="flat">
+              <a:solidFill>
+                <a:srgbClr val="000000"/>
+              </a:solidFill>
+              <a:miter/>
+              <a:tailEnd type="triangle" w="sm" len="sm"/>
+            </a:ln>
+          </p:spPr>
+        </p:sp>
+        <p:sp>
+          <p:nvSpPr>
+            <p:cNvPr id="1105" name="ConnectLine">
+              <a:extLst>
+                <a:ext uri="{FF2B5EF4-FFF2-40B4-BE49-F238E27FC236}">
+                  <a16:creationId xmlns:a16="http://schemas.microsoft.com/office/drawing/2014/main" id="{A95E7C47-3F4A-78D0-14EA-0D357777672A}"/>
+                </a:ext>
+              </a:extLst>
+            </p:cNvPr>
+            <p:cNvSpPr/>
+            <p:nvPr/>
+          </p:nvSpPr>
+          <p:spPr>
+            <a:xfrm>
+              <a:off x="3181572" y="3147262"/>
+              <a:ext cx="337252" cy="310804"/>
+            </a:xfrm>
+            <a:custGeom>
+              <a:avLst/>
+              <a:gdLst/>
+              <a:ahLst/>
+              <a:cxnLst/>
+              <a:rect l="l" t="t" r="r" b="b"/>
+              <a:pathLst>
+                <a:path w="337252" h="310804" fill="none">
+                  <a:moveTo>
+                    <a:pt x="0" y="310804"/>
+                  </a:moveTo>
+                  <a:lnTo>
+                    <a:pt x="337252" y="0"/>
+                  </a:lnTo>
+                </a:path>
+              </a:pathLst>
+            </a:custGeom>
+            <a:noFill/>
+            <a:ln w="20267" cap="flat">
+              <a:solidFill>
+                <a:srgbClr val="000000"/>
+              </a:solidFill>
+              <a:miter/>
+              <a:tailEnd type="triangle" w="sm" len="sm"/>
+            </a:ln>
+          </p:spPr>
+        </p:sp>
+        <p:sp>
+          <p:nvSpPr>
+            <p:cNvPr id="1106" name="ConnectLine">
+              <a:extLst>
+                <a:ext uri="{FF2B5EF4-FFF2-40B4-BE49-F238E27FC236}">
+                  <a16:creationId xmlns:a16="http://schemas.microsoft.com/office/drawing/2014/main" id="{95239D61-F2F8-EE74-C1CD-C834E4ED5DA9}"/>
+                </a:ext>
+              </a:extLst>
+            </p:cNvPr>
+            <p:cNvSpPr/>
+            <p:nvPr/>
+          </p:nvSpPr>
+          <p:spPr>
+            <a:xfrm>
+              <a:off x="3176769" y="3046183"/>
+              <a:ext cx="326800" cy="60800"/>
+            </a:xfrm>
+            <a:custGeom>
+              <a:avLst/>
+              <a:gdLst/>
+              <a:ahLst/>
+              <a:cxnLst/>
+              <a:rect l="l" t="t" r="r" b="b"/>
+              <a:pathLst>
+                <a:path w="326800" h="60800" fill="none">
+                  <a:moveTo>
+                    <a:pt x="0" y="0"/>
+                  </a:moveTo>
+                  <a:lnTo>
+                    <a:pt x="326800" y="60800"/>
+                  </a:lnTo>
+                </a:path>
+              </a:pathLst>
+            </a:custGeom>
+            <a:noFill/>
+            <a:ln w="20267" cap="flat">
+              <a:solidFill>
+                <a:srgbClr val="000000"/>
+              </a:solidFill>
+              <a:miter/>
+              <a:tailEnd type="triangle" w="sm" len="sm"/>
+            </a:ln>
+          </p:spPr>
+        </p:sp>
+      </p:grpSp>
+      <p:grpSp>
+        <p:nvGrpSpPr>
+          <p:cNvPr id="16" name="Group 15">
+            <a:extLst>
+              <a:ext uri="{FF2B5EF4-FFF2-40B4-BE49-F238E27FC236}">
+                <a16:creationId xmlns:a16="http://schemas.microsoft.com/office/drawing/2014/main" id="{37DB181B-3CF9-FB90-A7BA-55CC1EF0BEA5}"/>
+              </a:ext>
+            </a:extLst>
+          </p:cNvPr>
+          <p:cNvGrpSpPr/>
+          <p:nvPr/>
+        </p:nvGrpSpPr>
+        <p:grpSpPr>
+          <a:xfrm rot="10800000">
+            <a:off x="1662453" y="1004562"/>
+            <a:ext cx="118435" cy="130309"/>
+            <a:chOff x="1961608" y="2877042"/>
+            <a:chExt cx="170812" cy="181474"/>
+          </a:xfrm>
+        </p:grpSpPr>
+        <p:sp>
+          <p:nvSpPr>
+            <p:cNvPr id="1091" name="Freeform 1090">
+              <a:extLst>
+                <a:ext uri="{FF2B5EF4-FFF2-40B4-BE49-F238E27FC236}">
+                  <a16:creationId xmlns:a16="http://schemas.microsoft.com/office/drawing/2014/main" id="{2D262EAE-B6CF-9EB8-557E-DEA937145748}"/>
+                </a:ext>
+              </a:extLst>
+            </p:cNvPr>
+            <p:cNvSpPr/>
+            <p:nvPr/>
+          </p:nvSpPr>
+          <p:spPr>
+            <a:xfrm>
+              <a:off x="1961608" y="2877042"/>
+              <a:ext cx="103542" cy="181474"/>
+            </a:xfrm>
+            <a:custGeom>
+              <a:avLst/>
+              <a:gdLst/>
+              <a:ahLst/>
+              <a:cxnLst/>
+              <a:rect l="l" t="t" r="r" b="b"/>
+              <a:pathLst>
+                <a:path w="103542" h="181474" stroke="0">
+                  <a:moveTo>
+                    <a:pt x="91021" y="181474"/>
+                  </a:moveTo>
+                  <a:cubicBezTo>
+                    <a:pt x="87813" y="181474"/>
+                    <a:pt x="84604" y="180213"/>
+                    <a:pt x="82083" y="177806"/>
+                  </a:cubicBezTo>
+                  <a:lnTo>
+                    <a:pt x="3696" y="99405"/>
+                  </a:lnTo>
+                  <a:cubicBezTo>
+                    <a:pt x="-1232" y="94476"/>
+                    <a:pt x="-1232" y="86453"/>
+                    <a:pt x="3696" y="81524"/>
+                  </a:cubicBezTo>
+                  <a:lnTo>
+                    <a:pt x="81510" y="3697"/>
+                  </a:lnTo>
+                  <a:cubicBezTo>
+                    <a:pt x="86437" y="-1232"/>
+                    <a:pt x="94460" y="-1232"/>
+                    <a:pt x="99387" y="3697"/>
+                  </a:cubicBezTo>
+                  <a:cubicBezTo>
+                    <a:pt x="104315" y="8625"/>
+                    <a:pt x="104315" y="16649"/>
+                    <a:pt x="99387" y="21577"/>
+                  </a:cubicBezTo>
+                  <a:lnTo>
+                    <a:pt x="30398" y="90579"/>
+                  </a:lnTo>
+                  <a:lnTo>
+                    <a:pt x="99846" y="160040"/>
+                  </a:lnTo>
+                  <a:cubicBezTo>
+                    <a:pt x="104774" y="164968"/>
+                    <a:pt x="104774" y="172992"/>
+                    <a:pt x="99846" y="177920"/>
+                  </a:cubicBezTo>
+                  <a:cubicBezTo>
+                    <a:pt x="97439" y="180327"/>
+                    <a:pt x="94230" y="181474"/>
+                    <a:pt x="91021" y="181474"/>
+                  </a:cubicBezTo>
+                  <a:close/>
+                </a:path>
+                <a:path w="103542" h="181474" fill="none">
+                  <a:moveTo>
+                    <a:pt x="91021" y="181474"/>
+                  </a:moveTo>
+                  <a:cubicBezTo>
+                    <a:pt x="87813" y="181474"/>
+                    <a:pt x="84604" y="180213"/>
+                    <a:pt x="82083" y="177806"/>
+                  </a:cubicBezTo>
+                  <a:lnTo>
+                    <a:pt x="3696" y="99405"/>
+                  </a:lnTo>
+                  <a:cubicBezTo>
+                    <a:pt x="-1232" y="94476"/>
+                    <a:pt x="-1232" y="86453"/>
+                    <a:pt x="3696" y="81524"/>
+                  </a:cubicBezTo>
+                  <a:lnTo>
+                    <a:pt x="81510" y="3697"/>
+                  </a:lnTo>
+                  <a:cubicBezTo>
+                    <a:pt x="86437" y="-1232"/>
+                    <a:pt x="94460" y="-1232"/>
+                    <a:pt x="99387" y="3697"/>
+                  </a:cubicBezTo>
+                  <a:cubicBezTo>
+                    <a:pt x="104315" y="8625"/>
+                    <a:pt x="104315" y="16649"/>
+                    <a:pt x="99387" y="21577"/>
+                  </a:cubicBezTo>
+                  <a:lnTo>
+                    <a:pt x="30398" y="90579"/>
+                  </a:lnTo>
+                  <a:lnTo>
+                    <a:pt x="99846" y="160040"/>
+                  </a:lnTo>
+                  <a:cubicBezTo>
+                    <a:pt x="104774" y="164968"/>
+                    <a:pt x="104774" y="172992"/>
+                    <a:pt x="99846" y="177920"/>
+                  </a:cubicBezTo>
+                  <a:cubicBezTo>
+                    <a:pt x="97439" y="180327"/>
+                    <a:pt x="94230" y="181474"/>
+                    <a:pt x="91021" y="181474"/>
+                  </a:cubicBezTo>
+                  <a:close/>
+                </a:path>
+              </a:pathLst>
+            </a:custGeom>
+            <a:solidFill>
+              <a:srgbClr val="9B9C9B"/>
+            </a:solidFill>
+            <a:ln w="7600" cap="flat">
+              <a:noFill/>
+              <a:miter/>
+            </a:ln>
+          </p:spPr>
+        </p:sp>
+        <p:sp>
+          <p:nvSpPr>
+            <p:cNvPr id="1092" name="Freeform 1091">
+              <a:extLst>
+                <a:ext uri="{FF2B5EF4-FFF2-40B4-BE49-F238E27FC236}">
+                  <a16:creationId xmlns:a16="http://schemas.microsoft.com/office/drawing/2014/main" id="{05C9AAD5-65AB-CFD7-4456-26D5407EE525}"/>
+                </a:ext>
+              </a:extLst>
+            </p:cNvPr>
+            <p:cNvSpPr/>
+            <p:nvPr/>
+          </p:nvSpPr>
+          <p:spPr>
+            <a:xfrm>
+              <a:off x="2028878" y="2877042"/>
+              <a:ext cx="103542" cy="181474"/>
+            </a:xfrm>
+            <a:custGeom>
+              <a:avLst/>
+              <a:gdLst/>
+              <a:ahLst/>
+              <a:cxnLst/>
+              <a:rect l="l" t="t" r="r" b="b"/>
+              <a:pathLst>
+                <a:path w="103542" h="181474" stroke="0">
+                  <a:moveTo>
+                    <a:pt x="91021" y="181474"/>
+                  </a:moveTo>
+                  <a:cubicBezTo>
+                    <a:pt x="87813" y="181474"/>
+                    <a:pt x="84604" y="180213"/>
+                    <a:pt x="82083" y="177806"/>
+                  </a:cubicBezTo>
+                  <a:lnTo>
+                    <a:pt x="3696" y="99405"/>
+                  </a:lnTo>
+                  <a:cubicBezTo>
+                    <a:pt x="-1232" y="94476"/>
+                    <a:pt x="-1232" y="86453"/>
+                    <a:pt x="3696" y="81524"/>
+                  </a:cubicBezTo>
+                  <a:lnTo>
+                    <a:pt x="81510" y="3697"/>
+                  </a:lnTo>
+                  <a:cubicBezTo>
+                    <a:pt x="86437" y="-1232"/>
+                    <a:pt x="94460" y="-1232"/>
+                    <a:pt x="99387" y="3697"/>
+                  </a:cubicBezTo>
+                  <a:cubicBezTo>
+                    <a:pt x="104315" y="8625"/>
+                    <a:pt x="104315" y="16649"/>
+                    <a:pt x="99387" y="21577"/>
+                  </a:cubicBezTo>
+                  <a:lnTo>
+                    <a:pt x="30398" y="90579"/>
+                  </a:lnTo>
+                  <a:lnTo>
+                    <a:pt x="99846" y="160040"/>
+                  </a:lnTo>
+                  <a:cubicBezTo>
+                    <a:pt x="104774" y="164968"/>
+                    <a:pt x="104774" y="172992"/>
+                    <a:pt x="99846" y="177920"/>
+                  </a:cubicBezTo>
+                  <a:cubicBezTo>
+                    <a:pt x="97439" y="180327"/>
+                    <a:pt x="94230" y="181474"/>
+                    <a:pt x="91021" y="181474"/>
+                  </a:cubicBezTo>
+                  <a:close/>
+                </a:path>
+                <a:path w="103542" h="181474" fill="none">
+                  <a:moveTo>
+                    <a:pt x="91021" y="181474"/>
+                  </a:moveTo>
+                  <a:cubicBezTo>
+                    <a:pt x="87813" y="181474"/>
+                    <a:pt x="84604" y="180213"/>
+                    <a:pt x="82083" y="177806"/>
+                  </a:cubicBezTo>
+                  <a:lnTo>
+                    <a:pt x="3696" y="99405"/>
+                  </a:lnTo>
+                  <a:cubicBezTo>
+                    <a:pt x="-1232" y="94476"/>
+                    <a:pt x="-1232" y="86453"/>
+                    <a:pt x="3696" y="81524"/>
+                  </a:cubicBezTo>
+                  <a:lnTo>
+                    <a:pt x="81510" y="3697"/>
+                  </a:lnTo>
+                  <a:cubicBezTo>
+                    <a:pt x="86437" y="-1232"/>
+                    <a:pt x="94460" y="-1232"/>
+                    <a:pt x="99387" y="3697"/>
+                  </a:cubicBezTo>
+                  <a:cubicBezTo>
+                    <a:pt x="104315" y="8625"/>
+                    <a:pt x="104315" y="16649"/>
+                    <a:pt x="99387" y="21577"/>
+                  </a:cubicBezTo>
+                  <a:lnTo>
+                    <a:pt x="30398" y="90579"/>
+                  </a:lnTo>
+                  <a:lnTo>
+                    <a:pt x="99846" y="160040"/>
+                  </a:lnTo>
+                  <a:cubicBezTo>
+                    <a:pt x="104774" y="164968"/>
+                    <a:pt x="104774" y="172992"/>
+                    <a:pt x="99846" y="177920"/>
+                  </a:cubicBezTo>
+                  <a:cubicBezTo>
+                    <a:pt x="97439" y="180327"/>
+                    <a:pt x="94230" y="181474"/>
+                    <a:pt x="91021" y="181474"/>
+                  </a:cubicBezTo>
+                  <a:close/>
+                </a:path>
+              </a:pathLst>
+            </a:custGeom>
+            <a:solidFill>
+              <a:srgbClr val="9B9C9B"/>
+            </a:solidFill>
+            <a:ln w="7600" cap="flat">
+              <a:noFill/>
+              <a:miter/>
+            </a:ln>
+          </p:spPr>
+        </p:sp>
+      </p:grpSp>
+      <p:grpSp>
+        <p:nvGrpSpPr>
+          <p:cNvPr id="17" name="Group 16">
+            <a:extLst>
+              <a:ext uri="{FF2B5EF4-FFF2-40B4-BE49-F238E27FC236}">
+                <a16:creationId xmlns:a16="http://schemas.microsoft.com/office/drawing/2014/main" id="{C33400F3-28C3-2D74-1B11-9FC481A3BDAA}"/>
+              </a:ext>
+            </a:extLst>
+          </p:cNvPr>
+          <p:cNvGrpSpPr/>
+          <p:nvPr/>
+        </p:nvGrpSpPr>
+        <p:grpSpPr>
+          <a:xfrm rot="16200000">
+            <a:off x="1831290" y="1913347"/>
+            <a:ext cx="122653" cy="125828"/>
+            <a:chOff x="2546906" y="4093961"/>
+            <a:chExt cx="170812" cy="181474"/>
+          </a:xfrm>
+        </p:grpSpPr>
+        <p:sp>
+          <p:nvSpPr>
+            <p:cNvPr id="1089" name="Freeform 1088">
+              <a:extLst>
+                <a:ext uri="{FF2B5EF4-FFF2-40B4-BE49-F238E27FC236}">
+                  <a16:creationId xmlns:a16="http://schemas.microsoft.com/office/drawing/2014/main" id="{825B5B3C-53C9-58F0-A6D4-05415623D9B2}"/>
+                </a:ext>
+              </a:extLst>
+            </p:cNvPr>
+            <p:cNvSpPr/>
+            <p:nvPr/>
+          </p:nvSpPr>
+          <p:spPr>
+            <a:xfrm>
+              <a:off x="2546906" y="4093961"/>
+              <a:ext cx="103542" cy="181474"/>
+            </a:xfrm>
+            <a:custGeom>
+              <a:avLst/>
+              <a:gdLst/>
+              <a:ahLst/>
+              <a:cxnLst/>
+              <a:rect l="l" t="t" r="r" b="b"/>
+              <a:pathLst>
+                <a:path w="103542" h="181474" stroke="0">
+                  <a:moveTo>
+                    <a:pt x="91021" y="181474"/>
+                  </a:moveTo>
+                  <a:cubicBezTo>
+                    <a:pt x="87813" y="181474"/>
+                    <a:pt x="84604" y="180213"/>
+                    <a:pt x="82083" y="177806"/>
+                  </a:cubicBezTo>
+                  <a:lnTo>
+                    <a:pt x="3696" y="99405"/>
+                  </a:lnTo>
+                  <a:cubicBezTo>
+                    <a:pt x="-1232" y="94476"/>
+                    <a:pt x="-1232" y="86453"/>
+                    <a:pt x="3696" y="81524"/>
+                  </a:cubicBezTo>
+                  <a:lnTo>
+                    <a:pt x="81510" y="3697"/>
+                  </a:lnTo>
+                  <a:cubicBezTo>
+                    <a:pt x="86437" y="-1232"/>
+                    <a:pt x="94460" y="-1232"/>
+                    <a:pt x="99387" y="3697"/>
+                  </a:cubicBezTo>
+                  <a:cubicBezTo>
+                    <a:pt x="104315" y="8625"/>
+                    <a:pt x="104315" y="16649"/>
+                    <a:pt x="99387" y="21577"/>
+                  </a:cubicBezTo>
+                  <a:lnTo>
+                    <a:pt x="30398" y="90579"/>
+                  </a:lnTo>
+                  <a:lnTo>
+                    <a:pt x="99846" y="160040"/>
+                  </a:lnTo>
+                  <a:cubicBezTo>
+                    <a:pt x="104774" y="164968"/>
+                    <a:pt x="104774" y="172992"/>
+                    <a:pt x="99846" y="177920"/>
+                  </a:cubicBezTo>
+                  <a:cubicBezTo>
+                    <a:pt x="97439" y="180327"/>
+                    <a:pt x="94230" y="181474"/>
+                    <a:pt x="91021" y="181474"/>
+                  </a:cubicBezTo>
+                  <a:close/>
+                </a:path>
+                <a:path w="103542" h="181474" fill="none">
+                  <a:moveTo>
+                    <a:pt x="91021" y="181474"/>
+                  </a:moveTo>
+                  <a:cubicBezTo>
+                    <a:pt x="87813" y="181474"/>
+                    <a:pt x="84604" y="180213"/>
+                    <a:pt x="82083" y="177806"/>
+                  </a:cubicBezTo>
+                  <a:lnTo>
+                    <a:pt x="3696" y="99405"/>
+                  </a:lnTo>
+                  <a:cubicBezTo>
+                    <a:pt x="-1232" y="94476"/>
+                    <a:pt x="-1232" y="86453"/>
+                    <a:pt x="3696" y="81524"/>
+                  </a:cubicBezTo>
+                  <a:lnTo>
+                    <a:pt x="81510" y="3697"/>
+                  </a:lnTo>
+                  <a:cubicBezTo>
+                    <a:pt x="86437" y="-1232"/>
+                    <a:pt x="94460" y="-1232"/>
+                    <a:pt x="99387" y="3697"/>
+                  </a:cubicBezTo>
+                  <a:cubicBezTo>
+                    <a:pt x="104315" y="8625"/>
+                    <a:pt x="104315" y="16649"/>
+                    <a:pt x="99387" y="21577"/>
+                  </a:cubicBezTo>
+                  <a:lnTo>
+                    <a:pt x="30398" y="90579"/>
+                  </a:lnTo>
+                  <a:lnTo>
+                    <a:pt x="99846" y="160040"/>
+                  </a:lnTo>
+                  <a:cubicBezTo>
+                    <a:pt x="104774" y="164968"/>
+                    <a:pt x="104774" y="172992"/>
+                    <a:pt x="99846" y="177920"/>
+                  </a:cubicBezTo>
+                  <a:cubicBezTo>
+                    <a:pt x="97439" y="180327"/>
+                    <a:pt x="94230" y="181474"/>
+                    <a:pt x="91021" y="181474"/>
+                  </a:cubicBezTo>
+                  <a:close/>
+                </a:path>
+              </a:pathLst>
+            </a:custGeom>
+            <a:solidFill>
+              <a:srgbClr val="9B9C9B"/>
+            </a:solidFill>
+            <a:ln w="7600" cap="flat">
+              <a:noFill/>
+              <a:miter/>
+            </a:ln>
+          </p:spPr>
+        </p:sp>
+        <p:sp>
+          <p:nvSpPr>
+            <p:cNvPr id="1090" name="Freeform 1089">
+              <a:extLst>
+                <a:ext uri="{FF2B5EF4-FFF2-40B4-BE49-F238E27FC236}">
+                  <a16:creationId xmlns:a16="http://schemas.microsoft.com/office/drawing/2014/main" id="{831DD43A-7A89-D619-09C3-E47CB36D493E}"/>
+                </a:ext>
+              </a:extLst>
+            </p:cNvPr>
+            <p:cNvSpPr/>
+            <p:nvPr/>
+          </p:nvSpPr>
+          <p:spPr>
+            <a:xfrm>
+              <a:off x="2614177" y="4093961"/>
+              <a:ext cx="103542" cy="181474"/>
+            </a:xfrm>
+            <a:custGeom>
+              <a:avLst/>
+              <a:gdLst/>
+              <a:ahLst/>
+              <a:cxnLst/>
+              <a:rect l="l" t="t" r="r" b="b"/>
+              <a:pathLst>
+                <a:path w="103542" h="181474" stroke="0">
+                  <a:moveTo>
+                    <a:pt x="91021" y="181474"/>
+                  </a:moveTo>
+                  <a:cubicBezTo>
+                    <a:pt x="87813" y="181474"/>
+                    <a:pt x="84604" y="180213"/>
+                    <a:pt x="82083" y="177806"/>
+                  </a:cubicBezTo>
+                  <a:lnTo>
+                    <a:pt x="3696" y="99405"/>
+                  </a:lnTo>
+                  <a:cubicBezTo>
+                    <a:pt x="-1232" y="94476"/>
+                    <a:pt x="-1232" y="86453"/>
+                    <a:pt x="3696" y="81524"/>
+                  </a:cubicBezTo>
+                  <a:lnTo>
+                    <a:pt x="81510" y="3697"/>
+                  </a:lnTo>
+                  <a:cubicBezTo>
+                    <a:pt x="86437" y="-1232"/>
+                    <a:pt x="94460" y="-1232"/>
+                    <a:pt x="99387" y="3697"/>
+                  </a:cubicBezTo>
+                  <a:cubicBezTo>
+                    <a:pt x="104315" y="8625"/>
+                    <a:pt x="104315" y="16649"/>
+                    <a:pt x="99387" y="21577"/>
+                  </a:cubicBezTo>
+                  <a:lnTo>
+                    <a:pt x="30398" y="90579"/>
+                  </a:lnTo>
+                  <a:lnTo>
+                    <a:pt x="99846" y="160040"/>
+                  </a:lnTo>
+                  <a:cubicBezTo>
+                    <a:pt x="104774" y="164968"/>
+                    <a:pt x="104774" y="172992"/>
+                    <a:pt x="99846" y="177920"/>
+                  </a:cubicBezTo>
+                  <a:cubicBezTo>
+                    <a:pt x="97439" y="180327"/>
+                    <a:pt x="94230" y="181474"/>
+                    <a:pt x="91021" y="181474"/>
+                  </a:cubicBezTo>
+                  <a:close/>
+                </a:path>
+                <a:path w="103542" h="181474" fill="none">
+                  <a:moveTo>
+                    <a:pt x="91021" y="181474"/>
+                  </a:moveTo>
+                  <a:cubicBezTo>
+                    <a:pt x="87813" y="181474"/>
+                    <a:pt x="84604" y="180213"/>
+                    <a:pt x="82083" y="177806"/>
+                  </a:cubicBezTo>
+                  <a:lnTo>
+                    <a:pt x="3696" y="99405"/>
+                  </a:lnTo>
+                  <a:cubicBezTo>
+                    <a:pt x="-1232" y="94476"/>
+                    <a:pt x="-1232" y="86453"/>
+                    <a:pt x="3696" y="81524"/>
+                  </a:cubicBezTo>
+                  <a:lnTo>
+                    <a:pt x="81510" y="3697"/>
+                  </a:lnTo>
+                  <a:cubicBezTo>
+                    <a:pt x="86437" y="-1232"/>
+                    <a:pt x="94460" y="-1232"/>
+                    <a:pt x="99387" y="3697"/>
+                  </a:cubicBezTo>
+                  <a:cubicBezTo>
+                    <a:pt x="104315" y="8625"/>
+                    <a:pt x="104315" y="16649"/>
+                    <a:pt x="99387" y="21577"/>
+                  </a:cubicBezTo>
+                  <a:lnTo>
+                    <a:pt x="30398" y="90579"/>
+                  </a:lnTo>
+                  <a:lnTo>
+                    <a:pt x="99846" y="160040"/>
+                  </a:lnTo>
+                  <a:cubicBezTo>
+                    <a:pt x="104774" y="164968"/>
+                    <a:pt x="104774" y="172992"/>
+                    <a:pt x="99846" y="177920"/>
+                  </a:cubicBezTo>
+                  <a:cubicBezTo>
+                    <a:pt x="97439" y="180327"/>
+                    <a:pt x="94230" y="181474"/>
+                    <a:pt x="91021" y="181474"/>
+                  </a:cubicBezTo>
+                  <a:close/>
+                </a:path>
+              </a:pathLst>
+            </a:custGeom>
+            <a:solidFill>
+              <a:srgbClr val="9B9C9B"/>
+            </a:solidFill>
+            <a:ln w="7600" cap="flat">
+              <a:noFill/>
+              <a:miter/>
+            </a:ln>
+          </p:spPr>
+        </p:sp>
+      </p:grpSp>
+      <p:sp>
+        <p:nvSpPr>
+          <p:cNvPr id="18" name="Rectangle">
+            <a:extLst>
+              <a:ext uri="{FF2B5EF4-FFF2-40B4-BE49-F238E27FC236}">
+                <a16:creationId xmlns:a16="http://schemas.microsoft.com/office/drawing/2014/main" id="{DFD7E6A4-DA26-342E-86C7-8BC9EAE74422}"/>
+              </a:ext>
+            </a:extLst>
+          </p:cNvPr>
+          <p:cNvSpPr/>
+          <p:nvPr/>
+        </p:nvSpPr>
+        <p:spPr>
+          <a:xfrm>
+            <a:off x="728206" y="2281701"/>
+            <a:ext cx="1208984" cy="212833"/>
+          </a:xfrm>
+          <a:custGeom>
+            <a:avLst/>
+            <a:gdLst/>
+            <a:ahLst/>
+            <a:cxnLst/>
+            <a:rect l="l" t="t" r="r" b="b"/>
+            <a:pathLst>
+              <a:path w="646299" h="296400" stroke="0">
+                <a:moveTo>
+                  <a:pt x="0" y="0"/>
+                </a:moveTo>
+                <a:lnTo>
+                  <a:pt x="646299" y="0"/>
+                </a:lnTo>
+                <a:lnTo>
+                  <a:pt x="646299" y="296400"/>
+                </a:lnTo>
+                <a:lnTo>
+                  <a:pt x="0" y="296400"/>
+                </a:lnTo>
+                <a:lnTo>
+                  <a:pt x="0" y="0"/>
+                </a:lnTo>
+                <a:close/>
+              </a:path>
+              <a:path w="646299" h="296400" fill="none">
+                <a:moveTo>
+                  <a:pt x="0" y="0"/>
+                </a:moveTo>
+                <a:lnTo>
+                  <a:pt x="646299" y="0"/>
+                </a:lnTo>
+                <a:lnTo>
+                  <a:pt x="646299" y="296400"/>
+                </a:lnTo>
+                <a:lnTo>
+                  <a:pt x="0" y="296400"/>
+                </a:lnTo>
+                <a:lnTo>
+                  <a:pt x="0" y="0"/>
+                </a:lnTo>
+                <a:close/>
+              </a:path>
+            </a:pathLst>
+          </a:custGeom>
+          <a:noFill/>
+          <a:ln w="7600" cap="flat">
+            <a:noFill/>
+            <a:miter/>
+          </a:ln>
+        </p:spPr>
+        <p:txBody>
+          <a:bodyPr wrap="square" lIns="38100" tIns="38100" rIns="38100" bIns="38100" rtlCol="0" anchor="ctr"/>
+          <a:lstStyle/>
+          <a:p>
+            <a:pPr algn="l"/>
+            <a:r>
+              <a:rPr lang="en-US" altLang="zh-CN" sz="700" dirty="0">
+                <a:solidFill>
+                  <a:srgbClr val="000000"/>
+                </a:solidFill>
+                <a:latin typeface="Arial"/>
+                <a:ea typeface="Arial"/>
+                <a:cs typeface="Arial"/>
+              </a:rPr>
+              <a:t>(Closed-Loop Control)</a:t>
+            </a:r>
+          </a:p>
+        </p:txBody>
+      </p:sp>
+      <p:grpSp>
+        <p:nvGrpSpPr>
+          <p:cNvPr id="19" name="Group 18">
+            <a:extLst>
+              <a:ext uri="{FF2B5EF4-FFF2-40B4-BE49-F238E27FC236}">
+                <a16:creationId xmlns:a16="http://schemas.microsoft.com/office/drawing/2014/main" id="{3BB10FC7-C344-DB27-782A-DDD34A16F2B8}"/>
+              </a:ext>
+            </a:extLst>
+          </p:cNvPr>
+          <p:cNvGrpSpPr/>
+          <p:nvPr/>
+        </p:nvGrpSpPr>
+        <p:grpSpPr>
+          <a:xfrm>
+            <a:off x="343426" y="2228571"/>
+            <a:ext cx="118434" cy="130310"/>
+            <a:chOff x="355333" y="4577390"/>
+            <a:chExt cx="170811" cy="181475"/>
+          </a:xfrm>
+        </p:grpSpPr>
+        <p:sp>
+          <p:nvSpPr>
+            <p:cNvPr id="1087" name="Freeform 1086">
+              <a:extLst>
+                <a:ext uri="{FF2B5EF4-FFF2-40B4-BE49-F238E27FC236}">
+                  <a16:creationId xmlns:a16="http://schemas.microsoft.com/office/drawing/2014/main" id="{B93F1355-CCA7-8F28-538B-85558806DAEA}"/>
+                </a:ext>
+              </a:extLst>
+            </p:cNvPr>
+            <p:cNvSpPr/>
+            <p:nvPr/>
+          </p:nvSpPr>
+          <p:spPr>
+            <a:xfrm>
+              <a:off x="355333" y="4577390"/>
+              <a:ext cx="103542" cy="181474"/>
+            </a:xfrm>
+            <a:custGeom>
+              <a:avLst/>
+              <a:gdLst/>
+              <a:ahLst/>
+              <a:cxnLst/>
+              <a:rect l="l" t="t" r="r" b="b"/>
+              <a:pathLst>
+                <a:path w="103542" h="181474" stroke="0">
+                  <a:moveTo>
+                    <a:pt x="91021" y="181474"/>
+                  </a:moveTo>
+                  <a:cubicBezTo>
+                    <a:pt x="87813" y="181474"/>
+                    <a:pt x="84604" y="180213"/>
+                    <a:pt x="82083" y="177806"/>
+                  </a:cubicBezTo>
+                  <a:lnTo>
+                    <a:pt x="3696" y="99405"/>
+                  </a:lnTo>
+                  <a:cubicBezTo>
+                    <a:pt x="-1232" y="94476"/>
+                    <a:pt x="-1232" y="86453"/>
+                    <a:pt x="3696" y="81524"/>
+                  </a:cubicBezTo>
+                  <a:lnTo>
+                    <a:pt x="81510" y="3697"/>
+                  </a:lnTo>
+                  <a:cubicBezTo>
+                    <a:pt x="86437" y="-1232"/>
+                    <a:pt x="94460" y="-1232"/>
+                    <a:pt x="99387" y="3697"/>
+                  </a:cubicBezTo>
+                  <a:cubicBezTo>
+                    <a:pt x="104315" y="8625"/>
+                    <a:pt x="104315" y="16649"/>
+                    <a:pt x="99387" y="21577"/>
+                  </a:cubicBezTo>
+                  <a:lnTo>
+                    <a:pt x="30398" y="90579"/>
+                  </a:lnTo>
+                  <a:lnTo>
+                    <a:pt x="99846" y="160040"/>
+                  </a:lnTo>
+                  <a:cubicBezTo>
+                    <a:pt x="104774" y="164968"/>
+                    <a:pt x="104774" y="172992"/>
+                    <a:pt x="99846" y="177920"/>
+                  </a:cubicBezTo>
+                  <a:cubicBezTo>
+                    <a:pt x="97439" y="180327"/>
+                    <a:pt x="94230" y="181474"/>
+                    <a:pt x="91021" y="181474"/>
+                  </a:cubicBezTo>
+                  <a:close/>
+                </a:path>
+                <a:path w="103542" h="181474" fill="none">
+                  <a:moveTo>
+                    <a:pt x="91021" y="181474"/>
+                  </a:moveTo>
+                  <a:cubicBezTo>
+                    <a:pt x="87813" y="181474"/>
+                    <a:pt x="84604" y="180213"/>
+                    <a:pt x="82083" y="177806"/>
+                  </a:cubicBezTo>
+                  <a:lnTo>
+                    <a:pt x="3696" y="99405"/>
+                  </a:lnTo>
+                  <a:cubicBezTo>
+                    <a:pt x="-1232" y="94476"/>
+                    <a:pt x="-1232" y="86453"/>
+                    <a:pt x="3696" y="81524"/>
+                  </a:cubicBezTo>
+                  <a:lnTo>
+                    <a:pt x="81510" y="3697"/>
+                  </a:lnTo>
+                  <a:cubicBezTo>
+                    <a:pt x="86437" y="-1232"/>
+                    <a:pt x="94460" y="-1232"/>
+                    <a:pt x="99387" y="3697"/>
+                  </a:cubicBezTo>
+                  <a:cubicBezTo>
+                    <a:pt x="104315" y="8625"/>
+                    <a:pt x="104315" y="16649"/>
+                    <a:pt x="99387" y="21577"/>
+                  </a:cubicBezTo>
+                  <a:lnTo>
+                    <a:pt x="30398" y="90579"/>
+                  </a:lnTo>
+                  <a:lnTo>
+                    <a:pt x="99846" y="160040"/>
+                  </a:lnTo>
+                  <a:cubicBezTo>
+                    <a:pt x="104774" y="164968"/>
+                    <a:pt x="104774" y="172992"/>
+                    <a:pt x="99846" y="177920"/>
+                  </a:cubicBezTo>
+                  <a:cubicBezTo>
+                    <a:pt x="97439" y="180327"/>
+                    <a:pt x="94230" y="181474"/>
+                    <a:pt x="91021" y="181474"/>
+                  </a:cubicBezTo>
+                  <a:close/>
+                </a:path>
+              </a:pathLst>
+            </a:custGeom>
+            <a:solidFill>
+              <a:srgbClr val="9B9C9B"/>
+            </a:solidFill>
+            <a:ln w="7600" cap="flat">
+              <a:noFill/>
+              <a:miter/>
+            </a:ln>
+          </p:spPr>
+        </p:sp>
+        <p:sp>
+          <p:nvSpPr>
+            <p:cNvPr id="1088" name="Freeform 1087">
+              <a:extLst>
+                <a:ext uri="{FF2B5EF4-FFF2-40B4-BE49-F238E27FC236}">
+                  <a16:creationId xmlns:a16="http://schemas.microsoft.com/office/drawing/2014/main" id="{9B390E74-91D6-86A8-0B02-B310B1C6DD3F}"/>
+                </a:ext>
+              </a:extLst>
+            </p:cNvPr>
+            <p:cNvSpPr/>
+            <p:nvPr/>
+          </p:nvSpPr>
+          <p:spPr>
+            <a:xfrm>
+              <a:off x="422604" y="4577391"/>
+              <a:ext cx="103540" cy="181474"/>
+            </a:xfrm>
+            <a:custGeom>
+              <a:avLst/>
+              <a:gdLst/>
+              <a:ahLst/>
+              <a:cxnLst/>
+              <a:rect l="l" t="t" r="r" b="b"/>
+              <a:pathLst>
+                <a:path w="103542" h="181474" stroke="0">
+                  <a:moveTo>
+                    <a:pt x="91021" y="181474"/>
+                  </a:moveTo>
+                  <a:cubicBezTo>
+                    <a:pt x="87813" y="181474"/>
+                    <a:pt x="84604" y="180213"/>
+                    <a:pt x="82083" y="177806"/>
+                  </a:cubicBezTo>
+                  <a:lnTo>
+                    <a:pt x="3696" y="99405"/>
+                  </a:lnTo>
+                  <a:cubicBezTo>
+                    <a:pt x="-1232" y="94476"/>
+                    <a:pt x="-1232" y="86453"/>
+                    <a:pt x="3696" y="81524"/>
+                  </a:cubicBezTo>
+                  <a:lnTo>
+                    <a:pt x="81510" y="3697"/>
+                  </a:lnTo>
+                  <a:cubicBezTo>
+                    <a:pt x="86437" y="-1232"/>
+                    <a:pt x="94460" y="-1232"/>
+                    <a:pt x="99387" y="3697"/>
+                  </a:cubicBezTo>
+                  <a:cubicBezTo>
+                    <a:pt x="104315" y="8625"/>
+                    <a:pt x="104315" y="16649"/>
+                    <a:pt x="99387" y="21577"/>
+                  </a:cubicBezTo>
+                  <a:lnTo>
+                    <a:pt x="30398" y="90579"/>
+                  </a:lnTo>
+                  <a:lnTo>
+                    <a:pt x="99846" y="160040"/>
+                  </a:lnTo>
+                  <a:cubicBezTo>
+                    <a:pt x="104774" y="164968"/>
+                    <a:pt x="104774" y="172992"/>
+                    <a:pt x="99846" y="177920"/>
+                  </a:cubicBezTo>
+                  <a:cubicBezTo>
+                    <a:pt x="97439" y="180327"/>
+                    <a:pt x="94230" y="181474"/>
+                    <a:pt x="91021" y="181474"/>
+                  </a:cubicBezTo>
+                  <a:close/>
+                </a:path>
+                <a:path w="103542" h="181474" fill="none">
+                  <a:moveTo>
+                    <a:pt x="91021" y="181474"/>
+                  </a:moveTo>
+                  <a:cubicBezTo>
+                    <a:pt x="87813" y="181474"/>
+                    <a:pt x="84604" y="180213"/>
+                    <a:pt x="82083" y="177806"/>
+                  </a:cubicBezTo>
+                  <a:lnTo>
+                    <a:pt x="3696" y="99405"/>
+                  </a:lnTo>
+                  <a:cubicBezTo>
+                    <a:pt x="-1232" y="94476"/>
+                    <a:pt x="-1232" y="86453"/>
+                    <a:pt x="3696" y="81524"/>
+                  </a:cubicBezTo>
+                  <a:lnTo>
+                    <a:pt x="81510" y="3697"/>
+                  </a:lnTo>
+                  <a:cubicBezTo>
+                    <a:pt x="86437" y="-1232"/>
+                    <a:pt x="94460" y="-1232"/>
+                    <a:pt x="99387" y="3697"/>
+                  </a:cubicBezTo>
+                  <a:cubicBezTo>
+                    <a:pt x="104315" y="8625"/>
+                    <a:pt x="104315" y="16649"/>
+                    <a:pt x="99387" y="21577"/>
+                  </a:cubicBezTo>
+                  <a:lnTo>
+                    <a:pt x="30398" y="90579"/>
+                  </a:lnTo>
+                  <a:lnTo>
+                    <a:pt x="99846" y="160040"/>
+                  </a:lnTo>
+                  <a:cubicBezTo>
+                    <a:pt x="104774" y="164968"/>
+                    <a:pt x="104774" y="172992"/>
+                    <a:pt x="99846" y="177920"/>
+                  </a:cubicBezTo>
+                  <a:cubicBezTo>
+                    <a:pt x="97439" y="180327"/>
+                    <a:pt x="94230" y="181474"/>
+                    <a:pt x="91021" y="181474"/>
+                  </a:cubicBezTo>
+                  <a:close/>
+                </a:path>
+              </a:pathLst>
+            </a:custGeom>
+            <a:solidFill>
+              <a:srgbClr val="9B9C9B"/>
+            </a:solidFill>
+            <a:ln w="7600" cap="flat">
+              <a:noFill/>
+              <a:miter/>
+            </a:ln>
+          </p:spPr>
+        </p:sp>
+      </p:grpSp>
+      <p:grpSp>
+        <p:nvGrpSpPr>
+          <p:cNvPr id="20" name="Group 19">
+            <a:extLst>
+              <a:ext uri="{FF2B5EF4-FFF2-40B4-BE49-F238E27FC236}">
+                <a16:creationId xmlns:a16="http://schemas.microsoft.com/office/drawing/2014/main" id="{7B9DE6E3-538E-9DD1-3B63-EBC8C9E30502}"/>
+              </a:ext>
+            </a:extLst>
+          </p:cNvPr>
+          <p:cNvGrpSpPr/>
+          <p:nvPr/>
+        </p:nvGrpSpPr>
+        <p:grpSpPr>
+          <a:xfrm rot="5400000">
+            <a:off x="254949" y="1827868"/>
+            <a:ext cx="122653" cy="125828"/>
+            <a:chOff x="-563005" y="3974307"/>
+            <a:chExt cx="170812" cy="181474"/>
+          </a:xfrm>
+        </p:grpSpPr>
+        <p:sp>
+          <p:nvSpPr>
+            <p:cNvPr id="1085" name="Freeform 1084">
+              <a:extLst>
+                <a:ext uri="{FF2B5EF4-FFF2-40B4-BE49-F238E27FC236}">
+                  <a16:creationId xmlns:a16="http://schemas.microsoft.com/office/drawing/2014/main" id="{B078C20E-7D71-11DA-4D9D-13CC9A776D18}"/>
+                </a:ext>
+              </a:extLst>
+            </p:cNvPr>
+            <p:cNvSpPr/>
+            <p:nvPr/>
+          </p:nvSpPr>
+          <p:spPr>
+            <a:xfrm>
+              <a:off x="-563005" y="3974307"/>
+              <a:ext cx="103542" cy="181474"/>
+            </a:xfrm>
+            <a:custGeom>
+              <a:avLst/>
+              <a:gdLst/>
+              <a:ahLst/>
+              <a:cxnLst/>
+              <a:rect l="l" t="t" r="r" b="b"/>
+              <a:pathLst>
+                <a:path w="103542" h="181474" stroke="0">
+                  <a:moveTo>
+                    <a:pt x="91021" y="181474"/>
+                  </a:moveTo>
+                  <a:cubicBezTo>
+                    <a:pt x="87813" y="181474"/>
+                    <a:pt x="84604" y="180213"/>
+                    <a:pt x="82083" y="177806"/>
+                  </a:cubicBezTo>
+                  <a:lnTo>
+                    <a:pt x="3696" y="99405"/>
+                  </a:lnTo>
+                  <a:cubicBezTo>
+                    <a:pt x="-1232" y="94476"/>
+                    <a:pt x="-1232" y="86453"/>
+                    <a:pt x="3696" y="81524"/>
+                  </a:cubicBezTo>
+                  <a:lnTo>
+                    <a:pt x="81510" y="3697"/>
+                  </a:lnTo>
+                  <a:cubicBezTo>
+                    <a:pt x="86437" y="-1232"/>
+                    <a:pt x="94460" y="-1232"/>
+                    <a:pt x="99387" y="3697"/>
+                  </a:cubicBezTo>
+                  <a:cubicBezTo>
+                    <a:pt x="104315" y="8625"/>
+                    <a:pt x="104315" y="16649"/>
+                    <a:pt x="99387" y="21577"/>
+                  </a:cubicBezTo>
+                  <a:lnTo>
+                    <a:pt x="30398" y="90579"/>
+                  </a:lnTo>
+                  <a:lnTo>
+                    <a:pt x="99846" y="160040"/>
+                  </a:lnTo>
+                  <a:cubicBezTo>
+                    <a:pt x="104774" y="164968"/>
+                    <a:pt x="104774" y="172992"/>
+                    <a:pt x="99846" y="177920"/>
+                  </a:cubicBezTo>
+                  <a:cubicBezTo>
+                    <a:pt x="97439" y="180327"/>
+                    <a:pt x="94230" y="181474"/>
+                    <a:pt x="91021" y="181474"/>
+                  </a:cubicBezTo>
+                  <a:close/>
+                </a:path>
+                <a:path w="103542" h="181474" fill="none">
+                  <a:moveTo>
+                    <a:pt x="91021" y="181474"/>
+                  </a:moveTo>
+                  <a:cubicBezTo>
+                    <a:pt x="87813" y="181474"/>
+                    <a:pt x="84604" y="180213"/>
+                    <a:pt x="82083" y="177806"/>
+                  </a:cubicBezTo>
+                  <a:lnTo>
+                    <a:pt x="3696" y="99405"/>
+                  </a:lnTo>
+                  <a:cubicBezTo>
+                    <a:pt x="-1232" y="94476"/>
+                    <a:pt x="-1232" y="86453"/>
+                    <a:pt x="3696" y="81524"/>
+                  </a:cubicBezTo>
+                  <a:lnTo>
+                    <a:pt x="81510" y="3697"/>
+                  </a:lnTo>
+                  <a:cubicBezTo>
+                    <a:pt x="86437" y="-1232"/>
+                    <a:pt x="94460" y="-1232"/>
+                    <a:pt x="99387" y="3697"/>
+                  </a:cubicBezTo>
+                  <a:cubicBezTo>
+                    <a:pt x="104315" y="8625"/>
+                    <a:pt x="104315" y="16649"/>
+                    <a:pt x="99387" y="21577"/>
+                  </a:cubicBezTo>
+                  <a:lnTo>
+                    <a:pt x="30398" y="90579"/>
+                  </a:lnTo>
+                  <a:lnTo>
+                    <a:pt x="99846" y="160040"/>
+                  </a:lnTo>
+                  <a:cubicBezTo>
+                    <a:pt x="104774" y="164968"/>
+                    <a:pt x="104774" y="172992"/>
+                    <a:pt x="99846" y="177920"/>
+                  </a:cubicBezTo>
+                  <a:cubicBezTo>
+                    <a:pt x="97439" y="180327"/>
+                    <a:pt x="94230" y="181474"/>
+                    <a:pt x="91021" y="181474"/>
+                  </a:cubicBezTo>
+                  <a:close/>
+                </a:path>
+              </a:pathLst>
+            </a:custGeom>
+            <a:solidFill>
+              <a:srgbClr val="9B9C9B"/>
+            </a:solidFill>
+            <a:ln w="7600" cap="flat">
+              <a:noFill/>
+              <a:miter/>
+            </a:ln>
+          </p:spPr>
+        </p:sp>
+        <p:sp>
+          <p:nvSpPr>
+            <p:cNvPr id="1086" name="Freeform 1085">
+              <a:extLst>
+                <a:ext uri="{FF2B5EF4-FFF2-40B4-BE49-F238E27FC236}">
+                  <a16:creationId xmlns:a16="http://schemas.microsoft.com/office/drawing/2014/main" id="{834DBDA3-905B-D47F-8AFC-B16F7A43CB3D}"/>
+                </a:ext>
+              </a:extLst>
+            </p:cNvPr>
+            <p:cNvSpPr/>
+            <p:nvPr/>
+          </p:nvSpPr>
+          <p:spPr>
+            <a:xfrm>
+              <a:off x="-495735" y="3974307"/>
+              <a:ext cx="103542" cy="181474"/>
+            </a:xfrm>
+            <a:custGeom>
+              <a:avLst/>
+              <a:gdLst/>
+              <a:ahLst/>
+              <a:cxnLst/>
+              <a:rect l="l" t="t" r="r" b="b"/>
+              <a:pathLst>
+                <a:path w="103542" h="181474" stroke="0">
+                  <a:moveTo>
+                    <a:pt x="91021" y="181474"/>
+                  </a:moveTo>
+                  <a:cubicBezTo>
+                    <a:pt x="87813" y="181474"/>
+                    <a:pt x="84604" y="180213"/>
+                    <a:pt x="82083" y="177806"/>
+                  </a:cubicBezTo>
+                  <a:lnTo>
+                    <a:pt x="3696" y="99405"/>
+                  </a:lnTo>
+                  <a:cubicBezTo>
+                    <a:pt x="-1232" y="94476"/>
+                    <a:pt x="-1232" y="86453"/>
+                    <a:pt x="3696" y="81524"/>
+                  </a:cubicBezTo>
+                  <a:lnTo>
+                    <a:pt x="81510" y="3697"/>
+                  </a:lnTo>
+                  <a:cubicBezTo>
+                    <a:pt x="86437" y="-1232"/>
+                    <a:pt x="94460" y="-1232"/>
+                    <a:pt x="99387" y="3697"/>
+                  </a:cubicBezTo>
+                  <a:cubicBezTo>
+                    <a:pt x="104315" y="8625"/>
+                    <a:pt x="104315" y="16649"/>
+                    <a:pt x="99387" y="21577"/>
+                  </a:cubicBezTo>
+                  <a:lnTo>
+                    <a:pt x="30398" y="90579"/>
+                  </a:lnTo>
+                  <a:lnTo>
+                    <a:pt x="99846" y="160040"/>
+                  </a:lnTo>
+                  <a:cubicBezTo>
+                    <a:pt x="104774" y="164968"/>
+                    <a:pt x="104774" y="172992"/>
+                    <a:pt x="99846" y="177920"/>
+                  </a:cubicBezTo>
+                  <a:cubicBezTo>
+                    <a:pt x="97439" y="180327"/>
+                    <a:pt x="94230" y="181474"/>
+                    <a:pt x="91021" y="181474"/>
+                  </a:cubicBezTo>
+                  <a:close/>
+                </a:path>
+                <a:path w="103542" h="181474" fill="none">
+                  <a:moveTo>
+                    <a:pt x="91021" y="181474"/>
+                  </a:moveTo>
+                  <a:cubicBezTo>
+                    <a:pt x="87813" y="181474"/>
+                    <a:pt x="84604" y="180213"/>
+                    <a:pt x="82083" y="177806"/>
+                  </a:cubicBezTo>
+                  <a:lnTo>
+                    <a:pt x="3696" y="99405"/>
+                  </a:lnTo>
+                  <a:cubicBezTo>
+                    <a:pt x="-1232" y="94476"/>
+                    <a:pt x="-1232" y="86453"/>
+                    <a:pt x="3696" y="81524"/>
+                  </a:cubicBezTo>
+                  <a:lnTo>
+                    <a:pt x="81510" y="3697"/>
+                  </a:lnTo>
+                  <a:cubicBezTo>
+                    <a:pt x="86437" y="-1232"/>
+                    <a:pt x="94460" y="-1232"/>
+                    <a:pt x="99387" y="3697"/>
+                  </a:cubicBezTo>
+                  <a:cubicBezTo>
+                    <a:pt x="104315" y="8625"/>
+                    <a:pt x="104315" y="16649"/>
+                    <a:pt x="99387" y="21577"/>
+                  </a:cubicBezTo>
+                  <a:lnTo>
+                    <a:pt x="30398" y="90579"/>
+                  </a:lnTo>
+                  <a:lnTo>
+                    <a:pt x="99846" y="160040"/>
+                  </a:lnTo>
+                  <a:cubicBezTo>
+                    <a:pt x="104774" y="164968"/>
+                    <a:pt x="104774" y="172992"/>
+                    <a:pt x="99846" y="177920"/>
+                  </a:cubicBezTo>
+                  <a:cubicBezTo>
+                    <a:pt x="97439" y="180327"/>
+                    <a:pt x="94230" y="181474"/>
+                    <a:pt x="91021" y="181474"/>
+                  </a:cubicBezTo>
+                  <a:close/>
+                </a:path>
+              </a:pathLst>
+            </a:custGeom>
+            <a:solidFill>
+              <a:srgbClr val="9B9C9B"/>
+            </a:solidFill>
+            <a:ln w="7600" cap="flat">
+              <a:noFill/>
+              <a:miter/>
+            </a:ln>
+          </p:spPr>
+        </p:sp>
+      </p:grpSp>
+      <p:grpSp>
+        <p:nvGrpSpPr>
+          <p:cNvPr id="21" name="Group 20">
+            <a:extLst>
+              <a:ext uri="{FF2B5EF4-FFF2-40B4-BE49-F238E27FC236}">
+                <a16:creationId xmlns:a16="http://schemas.microsoft.com/office/drawing/2014/main" id="{00197997-8EDE-998E-D9DB-F13D23CC2893}"/>
+              </a:ext>
+            </a:extLst>
+          </p:cNvPr>
+          <p:cNvGrpSpPr/>
+          <p:nvPr/>
+        </p:nvGrpSpPr>
+        <p:grpSpPr>
+          <a:xfrm rot="10800000">
+            <a:off x="473979" y="1429925"/>
+            <a:ext cx="118435" cy="130309"/>
+            <a:chOff x="-48615" y="3216208"/>
+            <a:chExt cx="170812" cy="181474"/>
+          </a:xfrm>
+        </p:grpSpPr>
+        <p:sp>
+          <p:nvSpPr>
+            <p:cNvPr id="1083" name="Freeform 1082">
+              <a:extLst>
+                <a:ext uri="{FF2B5EF4-FFF2-40B4-BE49-F238E27FC236}">
+                  <a16:creationId xmlns:a16="http://schemas.microsoft.com/office/drawing/2014/main" id="{6167B8E3-3110-378B-E638-91CDBDBAD802}"/>
+                </a:ext>
+              </a:extLst>
+            </p:cNvPr>
+            <p:cNvSpPr/>
+            <p:nvPr/>
+          </p:nvSpPr>
+          <p:spPr>
+            <a:xfrm>
+              <a:off x="-48615" y="3216208"/>
+              <a:ext cx="103542" cy="181474"/>
+            </a:xfrm>
+            <a:custGeom>
+              <a:avLst/>
+              <a:gdLst/>
+              <a:ahLst/>
+              <a:cxnLst/>
+              <a:rect l="l" t="t" r="r" b="b"/>
+              <a:pathLst>
+                <a:path w="103542" h="181474" stroke="0">
+                  <a:moveTo>
+                    <a:pt x="91021" y="181474"/>
+                  </a:moveTo>
+                  <a:cubicBezTo>
+                    <a:pt x="87813" y="181474"/>
+                    <a:pt x="84604" y="180213"/>
+                    <a:pt x="82083" y="177806"/>
+                  </a:cubicBezTo>
+                  <a:lnTo>
+                    <a:pt x="3696" y="99405"/>
+                  </a:lnTo>
+                  <a:cubicBezTo>
+                    <a:pt x="-1232" y="94476"/>
+                    <a:pt x="-1232" y="86453"/>
+                    <a:pt x="3696" y="81524"/>
+                  </a:cubicBezTo>
+                  <a:lnTo>
+                    <a:pt x="81510" y="3697"/>
+                  </a:lnTo>
+                  <a:cubicBezTo>
+                    <a:pt x="86437" y="-1232"/>
+                    <a:pt x="94460" y="-1232"/>
+                    <a:pt x="99387" y="3697"/>
+                  </a:cubicBezTo>
+                  <a:cubicBezTo>
+                    <a:pt x="104315" y="8625"/>
+                    <a:pt x="104315" y="16649"/>
+                    <a:pt x="99387" y="21577"/>
+                  </a:cubicBezTo>
+                  <a:lnTo>
+                    <a:pt x="30398" y="90579"/>
+                  </a:lnTo>
+                  <a:lnTo>
+                    <a:pt x="99846" y="160040"/>
+                  </a:lnTo>
+                  <a:cubicBezTo>
+                    <a:pt x="104774" y="164968"/>
+                    <a:pt x="104774" y="172992"/>
+                    <a:pt x="99846" y="177920"/>
+                  </a:cubicBezTo>
+                  <a:cubicBezTo>
+                    <a:pt x="97439" y="180327"/>
+                    <a:pt x="94230" y="181474"/>
+                    <a:pt x="91021" y="181474"/>
+                  </a:cubicBezTo>
+                  <a:close/>
+                </a:path>
+                <a:path w="103542" h="181474" fill="none">
+                  <a:moveTo>
+                    <a:pt x="91021" y="181474"/>
+                  </a:moveTo>
+                  <a:cubicBezTo>
+                    <a:pt x="87813" y="181474"/>
+                    <a:pt x="84604" y="180213"/>
+                    <a:pt x="82083" y="177806"/>
+                  </a:cubicBezTo>
+                  <a:lnTo>
+                    <a:pt x="3696" y="99405"/>
+                  </a:lnTo>
+                  <a:cubicBezTo>
+                    <a:pt x="-1232" y="94476"/>
+                    <a:pt x="-1232" y="86453"/>
+                    <a:pt x="3696" y="81524"/>
+                  </a:cubicBezTo>
+                  <a:lnTo>
+                    <a:pt x="81510" y="3697"/>
+                  </a:lnTo>
+                  <a:cubicBezTo>
+                    <a:pt x="86437" y="-1232"/>
+                    <a:pt x="94460" y="-1232"/>
+                    <a:pt x="99387" y="3697"/>
+                  </a:cubicBezTo>
+                  <a:cubicBezTo>
+                    <a:pt x="104315" y="8625"/>
+                    <a:pt x="104315" y="16649"/>
+                    <a:pt x="99387" y="21577"/>
+                  </a:cubicBezTo>
+                  <a:lnTo>
+                    <a:pt x="30398" y="90579"/>
+                  </a:lnTo>
+                  <a:lnTo>
+                    <a:pt x="99846" y="160040"/>
+                  </a:lnTo>
+                  <a:cubicBezTo>
+                    <a:pt x="104774" y="164968"/>
+                    <a:pt x="104774" y="172992"/>
+                    <a:pt x="99846" y="177920"/>
+                  </a:cubicBezTo>
+                  <a:cubicBezTo>
+                    <a:pt x="97439" y="180327"/>
+                    <a:pt x="94230" y="181474"/>
+                    <a:pt x="91021" y="181474"/>
+                  </a:cubicBezTo>
+                  <a:close/>
+                </a:path>
+              </a:pathLst>
+            </a:custGeom>
+            <a:solidFill>
+              <a:srgbClr val="9B9C9B"/>
+            </a:solidFill>
+            <a:ln w="7600" cap="flat">
+              <a:noFill/>
+              <a:miter/>
+            </a:ln>
+          </p:spPr>
+        </p:sp>
+        <p:sp>
+          <p:nvSpPr>
+            <p:cNvPr id="1084" name="Freeform 1083">
+              <a:extLst>
+                <a:ext uri="{FF2B5EF4-FFF2-40B4-BE49-F238E27FC236}">
+                  <a16:creationId xmlns:a16="http://schemas.microsoft.com/office/drawing/2014/main" id="{504F1670-462F-E07D-A51D-BCC67B1632B1}"/>
+                </a:ext>
+              </a:extLst>
+            </p:cNvPr>
+            <p:cNvSpPr/>
+            <p:nvPr/>
+          </p:nvSpPr>
+          <p:spPr>
+            <a:xfrm>
+              <a:off x="18655" y="3216208"/>
+              <a:ext cx="103542" cy="181474"/>
+            </a:xfrm>
+            <a:custGeom>
+              <a:avLst/>
+              <a:gdLst/>
+              <a:ahLst/>
+              <a:cxnLst/>
+              <a:rect l="l" t="t" r="r" b="b"/>
+              <a:pathLst>
+                <a:path w="103542" h="181474" stroke="0">
+                  <a:moveTo>
+                    <a:pt x="91021" y="181474"/>
+                  </a:moveTo>
+                  <a:cubicBezTo>
+                    <a:pt x="87813" y="181474"/>
+                    <a:pt x="84604" y="180213"/>
+                    <a:pt x="82083" y="177806"/>
+                  </a:cubicBezTo>
+                  <a:lnTo>
+                    <a:pt x="3696" y="99405"/>
+                  </a:lnTo>
+                  <a:cubicBezTo>
+                    <a:pt x="-1232" y="94476"/>
+                    <a:pt x="-1232" y="86453"/>
+                    <a:pt x="3696" y="81524"/>
+                  </a:cubicBezTo>
+                  <a:lnTo>
+                    <a:pt x="81510" y="3697"/>
+                  </a:lnTo>
+                  <a:cubicBezTo>
+                    <a:pt x="86437" y="-1232"/>
+                    <a:pt x="94460" y="-1232"/>
+                    <a:pt x="99387" y="3697"/>
+                  </a:cubicBezTo>
+                  <a:cubicBezTo>
+                    <a:pt x="104315" y="8625"/>
+                    <a:pt x="104315" y="16649"/>
+                    <a:pt x="99387" y="21577"/>
+                  </a:cubicBezTo>
+                  <a:lnTo>
+                    <a:pt x="30398" y="90579"/>
+                  </a:lnTo>
+                  <a:lnTo>
+                    <a:pt x="99846" y="160040"/>
+                  </a:lnTo>
+                  <a:cubicBezTo>
+                    <a:pt x="104774" y="164968"/>
+                    <a:pt x="104774" y="172992"/>
+                    <a:pt x="99846" y="177920"/>
+                  </a:cubicBezTo>
+                  <a:cubicBezTo>
+                    <a:pt x="97439" y="180327"/>
+                    <a:pt x="94230" y="181474"/>
+                    <a:pt x="91021" y="181474"/>
+                  </a:cubicBezTo>
+                  <a:close/>
+                </a:path>
+                <a:path w="103542" h="181474" fill="none">
+                  <a:moveTo>
+                    <a:pt x="91021" y="181474"/>
+                  </a:moveTo>
+                  <a:cubicBezTo>
+                    <a:pt x="87813" y="181474"/>
+                    <a:pt x="84604" y="180213"/>
+                    <a:pt x="82083" y="177806"/>
+                  </a:cubicBezTo>
+                  <a:lnTo>
+                    <a:pt x="3696" y="99405"/>
+                  </a:lnTo>
+                  <a:cubicBezTo>
+                    <a:pt x="-1232" y="94476"/>
+                    <a:pt x="-1232" y="86453"/>
+                    <a:pt x="3696" y="81524"/>
+                  </a:cubicBezTo>
+                  <a:lnTo>
+                    <a:pt x="81510" y="3697"/>
+                  </a:lnTo>
+                  <a:cubicBezTo>
+                    <a:pt x="86437" y="-1232"/>
+                    <a:pt x="94460" y="-1232"/>
+                    <a:pt x="99387" y="3697"/>
+                  </a:cubicBezTo>
+                  <a:cubicBezTo>
+                    <a:pt x="104315" y="8625"/>
+                    <a:pt x="104315" y="16649"/>
+                    <a:pt x="99387" y="21577"/>
+                  </a:cubicBezTo>
+                  <a:lnTo>
+                    <a:pt x="30398" y="90579"/>
+                  </a:lnTo>
+                  <a:lnTo>
+                    <a:pt x="99846" y="160040"/>
+                  </a:lnTo>
+                  <a:cubicBezTo>
+                    <a:pt x="104774" y="164968"/>
+                    <a:pt x="104774" y="172992"/>
+                    <a:pt x="99846" y="177920"/>
+                  </a:cubicBezTo>
+                  <a:cubicBezTo>
+                    <a:pt x="97439" y="180327"/>
+                    <a:pt x="94230" y="181474"/>
+                    <a:pt x="91021" y="181474"/>
+                  </a:cubicBezTo>
+                  <a:close/>
+                </a:path>
+              </a:pathLst>
+            </a:custGeom>
+            <a:solidFill>
+              <a:srgbClr val="9B9C9B"/>
+            </a:solidFill>
+            <a:ln w="7600" cap="flat">
+              <a:noFill/>
+              <a:miter/>
+            </a:ln>
+          </p:spPr>
+        </p:sp>
+      </p:grpSp>
+      <p:grpSp>
+        <p:nvGrpSpPr>
+          <p:cNvPr id="6" name="Group 5">
+            <a:extLst>
+              <a:ext uri="{FF2B5EF4-FFF2-40B4-BE49-F238E27FC236}">
+                <a16:creationId xmlns:a16="http://schemas.microsoft.com/office/drawing/2014/main" id="{340ADBA4-8C39-E714-4E28-2C65142066B9}"/>
+              </a:ext>
+            </a:extLst>
+          </p:cNvPr>
+          <p:cNvGrpSpPr/>
+          <p:nvPr/>
+        </p:nvGrpSpPr>
+        <p:grpSpPr>
+          <a:xfrm>
+            <a:off x="336387" y="42027"/>
+            <a:ext cx="1721727" cy="373975"/>
+            <a:chOff x="1951971" y="1664243"/>
+            <a:chExt cx="1721727" cy="373975"/>
+          </a:xfrm>
+        </p:grpSpPr>
+        <p:grpSp>
+          <p:nvGrpSpPr>
+            <p:cNvPr id="1109" name="Group 1108">
+              <a:extLst>
+                <a:ext uri="{FF2B5EF4-FFF2-40B4-BE49-F238E27FC236}">
+                  <a16:creationId xmlns:a16="http://schemas.microsoft.com/office/drawing/2014/main" id="{146E013C-E655-2675-8364-47FFD315FFC9}"/>
+                </a:ext>
+              </a:extLst>
+            </p:cNvPr>
+            <p:cNvGrpSpPr/>
+            <p:nvPr/>
+          </p:nvGrpSpPr>
+          <p:grpSpPr>
+            <a:xfrm>
+              <a:off x="1951971" y="1683137"/>
+              <a:ext cx="1373753" cy="159122"/>
+              <a:chOff x="1951971" y="1683137"/>
+              <a:chExt cx="1373753" cy="159122"/>
+            </a:xfrm>
+          </p:grpSpPr>
+          <p:sp>
+            <p:nvSpPr>
+              <p:cNvPr id="1123" name="Freeform 1122">
+                <a:extLst>
+                  <a:ext uri="{FF2B5EF4-FFF2-40B4-BE49-F238E27FC236}">
+                    <a16:creationId xmlns:a16="http://schemas.microsoft.com/office/drawing/2014/main" id="{C289A4A9-D5DA-1ACA-604F-C3C62969DCE3}"/>
+                  </a:ext>
+                </a:extLst>
+              </p:cNvPr>
+              <p:cNvSpPr/>
+              <p:nvPr/>
+            </p:nvSpPr>
+            <p:spPr>
+              <a:xfrm>
+                <a:off x="1951971" y="1683137"/>
+                <a:ext cx="1373753" cy="159122"/>
+              </a:xfrm>
+              <a:custGeom>
+                <a:avLst/>
+                <a:gdLst/>
+                <a:ahLst/>
+                <a:cxnLst/>
+                <a:rect l="l" t="t" r="r" b="b"/>
+                <a:pathLst>
+                  <a:path w="1373753" h="159122" stroke="0">
+                    <a:moveTo>
+                      <a:pt x="23183" y="0"/>
+                    </a:moveTo>
+                    <a:lnTo>
+                      <a:pt x="67653" y="131829"/>
+                    </a:lnTo>
+                    <a:lnTo>
+                      <a:pt x="111596" y="0"/>
+                    </a:lnTo>
+                    <a:lnTo>
+                      <a:pt x="135096" y="0"/>
+                    </a:lnTo>
+                    <a:lnTo>
+                      <a:pt x="78613" y="154801"/>
+                    </a:lnTo>
+                    <a:lnTo>
+                      <a:pt x="56378" y="154801"/>
+                    </a:lnTo>
+                    <a:lnTo>
+                      <a:pt x="0" y="0"/>
+                    </a:lnTo>
+                    <a:lnTo>
+                      <a:pt x="23183" y="0"/>
+                    </a:lnTo>
+                    <a:close/>
+                    <a:moveTo>
+                      <a:pt x="148537" y="42468"/>
+                    </a:moveTo>
+                    <a:lnTo>
+                      <a:pt x="167820" y="42468"/>
+                    </a:lnTo>
+                    <a:lnTo>
+                      <a:pt x="167820" y="154801"/>
+                    </a:lnTo>
+                    <a:lnTo>
+                      <a:pt x="148537" y="154801"/>
+                    </a:lnTo>
+                    <a:lnTo>
+                      <a:pt x="148537" y="42468"/>
+                    </a:lnTo>
+                    <a:close/>
+                    <a:moveTo>
+                      <a:pt x="148537" y="0"/>
+                    </a:moveTo>
+                    <a:lnTo>
+                      <a:pt x="167820" y="0"/>
+                    </a:lnTo>
+                    <a:lnTo>
+                      <a:pt x="167820" y="21497"/>
+                    </a:lnTo>
+                    <a:lnTo>
+                      <a:pt x="148537" y="21497"/>
+                    </a:lnTo>
+                    <a:lnTo>
+                      <a:pt x="148537" y="0"/>
+                    </a:lnTo>
+                    <a:close/>
+                    <a:moveTo>
+                      <a:pt x="196926" y="41941"/>
+                    </a:moveTo>
+                    <a:lnTo>
+                      <a:pt x="214946" y="41941"/>
+                    </a:lnTo>
+                    <a:lnTo>
+                      <a:pt x="214946" y="61436"/>
+                    </a:lnTo>
+                    <a:cubicBezTo>
+                      <a:pt x="216421" y="57642"/>
+                      <a:pt x="220040" y="53023"/>
+                      <a:pt x="225800" y="47579"/>
+                    </a:cubicBezTo>
+                    <a:cubicBezTo>
+                      <a:pt x="231560" y="42134"/>
+                      <a:pt x="238199" y="39412"/>
+                      <a:pt x="245716" y="39412"/>
+                    </a:cubicBezTo>
+                    <a:cubicBezTo>
+                      <a:pt x="246068" y="39412"/>
+                      <a:pt x="246664" y="39447"/>
+                      <a:pt x="247508" y="39517"/>
+                    </a:cubicBezTo>
+                    <a:cubicBezTo>
+                      <a:pt x="248351" y="39587"/>
+                      <a:pt x="249791" y="39728"/>
+                      <a:pt x="251828" y="39938"/>
+                    </a:cubicBezTo>
+                    <a:lnTo>
+                      <a:pt x="251828" y="59960"/>
+                    </a:lnTo>
+                    <a:cubicBezTo>
+                      <a:pt x="250704" y="59750"/>
+                      <a:pt x="249669" y="59609"/>
+                      <a:pt x="248719" y="59539"/>
+                    </a:cubicBezTo>
+                    <a:cubicBezTo>
+                      <a:pt x="247772" y="59469"/>
+                      <a:pt x="246736" y="59434"/>
+                      <a:pt x="245611" y="59434"/>
+                    </a:cubicBezTo>
+                    <a:cubicBezTo>
+                      <a:pt x="236056" y="59434"/>
+                      <a:pt x="228715" y="62507"/>
+                      <a:pt x="223587" y="68654"/>
+                    </a:cubicBezTo>
+                    <a:cubicBezTo>
+                      <a:pt x="218458" y="74801"/>
+                      <a:pt x="215894" y="81879"/>
+                      <a:pt x="215894" y="89888"/>
+                    </a:cubicBezTo>
+                    <a:lnTo>
+                      <a:pt x="215894" y="154801"/>
+                    </a:lnTo>
+                    <a:lnTo>
+                      <a:pt x="196926" y="154801"/>
+                    </a:lnTo>
+                    <a:lnTo>
+                      <a:pt x="196926" y="41941"/>
+                    </a:lnTo>
+                    <a:close/>
+                    <a:moveTo>
+                      <a:pt x="271987" y="10432"/>
+                    </a:moveTo>
+                    <a:lnTo>
+                      <a:pt x="291166" y="10432"/>
+                    </a:lnTo>
+                    <a:lnTo>
+                      <a:pt x="291166" y="41941"/>
+                    </a:lnTo>
+                    <a:lnTo>
+                      <a:pt x="309185" y="41941"/>
+                    </a:lnTo>
+                    <a:lnTo>
+                      <a:pt x="309185" y="57431"/>
+                    </a:lnTo>
+                    <a:lnTo>
+                      <a:pt x="291166" y="57431"/>
+                    </a:lnTo>
+                    <a:lnTo>
+                      <a:pt x="291166" y="131091"/>
+                    </a:lnTo>
+                    <a:cubicBezTo>
+                      <a:pt x="291166" y="135025"/>
+                      <a:pt x="292500" y="137660"/>
+                      <a:pt x="295170" y="138995"/>
+                    </a:cubicBezTo>
+                    <a:cubicBezTo>
+                      <a:pt x="296646" y="139767"/>
+                      <a:pt x="299103" y="140154"/>
+                      <a:pt x="302546" y="140154"/>
+                    </a:cubicBezTo>
+                    <a:cubicBezTo>
+                      <a:pt x="303459" y="140154"/>
+                      <a:pt x="304443" y="140136"/>
+                      <a:pt x="305497" y="140101"/>
+                    </a:cubicBezTo>
+                    <a:cubicBezTo>
+                      <a:pt x="306550" y="140066"/>
+                      <a:pt x="307780" y="139978"/>
+                      <a:pt x="309185" y="139838"/>
+                    </a:cubicBezTo>
+                    <a:lnTo>
+                      <a:pt x="309185" y="154801"/>
+                    </a:lnTo>
+                    <a:cubicBezTo>
+                      <a:pt x="307008" y="155434"/>
+                      <a:pt x="304741" y="155890"/>
+                      <a:pt x="302388" y="156171"/>
+                    </a:cubicBezTo>
+                    <a:cubicBezTo>
+                      <a:pt x="300035" y="156452"/>
+                      <a:pt x="297488" y="156593"/>
+                      <a:pt x="294748" y="156593"/>
+                    </a:cubicBezTo>
+                    <a:cubicBezTo>
+                      <a:pt x="285896" y="156593"/>
+                      <a:pt x="279890" y="154327"/>
+                      <a:pt x="276729" y="149796"/>
+                    </a:cubicBezTo>
+                    <a:cubicBezTo>
+                      <a:pt x="273566" y="145265"/>
+                      <a:pt x="271987" y="139381"/>
+                      <a:pt x="271987" y="132145"/>
+                    </a:cubicBezTo>
+                    <a:lnTo>
+                      <a:pt x="271987" y="57431"/>
+                    </a:lnTo>
+                    <a:lnTo>
+                      <a:pt x="256706" y="57431"/>
+                    </a:lnTo>
+                    <a:lnTo>
+                      <a:pt x="256706" y="41941"/>
+                    </a:lnTo>
+                    <a:lnTo>
+                      <a:pt x="271987" y="41941"/>
+                    </a:lnTo>
+                    <a:lnTo>
+                      <a:pt x="271987" y="10432"/>
+                    </a:lnTo>
+                    <a:close/>
+                    <a:moveTo>
+                      <a:pt x="347098" y="41941"/>
+                    </a:moveTo>
+                    <a:lnTo>
+                      <a:pt x="347098" y="116865"/>
+                    </a:lnTo>
+                    <a:cubicBezTo>
+                      <a:pt x="347098" y="122626"/>
+                      <a:pt x="348012" y="127333"/>
+                      <a:pt x="349837" y="130986"/>
+                    </a:cubicBezTo>
+                    <a:cubicBezTo>
+                      <a:pt x="353210" y="137730"/>
+                      <a:pt x="359497" y="141102"/>
+                      <a:pt x="368700" y="141102"/>
+                    </a:cubicBezTo>
+                    <a:cubicBezTo>
+                      <a:pt x="381908" y="141102"/>
+                      <a:pt x="390900" y="135201"/>
+                      <a:pt x="395678" y="123399"/>
+                    </a:cubicBezTo>
+                    <a:cubicBezTo>
+                      <a:pt x="398277" y="117076"/>
+                      <a:pt x="399577" y="108400"/>
+                      <a:pt x="399577" y="97370"/>
+                    </a:cubicBezTo>
+                    <a:lnTo>
+                      <a:pt x="399577" y="41941"/>
+                    </a:lnTo>
+                    <a:lnTo>
+                      <a:pt x="418544" y="41941"/>
+                    </a:lnTo>
+                    <a:lnTo>
+                      <a:pt x="418544" y="154801"/>
+                    </a:lnTo>
+                    <a:lnTo>
+                      <a:pt x="400630" y="154801"/>
+                    </a:lnTo>
+                    <a:lnTo>
+                      <a:pt x="400841" y="138152"/>
+                    </a:lnTo>
+                    <a:cubicBezTo>
+                      <a:pt x="398382" y="142437"/>
+                      <a:pt x="395326" y="146055"/>
+                      <a:pt x="391674" y="149006"/>
+                    </a:cubicBezTo>
+                    <a:cubicBezTo>
+                      <a:pt x="384437" y="154907"/>
+                      <a:pt x="375656" y="157857"/>
+                      <a:pt x="365328" y="157857"/>
+                    </a:cubicBezTo>
+                    <a:cubicBezTo>
+                      <a:pt x="349241" y="157857"/>
+                      <a:pt x="338281" y="152483"/>
+                      <a:pt x="332450" y="141734"/>
+                    </a:cubicBezTo>
+                    <a:cubicBezTo>
+                      <a:pt x="329289" y="135974"/>
+                      <a:pt x="327707" y="128281"/>
+                      <a:pt x="327707" y="118656"/>
+                    </a:cubicBezTo>
+                    <a:lnTo>
+                      <a:pt x="327707" y="41941"/>
+                    </a:lnTo>
+                    <a:lnTo>
+                      <a:pt x="347098" y="41941"/>
+                    </a:lnTo>
+                    <a:close/>
+                    <a:moveTo>
+                      <a:pt x="462654" y="124768"/>
+                    </a:moveTo>
+                    <a:cubicBezTo>
+                      <a:pt x="462654" y="130248"/>
+                      <a:pt x="464657" y="134569"/>
+                      <a:pt x="468661" y="137730"/>
+                    </a:cubicBezTo>
+                    <a:cubicBezTo>
+                      <a:pt x="472665" y="140891"/>
+                      <a:pt x="477407" y="142472"/>
+                      <a:pt x="482887" y="142472"/>
+                    </a:cubicBezTo>
+                    <a:cubicBezTo>
+                      <a:pt x="489560" y="142472"/>
+                      <a:pt x="496024" y="140927"/>
+                      <a:pt x="502277" y="137835"/>
+                    </a:cubicBezTo>
+                    <a:cubicBezTo>
+                      <a:pt x="512814" y="132707"/>
+                      <a:pt x="518084" y="124312"/>
+                      <a:pt x="518084" y="112650"/>
+                    </a:cubicBezTo>
+                    <a:lnTo>
+                      <a:pt x="518084" y="97370"/>
+                    </a:lnTo>
+                    <a:cubicBezTo>
+                      <a:pt x="515765" y="98845"/>
+                      <a:pt x="512779" y="100075"/>
+                      <a:pt x="509127" y="101058"/>
+                    </a:cubicBezTo>
+                    <a:cubicBezTo>
+                      <a:pt x="505472" y="102042"/>
+                      <a:pt x="501890" y="102744"/>
+                      <a:pt x="498377" y="103166"/>
+                    </a:cubicBezTo>
+                    <a:lnTo>
+                      <a:pt x="486891" y="104641"/>
+                    </a:lnTo>
+                    <a:cubicBezTo>
+                      <a:pt x="480006" y="105554"/>
+                      <a:pt x="474843" y="106995"/>
+                      <a:pt x="471401" y="108962"/>
+                    </a:cubicBezTo>
+                    <a:cubicBezTo>
+                      <a:pt x="465569" y="112264"/>
+                      <a:pt x="462654" y="117532"/>
+                      <a:pt x="462654" y="124768"/>
+                    </a:cubicBezTo>
+                    <a:close/>
+                    <a:moveTo>
+                      <a:pt x="508599" y="86411"/>
+                    </a:moveTo>
+                    <a:cubicBezTo>
+                      <a:pt x="512955" y="85849"/>
+                      <a:pt x="515870" y="84022"/>
+                      <a:pt x="517346" y="80931"/>
+                    </a:cubicBezTo>
+                    <a:cubicBezTo>
+                      <a:pt x="518189" y="79245"/>
+                      <a:pt x="518610" y="76821"/>
+                      <a:pt x="518610" y="73660"/>
+                    </a:cubicBezTo>
+                    <a:cubicBezTo>
+                      <a:pt x="518610" y="67197"/>
+                      <a:pt x="516310" y="62507"/>
+                      <a:pt x="511708" y="59592"/>
+                    </a:cubicBezTo>
+                    <a:cubicBezTo>
+                      <a:pt x="507106" y="56676"/>
+                      <a:pt x="500520" y="55219"/>
+                      <a:pt x="491949" y="55219"/>
+                    </a:cubicBezTo>
+                    <a:cubicBezTo>
+                      <a:pt x="482045" y="55219"/>
+                      <a:pt x="475019" y="57888"/>
+                      <a:pt x="470873" y="63227"/>
+                    </a:cubicBezTo>
+                    <a:cubicBezTo>
+                      <a:pt x="468556" y="66178"/>
+                      <a:pt x="467044" y="70569"/>
+                      <a:pt x="466343" y="76400"/>
+                    </a:cubicBezTo>
+                    <a:lnTo>
+                      <a:pt x="448639" y="76400"/>
+                    </a:lnTo>
+                    <a:cubicBezTo>
+                      <a:pt x="448991" y="62490"/>
+                      <a:pt x="453503" y="52812"/>
+                      <a:pt x="462180" y="47368"/>
+                    </a:cubicBezTo>
+                    <a:cubicBezTo>
+                      <a:pt x="470857" y="41923"/>
+                      <a:pt x="480919" y="39201"/>
+                      <a:pt x="492371" y="39201"/>
+                    </a:cubicBezTo>
+                    <a:cubicBezTo>
+                      <a:pt x="505648" y="39201"/>
+                      <a:pt x="516432" y="41730"/>
+                      <a:pt x="524723" y="46788"/>
+                    </a:cubicBezTo>
+                    <a:cubicBezTo>
+                      <a:pt x="532942" y="51846"/>
+                      <a:pt x="537051" y="59715"/>
+                      <a:pt x="537051" y="70393"/>
+                    </a:cubicBezTo>
+                    <a:lnTo>
+                      <a:pt x="537051" y="135412"/>
+                    </a:lnTo>
+                    <a:cubicBezTo>
+                      <a:pt x="537051" y="137379"/>
+                      <a:pt x="537456" y="138959"/>
+                      <a:pt x="538264" y="140154"/>
+                    </a:cubicBezTo>
+                    <a:cubicBezTo>
+                      <a:pt x="539072" y="141348"/>
+                      <a:pt x="540775" y="141945"/>
+                      <a:pt x="543374" y="141945"/>
+                    </a:cubicBezTo>
+                    <a:cubicBezTo>
+                      <a:pt x="544218" y="141945"/>
+                      <a:pt x="545166" y="141893"/>
+                      <a:pt x="546219" y="141787"/>
+                    </a:cubicBezTo>
+                    <a:cubicBezTo>
+                      <a:pt x="547273" y="141682"/>
+                      <a:pt x="548397" y="141524"/>
+                      <a:pt x="549592" y="141313"/>
+                    </a:cubicBezTo>
+                    <a:lnTo>
+                      <a:pt x="549592" y="155328"/>
+                    </a:lnTo>
+                    <a:cubicBezTo>
+                      <a:pt x="546641" y="156171"/>
+                      <a:pt x="544394" y="156698"/>
+                      <a:pt x="542847" y="156909"/>
+                    </a:cubicBezTo>
+                    <a:cubicBezTo>
+                      <a:pt x="541301" y="157120"/>
+                      <a:pt x="539194" y="157225"/>
+                      <a:pt x="536525" y="157225"/>
+                    </a:cubicBezTo>
+                    <a:cubicBezTo>
+                      <a:pt x="529991" y="157225"/>
+                      <a:pt x="525249" y="154907"/>
+                      <a:pt x="522298" y="150270"/>
+                    </a:cubicBezTo>
+                    <a:cubicBezTo>
+                      <a:pt x="520753" y="147811"/>
+                      <a:pt x="519665" y="144334"/>
+                      <a:pt x="519031" y="139838"/>
+                    </a:cubicBezTo>
+                    <a:cubicBezTo>
+                      <a:pt x="515168" y="144896"/>
+                      <a:pt x="509618" y="149287"/>
+                      <a:pt x="502382" y="153010"/>
+                    </a:cubicBezTo>
+                    <a:cubicBezTo>
+                      <a:pt x="495146" y="156733"/>
+                      <a:pt x="487173" y="158595"/>
+                      <a:pt x="478460" y="158595"/>
+                    </a:cubicBezTo>
+                    <a:cubicBezTo>
+                      <a:pt x="467994" y="158595"/>
+                      <a:pt x="459439" y="155416"/>
+                      <a:pt x="452801" y="149058"/>
+                    </a:cubicBezTo>
+                    <a:cubicBezTo>
+                      <a:pt x="446162" y="142700"/>
+                      <a:pt x="442843" y="134744"/>
+                      <a:pt x="442843" y="125190"/>
+                    </a:cubicBezTo>
+                    <a:cubicBezTo>
+                      <a:pt x="442843" y="114722"/>
+                      <a:pt x="446110" y="106608"/>
+                      <a:pt x="452643" y="100848"/>
+                    </a:cubicBezTo>
+                    <a:cubicBezTo>
+                      <a:pt x="459177" y="95087"/>
+                      <a:pt x="467748" y="91539"/>
+                      <a:pt x="478356" y="90204"/>
+                    </a:cubicBezTo>
+                    <a:lnTo>
+                      <a:pt x="508599" y="86411"/>
+                    </a:lnTo>
+                    <a:close/>
+                    <a:moveTo>
+                      <a:pt x="568621" y="0"/>
+                    </a:moveTo>
+                    <a:lnTo>
+                      <a:pt x="587590" y="0"/>
+                    </a:lnTo>
+                    <a:lnTo>
+                      <a:pt x="587590" y="154801"/>
+                    </a:lnTo>
+                    <a:lnTo>
+                      <a:pt x="568621" y="154801"/>
+                    </a:lnTo>
+                    <a:lnTo>
+                      <a:pt x="568621" y="0"/>
+                    </a:lnTo>
+                    <a:close/>
+                    <a:moveTo>
+                      <a:pt x="620487" y="0"/>
+                    </a:moveTo>
+                    <a:lnTo>
+                      <a:pt x="690143" y="0"/>
+                    </a:lnTo>
+                    <a:cubicBezTo>
+                      <a:pt x="703913" y="0"/>
+                      <a:pt x="715012" y="3881"/>
+                      <a:pt x="723443" y="11644"/>
+                    </a:cubicBezTo>
+                    <a:cubicBezTo>
+                      <a:pt x="731874" y="19407"/>
+                      <a:pt x="736089" y="30314"/>
+                      <a:pt x="736089" y="44364"/>
+                    </a:cubicBezTo>
+                    <a:cubicBezTo>
+                      <a:pt x="736089" y="56448"/>
+                      <a:pt x="732330" y="66968"/>
+                      <a:pt x="724813" y="75925"/>
+                    </a:cubicBezTo>
+                    <a:cubicBezTo>
+                      <a:pt x="717296" y="84883"/>
+                      <a:pt x="705740" y="89361"/>
+                      <a:pt x="690143" y="89361"/>
+                    </a:cubicBezTo>
+                    <a:lnTo>
+                      <a:pt x="641459" y="89361"/>
+                    </a:lnTo>
+                    <a:lnTo>
+                      <a:pt x="641459" y="154801"/>
+                    </a:lnTo>
+                    <a:lnTo>
+                      <a:pt x="620487" y="154801"/>
+                    </a:lnTo>
+                    <a:lnTo>
+                      <a:pt x="620487" y="0"/>
+                    </a:lnTo>
+                    <a:close/>
+                    <a:moveTo>
+                      <a:pt x="714908" y="44470"/>
+                    </a:moveTo>
+                    <a:cubicBezTo>
+                      <a:pt x="714908" y="33089"/>
+                      <a:pt x="710692" y="25361"/>
+                      <a:pt x="702261" y="21287"/>
+                    </a:cubicBezTo>
+                    <a:cubicBezTo>
+                      <a:pt x="697625" y="19109"/>
+                      <a:pt x="691267" y="18020"/>
+                      <a:pt x="683188" y="18020"/>
+                    </a:cubicBezTo>
+                    <a:lnTo>
+                      <a:pt x="641459" y="18020"/>
+                    </a:lnTo>
+                    <a:lnTo>
+                      <a:pt x="641459" y="71658"/>
+                    </a:lnTo>
+                    <a:lnTo>
+                      <a:pt x="683188" y="71658"/>
+                    </a:lnTo>
+                    <a:cubicBezTo>
+                      <a:pt x="692602" y="71658"/>
+                      <a:pt x="700242" y="69655"/>
+                      <a:pt x="706108" y="65651"/>
+                    </a:cubicBezTo>
+                    <a:cubicBezTo>
+                      <a:pt x="711974" y="61647"/>
+                      <a:pt x="714908" y="54586"/>
+                      <a:pt x="714908" y="44470"/>
+                    </a:cubicBezTo>
+                    <a:close/>
+                    <a:moveTo>
+                      <a:pt x="774412" y="124768"/>
+                    </a:moveTo>
+                    <a:cubicBezTo>
+                      <a:pt x="774412" y="130248"/>
+                      <a:pt x="776415" y="134569"/>
+                      <a:pt x="780420" y="137730"/>
+                    </a:cubicBezTo>
+                    <a:cubicBezTo>
+                      <a:pt x="784424" y="140891"/>
+                      <a:pt x="789165" y="142472"/>
+                      <a:pt x="794645" y="142472"/>
+                    </a:cubicBezTo>
+                    <a:cubicBezTo>
+                      <a:pt x="801320" y="142472"/>
+                      <a:pt x="807782" y="140927"/>
+                      <a:pt x="814035" y="137835"/>
+                    </a:cubicBezTo>
+                    <a:cubicBezTo>
+                      <a:pt x="824573" y="132707"/>
+                      <a:pt x="829842" y="124312"/>
+                      <a:pt x="829842" y="112650"/>
+                    </a:cubicBezTo>
+                    <a:lnTo>
+                      <a:pt x="829842" y="97370"/>
+                    </a:lnTo>
+                    <a:cubicBezTo>
+                      <a:pt x="827523" y="98845"/>
+                      <a:pt x="824538" y="100075"/>
+                      <a:pt x="820885" y="101058"/>
+                    </a:cubicBezTo>
+                    <a:cubicBezTo>
+                      <a:pt x="817232" y="102042"/>
+                      <a:pt x="813648" y="102744"/>
+                      <a:pt x="810135" y="103166"/>
+                    </a:cubicBezTo>
+                    <a:lnTo>
+                      <a:pt x="798649" y="104641"/>
+                    </a:lnTo>
+                    <a:cubicBezTo>
+                      <a:pt x="791765" y="105554"/>
+                      <a:pt x="786601" y="106995"/>
+                      <a:pt x="783159" y="108962"/>
+                    </a:cubicBezTo>
+                    <a:cubicBezTo>
+                      <a:pt x="777329" y="112264"/>
+                      <a:pt x="774412" y="117532"/>
+                      <a:pt x="774412" y="124768"/>
+                    </a:cubicBezTo>
+                    <a:close/>
+                    <a:moveTo>
+                      <a:pt x="820357" y="86411"/>
+                    </a:moveTo>
+                    <a:cubicBezTo>
+                      <a:pt x="824714" y="85849"/>
+                      <a:pt x="827629" y="84022"/>
+                      <a:pt x="829104" y="80931"/>
+                    </a:cubicBezTo>
+                    <a:cubicBezTo>
+                      <a:pt x="829948" y="79245"/>
+                      <a:pt x="830369" y="76821"/>
+                      <a:pt x="830369" y="73660"/>
+                    </a:cubicBezTo>
+                    <a:cubicBezTo>
+                      <a:pt x="830369" y="67197"/>
+                      <a:pt x="828068" y="62507"/>
+                      <a:pt x="823466" y="59592"/>
+                    </a:cubicBezTo>
+                    <a:cubicBezTo>
+                      <a:pt x="818865" y="56676"/>
+                      <a:pt x="812278" y="55219"/>
+                      <a:pt x="803707" y="55219"/>
+                    </a:cubicBezTo>
+                    <a:cubicBezTo>
+                      <a:pt x="793803" y="55219"/>
+                      <a:pt x="786777" y="57888"/>
+                      <a:pt x="782633" y="63227"/>
+                    </a:cubicBezTo>
+                    <a:cubicBezTo>
+                      <a:pt x="780314" y="66178"/>
+                      <a:pt x="778803" y="70569"/>
+                      <a:pt x="778101" y="76400"/>
+                    </a:cubicBezTo>
+                    <a:lnTo>
+                      <a:pt x="760397" y="76400"/>
+                    </a:lnTo>
+                    <a:cubicBezTo>
+                      <a:pt x="760749" y="62490"/>
+                      <a:pt x="765262" y="52812"/>
+                      <a:pt x="773938" y="47368"/>
+                    </a:cubicBezTo>
+                    <a:cubicBezTo>
+                      <a:pt x="782615" y="41923"/>
+                      <a:pt x="792678" y="39201"/>
+                      <a:pt x="804129" y="39201"/>
+                    </a:cubicBezTo>
+                    <a:cubicBezTo>
+                      <a:pt x="817407" y="39201"/>
+                      <a:pt x="828190" y="41730"/>
+                      <a:pt x="836481" y="46788"/>
+                    </a:cubicBezTo>
+                    <a:cubicBezTo>
+                      <a:pt x="844700" y="51846"/>
+                      <a:pt x="848811" y="59715"/>
+                      <a:pt x="848811" y="70393"/>
+                    </a:cubicBezTo>
+                    <a:lnTo>
+                      <a:pt x="848811" y="135412"/>
+                    </a:lnTo>
+                    <a:cubicBezTo>
+                      <a:pt x="848811" y="137379"/>
+                      <a:pt x="849214" y="138959"/>
+                      <a:pt x="850022" y="140154"/>
+                    </a:cubicBezTo>
+                    <a:cubicBezTo>
+                      <a:pt x="850830" y="141348"/>
+                      <a:pt x="852533" y="141945"/>
+                      <a:pt x="855133" y="141945"/>
+                    </a:cubicBezTo>
+                    <a:cubicBezTo>
+                      <a:pt x="855976" y="141945"/>
+                      <a:pt x="856924" y="141893"/>
+                      <a:pt x="857978" y="141787"/>
+                    </a:cubicBezTo>
+                    <a:cubicBezTo>
+                      <a:pt x="859031" y="141682"/>
+                      <a:pt x="860156" y="141524"/>
+                      <a:pt x="861350" y="141313"/>
+                    </a:cubicBezTo>
+                    <a:lnTo>
+                      <a:pt x="861350" y="155328"/>
+                    </a:lnTo>
+                    <a:cubicBezTo>
+                      <a:pt x="858399" y="156171"/>
+                      <a:pt x="856152" y="156698"/>
+                      <a:pt x="854606" y="156909"/>
+                    </a:cubicBezTo>
+                    <a:cubicBezTo>
+                      <a:pt x="853061" y="157120"/>
+                      <a:pt x="850952" y="157225"/>
+                      <a:pt x="848283" y="157225"/>
+                    </a:cubicBezTo>
+                    <a:cubicBezTo>
+                      <a:pt x="841749" y="157225"/>
+                      <a:pt x="837007" y="154907"/>
+                      <a:pt x="834056" y="150270"/>
+                    </a:cubicBezTo>
+                    <a:cubicBezTo>
+                      <a:pt x="832511" y="147811"/>
+                      <a:pt x="831423" y="144334"/>
+                      <a:pt x="830790" y="139838"/>
+                    </a:cubicBezTo>
+                    <a:cubicBezTo>
+                      <a:pt x="826927" y="144896"/>
+                      <a:pt x="821377" y="149287"/>
+                      <a:pt x="814140" y="153010"/>
+                    </a:cubicBezTo>
+                    <a:cubicBezTo>
+                      <a:pt x="806904" y="156733"/>
+                      <a:pt x="798931" y="158595"/>
+                      <a:pt x="790220" y="158595"/>
+                    </a:cubicBezTo>
+                    <a:cubicBezTo>
+                      <a:pt x="779752" y="158595"/>
+                      <a:pt x="771199" y="155416"/>
+                      <a:pt x="764560" y="149058"/>
+                    </a:cubicBezTo>
+                    <a:cubicBezTo>
+                      <a:pt x="757920" y="142700"/>
+                      <a:pt x="754601" y="134744"/>
+                      <a:pt x="754601" y="125190"/>
+                    </a:cubicBezTo>
+                    <a:cubicBezTo>
+                      <a:pt x="754601" y="114722"/>
+                      <a:pt x="757868" y="106608"/>
+                      <a:pt x="764402" y="100848"/>
+                    </a:cubicBezTo>
+                    <a:cubicBezTo>
+                      <a:pt x="770935" y="95087"/>
+                      <a:pt x="779506" y="91539"/>
+                      <a:pt x="790114" y="90204"/>
+                    </a:cubicBezTo>
+                    <a:lnTo>
+                      <a:pt x="820357" y="86411"/>
+                    </a:lnTo>
+                    <a:close/>
+                    <a:moveTo>
+                      <a:pt x="883646" y="10432"/>
+                    </a:moveTo>
+                    <a:lnTo>
+                      <a:pt x="902825" y="10432"/>
+                    </a:lnTo>
+                    <a:lnTo>
+                      <a:pt x="902825" y="41941"/>
+                    </a:lnTo>
+                    <a:lnTo>
+                      <a:pt x="920845" y="41941"/>
+                    </a:lnTo>
+                    <a:lnTo>
+                      <a:pt x="920845" y="57431"/>
+                    </a:lnTo>
+                    <a:lnTo>
+                      <a:pt x="902825" y="57431"/>
+                    </a:lnTo>
+                    <a:lnTo>
+                      <a:pt x="902825" y="131091"/>
+                    </a:lnTo>
+                    <a:cubicBezTo>
+                      <a:pt x="902825" y="135025"/>
+                      <a:pt x="904160" y="137660"/>
+                      <a:pt x="906830" y="138995"/>
+                    </a:cubicBezTo>
+                    <a:cubicBezTo>
+                      <a:pt x="908305" y="139767"/>
+                      <a:pt x="910764" y="140154"/>
+                      <a:pt x="914207" y="140154"/>
+                    </a:cubicBezTo>
+                    <a:cubicBezTo>
+                      <a:pt x="915119" y="140154"/>
+                      <a:pt x="916102" y="140136"/>
+                      <a:pt x="917156" y="140101"/>
+                    </a:cubicBezTo>
+                    <a:cubicBezTo>
+                      <a:pt x="918211" y="140066"/>
+                      <a:pt x="919439" y="139978"/>
+                      <a:pt x="920845" y="139838"/>
+                    </a:cubicBezTo>
+                    <a:lnTo>
+                      <a:pt x="920845" y="154801"/>
+                    </a:lnTo>
+                    <a:cubicBezTo>
+                      <a:pt x="918667" y="155434"/>
+                      <a:pt x="916402" y="155890"/>
+                      <a:pt x="914049" y="156171"/>
+                    </a:cubicBezTo>
+                    <a:cubicBezTo>
+                      <a:pt x="911694" y="156452"/>
+                      <a:pt x="909148" y="156593"/>
+                      <a:pt x="906408" y="156593"/>
+                    </a:cubicBezTo>
+                    <a:cubicBezTo>
+                      <a:pt x="897557" y="156593"/>
+                      <a:pt x="891549" y="154327"/>
+                      <a:pt x="888388" y="149796"/>
+                    </a:cubicBezTo>
+                    <a:cubicBezTo>
+                      <a:pt x="885227" y="145265"/>
+                      <a:pt x="883646" y="139381"/>
+                      <a:pt x="883646" y="132145"/>
+                    </a:cubicBezTo>
+                    <a:lnTo>
+                      <a:pt x="883646" y="57431"/>
+                    </a:lnTo>
+                    <a:lnTo>
+                      <a:pt x="868366" y="57431"/>
+                    </a:lnTo>
+                    <a:lnTo>
+                      <a:pt x="868366" y="41941"/>
+                    </a:lnTo>
+                    <a:lnTo>
+                      <a:pt x="883646" y="41941"/>
+                    </a:lnTo>
+                    <a:lnTo>
+                      <a:pt x="883646" y="10432"/>
+                    </a:lnTo>
+                    <a:close/>
+                    <a:moveTo>
+                      <a:pt x="939789" y="42468"/>
+                    </a:moveTo>
+                    <a:lnTo>
+                      <a:pt x="959073" y="42468"/>
+                    </a:lnTo>
+                    <a:lnTo>
+                      <a:pt x="959073" y="154801"/>
+                    </a:lnTo>
+                    <a:lnTo>
+                      <a:pt x="939789" y="154801"/>
+                    </a:lnTo>
+                    <a:lnTo>
+                      <a:pt x="939789" y="42468"/>
+                    </a:lnTo>
+                    <a:close/>
+                    <a:moveTo>
+                      <a:pt x="939789" y="0"/>
+                    </a:moveTo>
+                    <a:lnTo>
+                      <a:pt x="959073" y="0"/>
+                    </a:lnTo>
+                    <a:lnTo>
+                      <a:pt x="959073" y="21497"/>
+                    </a:lnTo>
+                    <a:lnTo>
+                      <a:pt x="939789" y="21497"/>
+                    </a:lnTo>
+                    <a:lnTo>
+                      <a:pt x="939789" y="0"/>
+                    </a:lnTo>
+                    <a:close/>
+                    <a:moveTo>
+                      <a:pt x="1034650" y="39412"/>
+                    </a:moveTo>
+                    <a:cubicBezTo>
+                      <a:pt x="1042659" y="39412"/>
+                      <a:pt x="1050423" y="41291"/>
+                      <a:pt x="1057940" y="45049"/>
+                    </a:cubicBezTo>
+                    <a:cubicBezTo>
+                      <a:pt x="1065457" y="48808"/>
+                      <a:pt x="1071183" y="53673"/>
+                      <a:pt x="1075116" y="59644"/>
+                    </a:cubicBezTo>
+                    <a:cubicBezTo>
+                      <a:pt x="1078910" y="65335"/>
+                      <a:pt x="1081439" y="71974"/>
+                      <a:pt x="1082703" y="79561"/>
+                    </a:cubicBezTo>
+                    <a:cubicBezTo>
+                      <a:pt x="1083828" y="84760"/>
+                      <a:pt x="1084390" y="93049"/>
+                      <a:pt x="1084390" y="104430"/>
+                    </a:cubicBezTo>
+                    <a:lnTo>
+                      <a:pt x="1001667" y="104430"/>
+                    </a:lnTo>
+                    <a:cubicBezTo>
+                      <a:pt x="1002018" y="115882"/>
+                      <a:pt x="1004723" y="125067"/>
+                      <a:pt x="1009781" y="131987"/>
+                    </a:cubicBezTo>
+                    <a:cubicBezTo>
+                      <a:pt x="1014840" y="138907"/>
+                      <a:pt x="1022673" y="142367"/>
+                      <a:pt x="1033281" y="142367"/>
+                    </a:cubicBezTo>
+                    <a:cubicBezTo>
+                      <a:pt x="1043187" y="142367"/>
+                      <a:pt x="1051090" y="139100"/>
+                      <a:pt x="1056990" y="132567"/>
+                    </a:cubicBezTo>
+                    <a:cubicBezTo>
+                      <a:pt x="1060363" y="128773"/>
+                      <a:pt x="1062752" y="124382"/>
+                      <a:pt x="1064157" y="119394"/>
+                    </a:cubicBezTo>
+                    <a:lnTo>
+                      <a:pt x="1082809" y="119394"/>
+                    </a:lnTo>
+                    <a:cubicBezTo>
+                      <a:pt x="1082317" y="123539"/>
+                      <a:pt x="1080684" y="128158"/>
+                      <a:pt x="1077909" y="133251"/>
+                    </a:cubicBezTo>
+                    <a:cubicBezTo>
+                      <a:pt x="1075134" y="138345"/>
+                      <a:pt x="1072025" y="142507"/>
+                      <a:pt x="1068582" y="145739"/>
+                    </a:cubicBezTo>
+                    <a:cubicBezTo>
+                      <a:pt x="1062822" y="151359"/>
+                      <a:pt x="1055691" y="155153"/>
+                      <a:pt x="1047191" y="157120"/>
+                    </a:cubicBezTo>
+                    <a:cubicBezTo>
+                      <a:pt x="1042624" y="158244"/>
+                      <a:pt x="1037461" y="158806"/>
+                      <a:pt x="1031700" y="158806"/>
+                    </a:cubicBezTo>
+                    <a:cubicBezTo>
+                      <a:pt x="1017650" y="158806"/>
+                      <a:pt x="1005741" y="153695"/>
+                      <a:pt x="995977" y="143473"/>
+                    </a:cubicBezTo>
+                    <a:cubicBezTo>
+                      <a:pt x="986212" y="133251"/>
+                      <a:pt x="981330" y="118937"/>
+                      <a:pt x="981330" y="100531"/>
+                    </a:cubicBezTo>
+                    <a:cubicBezTo>
+                      <a:pt x="981330" y="82406"/>
+                      <a:pt x="986246" y="67688"/>
+                      <a:pt x="996082" y="56378"/>
+                    </a:cubicBezTo>
+                    <a:cubicBezTo>
+                      <a:pt x="1005917" y="45067"/>
+                      <a:pt x="1018774" y="39412"/>
+                      <a:pt x="1034650" y="39412"/>
+                    </a:cubicBezTo>
+                    <a:close/>
+                    <a:moveTo>
+                      <a:pt x="1064895" y="89361"/>
+                    </a:moveTo>
+                    <a:cubicBezTo>
+                      <a:pt x="1064122" y="81142"/>
+                      <a:pt x="1062330" y="74573"/>
+                      <a:pt x="1059520" y="69655"/>
+                    </a:cubicBezTo>
+                    <a:cubicBezTo>
+                      <a:pt x="1054321" y="60523"/>
+                      <a:pt x="1045645" y="55956"/>
+                      <a:pt x="1033491" y="55956"/>
+                    </a:cubicBezTo>
+                    <a:cubicBezTo>
+                      <a:pt x="1024780" y="55956"/>
+                      <a:pt x="1017474" y="59100"/>
+                      <a:pt x="1011573" y="65388"/>
+                    </a:cubicBezTo>
+                    <a:cubicBezTo>
+                      <a:pt x="1005671" y="71675"/>
+                      <a:pt x="1002546" y="79666"/>
+                      <a:pt x="1002194" y="89361"/>
+                    </a:cubicBezTo>
+                    <a:lnTo>
+                      <a:pt x="1064895" y="89361"/>
+                    </a:lnTo>
+                    <a:close/>
+                    <a:moveTo>
+                      <a:pt x="1107634" y="41941"/>
+                    </a:moveTo>
+                    <a:lnTo>
+                      <a:pt x="1125653" y="41941"/>
+                    </a:lnTo>
+                    <a:lnTo>
+                      <a:pt x="1125653" y="57958"/>
+                    </a:lnTo>
+                    <a:cubicBezTo>
+                      <a:pt x="1130993" y="51355"/>
+                      <a:pt x="1136649" y="46613"/>
+                      <a:pt x="1142619" y="43732"/>
+                    </a:cubicBezTo>
+                    <a:cubicBezTo>
+                      <a:pt x="1148591" y="40852"/>
+                      <a:pt x="1155230" y="39412"/>
+                      <a:pt x="1162536" y="39412"/>
+                    </a:cubicBezTo>
+                    <a:cubicBezTo>
+                      <a:pt x="1178554" y="39412"/>
+                      <a:pt x="1189374" y="44997"/>
+                      <a:pt x="1194994" y="56167"/>
+                    </a:cubicBezTo>
+                    <a:cubicBezTo>
+                      <a:pt x="1198085" y="62279"/>
+                      <a:pt x="1199630" y="71025"/>
+                      <a:pt x="1199630" y="82406"/>
+                    </a:cubicBezTo>
+                    <a:lnTo>
+                      <a:pt x="1199630" y="154801"/>
+                    </a:lnTo>
+                    <a:lnTo>
+                      <a:pt x="1180345" y="154801"/>
+                    </a:lnTo>
+                    <a:lnTo>
+                      <a:pt x="1180345" y="83671"/>
+                    </a:lnTo>
+                    <a:cubicBezTo>
+                      <a:pt x="1180345" y="76786"/>
+                      <a:pt x="1179327" y="71236"/>
+                      <a:pt x="1177290" y="67021"/>
+                    </a:cubicBezTo>
+                    <a:cubicBezTo>
+                      <a:pt x="1173917" y="59996"/>
+                      <a:pt x="1167806" y="56483"/>
+                      <a:pt x="1158953" y="56483"/>
+                    </a:cubicBezTo>
+                    <a:cubicBezTo>
+                      <a:pt x="1154457" y="56483"/>
+                      <a:pt x="1150770" y="56940"/>
+                      <a:pt x="1147889" y="57853"/>
+                    </a:cubicBezTo>
+                    <a:cubicBezTo>
+                      <a:pt x="1142691" y="59398"/>
+                      <a:pt x="1138124" y="62490"/>
+                      <a:pt x="1134190" y="67126"/>
+                    </a:cubicBezTo>
+                    <a:cubicBezTo>
+                      <a:pt x="1131029" y="70850"/>
+                      <a:pt x="1128974" y="74696"/>
+                      <a:pt x="1128024" y="78665"/>
+                    </a:cubicBezTo>
+                    <a:cubicBezTo>
+                      <a:pt x="1127077" y="82635"/>
+                      <a:pt x="1126603" y="88307"/>
+                      <a:pt x="1126603" y="95684"/>
+                    </a:cubicBezTo>
+                    <a:lnTo>
+                      <a:pt x="1126603" y="154801"/>
+                    </a:lnTo>
+                    <a:lnTo>
+                      <a:pt x="1107634" y="154801"/>
+                    </a:lnTo>
+                    <a:lnTo>
+                      <a:pt x="1107634" y="41941"/>
+                    </a:lnTo>
+                    <a:close/>
+                    <a:moveTo>
+                      <a:pt x="1231410" y="10432"/>
+                    </a:moveTo>
+                    <a:lnTo>
+                      <a:pt x="1250589" y="10432"/>
+                    </a:lnTo>
+                    <a:lnTo>
+                      <a:pt x="1250589" y="41941"/>
+                    </a:lnTo>
+                    <a:lnTo>
+                      <a:pt x="1268609" y="41941"/>
+                    </a:lnTo>
+                    <a:lnTo>
+                      <a:pt x="1268609" y="57431"/>
+                    </a:lnTo>
+                    <a:lnTo>
+                      <a:pt x="1250589" y="57431"/>
+                    </a:lnTo>
+                    <a:lnTo>
+                      <a:pt x="1250589" y="131091"/>
+                    </a:lnTo>
+                    <a:cubicBezTo>
+                      <a:pt x="1250589" y="135025"/>
+                      <a:pt x="1251923" y="137660"/>
+                      <a:pt x="1254594" y="138995"/>
+                    </a:cubicBezTo>
+                    <a:cubicBezTo>
+                      <a:pt x="1256069" y="139767"/>
+                      <a:pt x="1258528" y="140154"/>
+                      <a:pt x="1261970" y="140154"/>
+                    </a:cubicBezTo>
+                    <a:cubicBezTo>
+                      <a:pt x="1262883" y="140154"/>
+                      <a:pt x="1263867" y="140136"/>
+                      <a:pt x="1264920" y="140101"/>
+                    </a:cubicBezTo>
+                    <a:cubicBezTo>
+                      <a:pt x="1265974" y="140066"/>
+                      <a:pt x="1267204" y="139978"/>
+                      <a:pt x="1268609" y="139838"/>
+                    </a:cubicBezTo>
+                    <a:lnTo>
+                      <a:pt x="1268609" y="154801"/>
+                    </a:lnTo>
+                    <a:cubicBezTo>
+                      <a:pt x="1266431" y="155434"/>
+                      <a:pt x="1264165" y="155890"/>
+                      <a:pt x="1261812" y="156171"/>
+                    </a:cubicBezTo>
+                    <a:cubicBezTo>
+                      <a:pt x="1259458" y="156452"/>
+                      <a:pt x="1256911" y="156593"/>
+                      <a:pt x="1254172" y="156593"/>
+                    </a:cubicBezTo>
+                    <a:cubicBezTo>
+                      <a:pt x="1245320" y="156593"/>
+                      <a:pt x="1239314" y="154327"/>
+                      <a:pt x="1236153" y="149796"/>
+                    </a:cubicBezTo>
+                    <a:cubicBezTo>
+                      <a:pt x="1232990" y="145265"/>
+                      <a:pt x="1231410" y="139381"/>
+                      <a:pt x="1231410" y="132145"/>
+                    </a:cubicBezTo>
+                    <a:lnTo>
+                      <a:pt x="1231410" y="57431"/>
+                    </a:lnTo>
+                    <a:lnTo>
+                      <a:pt x="1216130" y="57431"/>
+                    </a:lnTo>
+                    <a:lnTo>
+                      <a:pt x="1216130" y="41941"/>
+                    </a:lnTo>
+                    <a:lnTo>
+                      <a:pt x="1231410" y="41941"/>
+                    </a:lnTo>
+                    <a:lnTo>
+                      <a:pt x="1231410" y="10432"/>
+                    </a:lnTo>
+                    <a:close/>
+                    <a:moveTo>
+                      <a:pt x="1298829" y="119394"/>
+                    </a:moveTo>
+                    <a:cubicBezTo>
+                      <a:pt x="1299391" y="125717"/>
+                      <a:pt x="1300972" y="130564"/>
+                      <a:pt x="1303571" y="133936"/>
+                    </a:cubicBezTo>
+                    <a:cubicBezTo>
+                      <a:pt x="1308347" y="140048"/>
+                      <a:pt x="1316638" y="143104"/>
+                      <a:pt x="1328440" y="143104"/>
+                    </a:cubicBezTo>
+                    <a:cubicBezTo>
+                      <a:pt x="1335465" y="143104"/>
+                      <a:pt x="1341647" y="141576"/>
+                      <a:pt x="1346987" y="138520"/>
+                    </a:cubicBezTo>
+                    <a:cubicBezTo>
+                      <a:pt x="1352327" y="135465"/>
+                      <a:pt x="1354996" y="130740"/>
+                      <a:pt x="1354996" y="124347"/>
+                    </a:cubicBezTo>
+                    <a:cubicBezTo>
+                      <a:pt x="1354996" y="119499"/>
+                      <a:pt x="1352853" y="115811"/>
+                      <a:pt x="1348568" y="113282"/>
+                    </a:cubicBezTo>
+                    <a:cubicBezTo>
+                      <a:pt x="1345828" y="111737"/>
+                      <a:pt x="1340418" y="109945"/>
+                      <a:pt x="1332339" y="107908"/>
+                    </a:cubicBezTo>
+                    <a:lnTo>
+                      <a:pt x="1317270" y="104114"/>
+                    </a:lnTo>
+                    <a:cubicBezTo>
+                      <a:pt x="1307645" y="101726"/>
+                      <a:pt x="1300550" y="99056"/>
+                      <a:pt x="1295984" y="96106"/>
+                    </a:cubicBezTo>
+                    <a:cubicBezTo>
+                      <a:pt x="1287835" y="90977"/>
+                      <a:pt x="1283760" y="83881"/>
+                      <a:pt x="1283760" y="74819"/>
+                    </a:cubicBezTo>
+                    <a:cubicBezTo>
+                      <a:pt x="1283760" y="64141"/>
+                      <a:pt x="1287607" y="55500"/>
+                      <a:pt x="1295298" y="48896"/>
+                    </a:cubicBezTo>
+                    <a:cubicBezTo>
+                      <a:pt x="1302991" y="42292"/>
+                      <a:pt x="1313336" y="38990"/>
+                      <a:pt x="1326333" y="38990"/>
+                    </a:cubicBezTo>
+                    <a:cubicBezTo>
+                      <a:pt x="1343334" y="38990"/>
+                      <a:pt x="1355594" y="43978"/>
+                      <a:pt x="1363109" y="53954"/>
+                    </a:cubicBezTo>
+                    <a:cubicBezTo>
+                      <a:pt x="1367817" y="60277"/>
+                      <a:pt x="1370100" y="67091"/>
+                      <a:pt x="1369959" y="74397"/>
+                    </a:cubicBezTo>
+                    <a:lnTo>
+                      <a:pt x="1352045" y="74397"/>
+                    </a:lnTo>
+                    <a:cubicBezTo>
+                      <a:pt x="1351693" y="70112"/>
+                      <a:pt x="1350184" y="66213"/>
+                      <a:pt x="1347515" y="62700"/>
+                    </a:cubicBezTo>
+                    <a:cubicBezTo>
+                      <a:pt x="1343158" y="57712"/>
+                      <a:pt x="1335605" y="55219"/>
+                      <a:pt x="1324857" y="55219"/>
+                    </a:cubicBezTo>
+                    <a:cubicBezTo>
+                      <a:pt x="1317692" y="55219"/>
+                      <a:pt x="1312264" y="56588"/>
+                      <a:pt x="1308577" y="59328"/>
+                    </a:cubicBezTo>
+                    <a:cubicBezTo>
+                      <a:pt x="1304888" y="62068"/>
+                      <a:pt x="1303043" y="65686"/>
+                      <a:pt x="1303043" y="70182"/>
+                    </a:cubicBezTo>
+                    <a:cubicBezTo>
+                      <a:pt x="1303043" y="75100"/>
+                      <a:pt x="1305468" y="79034"/>
+                      <a:pt x="1310315" y="81985"/>
+                    </a:cubicBezTo>
+                    <a:cubicBezTo>
+                      <a:pt x="1313125" y="83741"/>
+                      <a:pt x="1317270" y="85287"/>
+                      <a:pt x="1322750" y="86621"/>
+                    </a:cubicBezTo>
+                    <a:lnTo>
+                      <a:pt x="1335289" y="89677"/>
+                    </a:lnTo>
+                    <a:cubicBezTo>
+                      <a:pt x="1348918" y="92979"/>
+                      <a:pt x="1358051" y="96176"/>
+                      <a:pt x="1362689" y="99267"/>
+                    </a:cubicBezTo>
+                    <a:cubicBezTo>
+                      <a:pt x="1370065" y="104114"/>
+                      <a:pt x="1373753" y="111737"/>
+                      <a:pt x="1373753" y="122134"/>
+                    </a:cubicBezTo>
+                    <a:cubicBezTo>
+                      <a:pt x="1373753" y="132180"/>
+                      <a:pt x="1369942" y="140856"/>
+                      <a:pt x="1362319" y="148163"/>
+                    </a:cubicBezTo>
+                    <a:cubicBezTo>
+                      <a:pt x="1354698" y="155469"/>
+                      <a:pt x="1343088" y="159122"/>
+                      <a:pt x="1327492" y="159122"/>
+                    </a:cubicBezTo>
+                    <a:cubicBezTo>
+                      <a:pt x="1310702" y="159122"/>
+                      <a:pt x="1298811" y="155311"/>
+                      <a:pt x="1291821" y="147688"/>
+                    </a:cubicBezTo>
+                    <a:cubicBezTo>
+                      <a:pt x="1284832" y="140066"/>
+                      <a:pt x="1281089" y="130635"/>
+                      <a:pt x="1280598" y="119394"/>
+                    </a:cubicBezTo>
+                    <a:lnTo>
+                      <a:pt x="1298829" y="119394"/>
+                    </a:lnTo>
+                    <a:close/>
+                  </a:path>
+                  <a:path w="1373753" h="159122" fill="none">
+                    <a:moveTo>
+                      <a:pt x="23183" y="0"/>
+                    </a:moveTo>
+                    <a:lnTo>
+                      <a:pt x="67653" y="131829"/>
+                    </a:lnTo>
+                    <a:lnTo>
+                      <a:pt x="111596" y="0"/>
+                    </a:lnTo>
+                    <a:lnTo>
+                      <a:pt x="135096" y="0"/>
+                    </a:lnTo>
+                    <a:lnTo>
+                      <a:pt x="78613" y="154801"/>
+                    </a:lnTo>
+                    <a:lnTo>
+                      <a:pt x="56378" y="154801"/>
+                    </a:lnTo>
+                    <a:lnTo>
+                      <a:pt x="0" y="0"/>
+                    </a:lnTo>
+                    <a:lnTo>
+                      <a:pt x="23183" y="0"/>
+                    </a:lnTo>
+                    <a:close/>
+                    <a:moveTo>
+                      <a:pt x="148537" y="42468"/>
+                    </a:moveTo>
+                    <a:lnTo>
+                      <a:pt x="167820" y="42468"/>
+                    </a:lnTo>
+                    <a:lnTo>
+                      <a:pt x="167820" y="154801"/>
+                    </a:lnTo>
+                    <a:lnTo>
+                      <a:pt x="148537" y="154801"/>
+                    </a:lnTo>
+                    <a:lnTo>
+                      <a:pt x="148537" y="42468"/>
+                    </a:lnTo>
+                    <a:close/>
+                    <a:moveTo>
+                      <a:pt x="148537" y="0"/>
+                    </a:moveTo>
+                    <a:lnTo>
+                      <a:pt x="167820" y="0"/>
+                    </a:lnTo>
+                    <a:lnTo>
+                      <a:pt x="167820" y="21497"/>
+                    </a:lnTo>
+                    <a:lnTo>
+                      <a:pt x="148537" y="21497"/>
+                    </a:lnTo>
+                    <a:lnTo>
+                      <a:pt x="148537" y="0"/>
+                    </a:lnTo>
+                    <a:close/>
+                    <a:moveTo>
+                      <a:pt x="196926" y="41941"/>
+                    </a:moveTo>
+                    <a:lnTo>
+                      <a:pt x="214946" y="41941"/>
+                    </a:lnTo>
+                    <a:lnTo>
+                      <a:pt x="214946" y="61436"/>
+                    </a:lnTo>
+                    <a:cubicBezTo>
+                      <a:pt x="216421" y="57642"/>
+                      <a:pt x="220040" y="53023"/>
+                      <a:pt x="225800" y="47579"/>
+                    </a:cubicBezTo>
+                    <a:cubicBezTo>
+                      <a:pt x="231560" y="42134"/>
+                      <a:pt x="238199" y="39412"/>
+                      <a:pt x="245716" y="39412"/>
+                    </a:cubicBezTo>
+                    <a:cubicBezTo>
+                      <a:pt x="246068" y="39412"/>
+                      <a:pt x="246664" y="39447"/>
+                      <a:pt x="247508" y="39517"/>
+                    </a:cubicBezTo>
+                    <a:cubicBezTo>
+                      <a:pt x="248351" y="39587"/>
+                      <a:pt x="249791" y="39728"/>
+                      <a:pt x="251828" y="39938"/>
+                    </a:cubicBezTo>
+                    <a:lnTo>
+                      <a:pt x="251828" y="59960"/>
+                    </a:lnTo>
+                    <a:cubicBezTo>
+                      <a:pt x="250704" y="59750"/>
+                      <a:pt x="249669" y="59609"/>
+                      <a:pt x="248719" y="59539"/>
+                    </a:cubicBezTo>
+                    <a:cubicBezTo>
+                      <a:pt x="247772" y="59469"/>
+                      <a:pt x="246736" y="59434"/>
+                      <a:pt x="245611" y="59434"/>
+                    </a:cubicBezTo>
+                    <a:cubicBezTo>
+                      <a:pt x="236056" y="59434"/>
+                      <a:pt x="228715" y="62507"/>
+                      <a:pt x="223587" y="68654"/>
+                    </a:cubicBezTo>
+                    <a:cubicBezTo>
+                      <a:pt x="218458" y="74801"/>
+                      <a:pt x="215894" y="81879"/>
+                      <a:pt x="215894" y="89888"/>
+                    </a:cubicBezTo>
+                    <a:lnTo>
+                      <a:pt x="215894" y="154801"/>
+                    </a:lnTo>
+                    <a:lnTo>
+                      <a:pt x="196926" y="154801"/>
+                    </a:lnTo>
+                    <a:lnTo>
+                      <a:pt x="196926" y="41941"/>
+                    </a:lnTo>
+                    <a:close/>
+                    <a:moveTo>
+                      <a:pt x="271987" y="10432"/>
+                    </a:moveTo>
+                    <a:lnTo>
+                      <a:pt x="291166" y="10432"/>
+                    </a:lnTo>
+                    <a:lnTo>
+                      <a:pt x="291166" y="41941"/>
+                    </a:lnTo>
+                    <a:lnTo>
+                      <a:pt x="309185" y="41941"/>
+                    </a:lnTo>
+                    <a:lnTo>
+                      <a:pt x="309185" y="57431"/>
+                    </a:lnTo>
+                    <a:lnTo>
+                      <a:pt x="291166" y="57431"/>
+                    </a:lnTo>
+                    <a:lnTo>
+                      <a:pt x="291166" y="131091"/>
+                    </a:lnTo>
+                    <a:cubicBezTo>
+                      <a:pt x="291166" y="135025"/>
+                      <a:pt x="292500" y="137660"/>
+                      <a:pt x="295170" y="138995"/>
+                    </a:cubicBezTo>
+                    <a:cubicBezTo>
+                      <a:pt x="296646" y="139767"/>
+                      <a:pt x="299103" y="140154"/>
+                      <a:pt x="302546" y="140154"/>
+                    </a:cubicBezTo>
+                    <a:cubicBezTo>
+                      <a:pt x="303459" y="140154"/>
+                      <a:pt x="304443" y="140136"/>
+                      <a:pt x="305497" y="140101"/>
+                    </a:cubicBezTo>
+                    <a:cubicBezTo>
+                      <a:pt x="306550" y="140066"/>
+                      <a:pt x="307780" y="139978"/>
+                      <a:pt x="309185" y="139838"/>
+                    </a:cubicBezTo>
+                    <a:lnTo>
+                      <a:pt x="309185" y="154801"/>
+                    </a:lnTo>
+                    <a:cubicBezTo>
+                      <a:pt x="307008" y="155434"/>
+                      <a:pt x="304741" y="155890"/>
+                      <a:pt x="302388" y="156171"/>
+                    </a:cubicBezTo>
+                    <a:cubicBezTo>
+                      <a:pt x="300035" y="156452"/>
+                      <a:pt x="297488" y="156593"/>
+                      <a:pt x="294748" y="156593"/>
+                    </a:cubicBezTo>
+                    <a:cubicBezTo>
+                      <a:pt x="285896" y="156593"/>
+                      <a:pt x="279890" y="154327"/>
+                      <a:pt x="276729" y="149796"/>
+                    </a:cubicBezTo>
+                    <a:cubicBezTo>
+                      <a:pt x="273566" y="145265"/>
+                      <a:pt x="271987" y="139381"/>
+                      <a:pt x="271987" y="132145"/>
+                    </a:cubicBezTo>
+                    <a:lnTo>
+                      <a:pt x="271987" y="57431"/>
+                    </a:lnTo>
+                    <a:lnTo>
+                      <a:pt x="256706" y="57431"/>
+                    </a:lnTo>
+                    <a:lnTo>
+                      <a:pt x="256706" y="41941"/>
+                    </a:lnTo>
+                    <a:lnTo>
+                      <a:pt x="271987" y="41941"/>
+                    </a:lnTo>
+                    <a:lnTo>
+                      <a:pt x="271987" y="10432"/>
+                    </a:lnTo>
+                    <a:close/>
+                    <a:moveTo>
+                      <a:pt x="347098" y="41941"/>
+                    </a:moveTo>
+                    <a:lnTo>
+                      <a:pt x="347098" y="116865"/>
+                    </a:lnTo>
+                    <a:cubicBezTo>
+                      <a:pt x="347098" y="122626"/>
+                      <a:pt x="348012" y="127333"/>
+                      <a:pt x="349837" y="130986"/>
+                    </a:cubicBezTo>
+                    <a:cubicBezTo>
+                      <a:pt x="353210" y="137730"/>
+                      <a:pt x="359497" y="141102"/>
+                      <a:pt x="368700" y="141102"/>
+                    </a:cubicBezTo>
+                    <a:cubicBezTo>
+                      <a:pt x="381908" y="141102"/>
+                      <a:pt x="390900" y="135201"/>
+                      <a:pt x="395678" y="123399"/>
+                    </a:cubicBezTo>
+                    <a:cubicBezTo>
+                      <a:pt x="398277" y="117076"/>
+                      <a:pt x="399577" y="108400"/>
+                      <a:pt x="399577" y="97370"/>
+                    </a:cubicBezTo>
+                    <a:lnTo>
+                      <a:pt x="399577" y="41941"/>
+                    </a:lnTo>
+                    <a:lnTo>
+                      <a:pt x="418544" y="41941"/>
+                    </a:lnTo>
+                    <a:lnTo>
+                      <a:pt x="418544" y="154801"/>
+                    </a:lnTo>
+                    <a:lnTo>
+                      <a:pt x="400630" y="154801"/>
+                    </a:lnTo>
+                    <a:lnTo>
+                      <a:pt x="400841" y="138152"/>
+                    </a:lnTo>
+                    <a:cubicBezTo>
+                      <a:pt x="398382" y="142437"/>
+                      <a:pt x="395326" y="146055"/>
+                      <a:pt x="391674" y="149006"/>
+                    </a:cubicBezTo>
+                    <a:cubicBezTo>
+                      <a:pt x="384437" y="154907"/>
+                      <a:pt x="375656" y="157857"/>
+                      <a:pt x="365328" y="157857"/>
+                    </a:cubicBezTo>
+                    <a:cubicBezTo>
+                      <a:pt x="349241" y="157857"/>
+                      <a:pt x="338281" y="152483"/>
+                      <a:pt x="332450" y="141734"/>
+                    </a:cubicBezTo>
+                    <a:cubicBezTo>
+                      <a:pt x="329289" y="135974"/>
+                      <a:pt x="327707" y="128281"/>
+                      <a:pt x="327707" y="118656"/>
+                    </a:cubicBezTo>
+                    <a:lnTo>
+                      <a:pt x="327707" y="41941"/>
+                    </a:lnTo>
+                    <a:lnTo>
+                      <a:pt x="347098" y="41941"/>
+                    </a:lnTo>
+                    <a:close/>
+                    <a:moveTo>
+                      <a:pt x="462654" y="124768"/>
+                    </a:moveTo>
+                    <a:cubicBezTo>
+                      <a:pt x="462654" y="130248"/>
+                      <a:pt x="464657" y="134569"/>
+                      <a:pt x="468661" y="137730"/>
+                    </a:cubicBezTo>
+                    <a:cubicBezTo>
+                      <a:pt x="472665" y="140891"/>
+                      <a:pt x="477407" y="142472"/>
+                      <a:pt x="482887" y="142472"/>
+                    </a:cubicBezTo>
+                    <a:cubicBezTo>
+                      <a:pt x="489560" y="142472"/>
+                      <a:pt x="496024" y="140927"/>
+                      <a:pt x="502277" y="137835"/>
+                    </a:cubicBezTo>
+                    <a:cubicBezTo>
+                      <a:pt x="512814" y="132707"/>
+                      <a:pt x="518084" y="124312"/>
+                      <a:pt x="518084" y="112650"/>
+                    </a:cubicBezTo>
+                    <a:lnTo>
+                      <a:pt x="518084" y="97370"/>
+                    </a:lnTo>
+                    <a:cubicBezTo>
+                      <a:pt x="515765" y="98845"/>
+                      <a:pt x="512779" y="100075"/>
+                      <a:pt x="509127" y="101058"/>
+                    </a:cubicBezTo>
+                    <a:cubicBezTo>
+                      <a:pt x="505472" y="102042"/>
+                      <a:pt x="501890" y="102744"/>
+                      <a:pt x="498377" y="103166"/>
+                    </a:cubicBezTo>
+                    <a:lnTo>
+                      <a:pt x="486891" y="104641"/>
+                    </a:lnTo>
+                    <a:cubicBezTo>
+                      <a:pt x="480006" y="105554"/>
+                      <a:pt x="474843" y="106995"/>
+                      <a:pt x="471401" y="108962"/>
+                    </a:cubicBezTo>
+                    <a:cubicBezTo>
+                      <a:pt x="465569" y="112264"/>
+                      <a:pt x="462654" y="117532"/>
+                      <a:pt x="462654" y="124768"/>
+                    </a:cubicBezTo>
+                    <a:close/>
+                    <a:moveTo>
+                      <a:pt x="508599" y="86411"/>
+                    </a:moveTo>
+                    <a:cubicBezTo>
+                      <a:pt x="512955" y="85849"/>
+                      <a:pt x="515870" y="84022"/>
+                      <a:pt x="517346" y="80931"/>
+                    </a:cubicBezTo>
+                    <a:cubicBezTo>
+                      <a:pt x="518189" y="79245"/>
+                      <a:pt x="518610" y="76821"/>
+                      <a:pt x="518610" y="73660"/>
+                    </a:cubicBezTo>
+                    <a:cubicBezTo>
+                      <a:pt x="518610" y="67197"/>
+                      <a:pt x="516310" y="62507"/>
+                      <a:pt x="511708" y="59592"/>
+                    </a:cubicBezTo>
+                    <a:cubicBezTo>
+                      <a:pt x="507106" y="56676"/>
+                      <a:pt x="500520" y="55219"/>
+                      <a:pt x="491949" y="55219"/>
+                    </a:cubicBezTo>
+                    <a:cubicBezTo>
+                      <a:pt x="482045" y="55219"/>
+                      <a:pt x="475019" y="57888"/>
+                      <a:pt x="470873" y="63227"/>
+                    </a:cubicBezTo>
+                    <a:cubicBezTo>
+                      <a:pt x="468556" y="66178"/>
+                      <a:pt x="467044" y="70569"/>
+                      <a:pt x="466343" y="76400"/>
+                    </a:cubicBezTo>
+                    <a:lnTo>
+                      <a:pt x="448639" y="76400"/>
+                    </a:lnTo>
+                    <a:cubicBezTo>
+                      <a:pt x="448991" y="62490"/>
+                      <a:pt x="453503" y="52812"/>
+                      <a:pt x="462180" y="47368"/>
+                    </a:cubicBezTo>
+                    <a:cubicBezTo>
+                      <a:pt x="470857" y="41923"/>
+                      <a:pt x="480919" y="39201"/>
+                      <a:pt x="492371" y="39201"/>
+                    </a:cubicBezTo>
+                    <a:cubicBezTo>
+                      <a:pt x="505648" y="39201"/>
+                      <a:pt x="516432" y="41730"/>
+                      <a:pt x="524723" y="46788"/>
+                    </a:cubicBezTo>
+                    <a:cubicBezTo>
+                      <a:pt x="532942" y="51846"/>
+                      <a:pt x="537051" y="59715"/>
+                      <a:pt x="537051" y="70393"/>
+                    </a:cubicBezTo>
+                    <a:lnTo>
+                      <a:pt x="537051" y="135412"/>
+                    </a:lnTo>
+                    <a:cubicBezTo>
+                      <a:pt x="537051" y="137379"/>
+                      <a:pt x="537456" y="138959"/>
+                      <a:pt x="538264" y="140154"/>
+                    </a:cubicBezTo>
+                    <a:cubicBezTo>
+                      <a:pt x="539072" y="141348"/>
+                      <a:pt x="540775" y="141945"/>
+                      <a:pt x="543374" y="141945"/>
+                    </a:cubicBezTo>
+                    <a:cubicBezTo>
+                      <a:pt x="544218" y="141945"/>
+                      <a:pt x="545166" y="141893"/>
+                      <a:pt x="546219" y="141787"/>
+                    </a:cubicBezTo>
+                    <a:cubicBezTo>
+                      <a:pt x="547273" y="141682"/>
+                      <a:pt x="548397" y="141524"/>
+                      <a:pt x="549592" y="141313"/>
+                    </a:cubicBezTo>
+                    <a:lnTo>
+                      <a:pt x="549592" y="155328"/>
+                    </a:lnTo>
+                    <a:cubicBezTo>
+                      <a:pt x="546641" y="156171"/>
+                      <a:pt x="544394" y="156698"/>
+                      <a:pt x="542847" y="156909"/>
+                    </a:cubicBezTo>
+                    <a:cubicBezTo>
+                      <a:pt x="541301" y="157120"/>
+                      <a:pt x="539194" y="157225"/>
+                      <a:pt x="536525" y="157225"/>
+                    </a:cubicBezTo>
+                    <a:cubicBezTo>
+                      <a:pt x="529991" y="157225"/>
+                      <a:pt x="525249" y="154907"/>
+                      <a:pt x="522298" y="150270"/>
+                    </a:cubicBezTo>
+                    <a:cubicBezTo>
+                      <a:pt x="520753" y="147811"/>
+                      <a:pt x="519665" y="144334"/>
+                      <a:pt x="519031" y="139838"/>
+                    </a:cubicBezTo>
+                    <a:cubicBezTo>
+                      <a:pt x="515168" y="144896"/>
+                      <a:pt x="509618" y="149287"/>
+                      <a:pt x="502382" y="153010"/>
+                    </a:cubicBezTo>
+                    <a:cubicBezTo>
+                      <a:pt x="495146" y="156733"/>
+                      <a:pt x="487173" y="158595"/>
+                      <a:pt x="478460" y="158595"/>
+                    </a:cubicBezTo>
+                    <a:cubicBezTo>
+                      <a:pt x="467994" y="158595"/>
+                      <a:pt x="459439" y="155416"/>
+                      <a:pt x="452801" y="149058"/>
+                    </a:cubicBezTo>
+                    <a:cubicBezTo>
+                      <a:pt x="446162" y="142700"/>
+                      <a:pt x="442843" y="134744"/>
+                      <a:pt x="442843" y="125190"/>
+                    </a:cubicBezTo>
+                    <a:cubicBezTo>
+                      <a:pt x="442843" y="114722"/>
+                      <a:pt x="446110" y="106608"/>
+                      <a:pt x="452643" y="100848"/>
+                    </a:cubicBezTo>
+                    <a:cubicBezTo>
+                      <a:pt x="459177" y="95087"/>
+                      <a:pt x="467748" y="91539"/>
+                      <a:pt x="478356" y="90204"/>
+                    </a:cubicBezTo>
+                    <a:lnTo>
+                      <a:pt x="508599" y="86411"/>
+                    </a:lnTo>
+                    <a:close/>
+                    <a:moveTo>
+                      <a:pt x="568621" y="0"/>
+                    </a:moveTo>
+                    <a:lnTo>
+                      <a:pt x="587590" y="0"/>
+                    </a:lnTo>
+                    <a:lnTo>
+                      <a:pt x="587590" y="154801"/>
+                    </a:lnTo>
+                    <a:lnTo>
+                      <a:pt x="568621" y="154801"/>
+                    </a:lnTo>
+                    <a:lnTo>
+                      <a:pt x="568621" y="0"/>
+                    </a:lnTo>
+                    <a:close/>
+                    <a:moveTo>
+                      <a:pt x="620487" y="0"/>
+                    </a:moveTo>
+                    <a:lnTo>
+                      <a:pt x="690143" y="0"/>
+                    </a:lnTo>
+                    <a:cubicBezTo>
+                      <a:pt x="703913" y="0"/>
+                      <a:pt x="715012" y="3881"/>
+                      <a:pt x="723443" y="11644"/>
+                    </a:cubicBezTo>
+                    <a:cubicBezTo>
+                      <a:pt x="731874" y="19407"/>
+                      <a:pt x="736089" y="30314"/>
+                      <a:pt x="736089" y="44364"/>
+                    </a:cubicBezTo>
+                    <a:cubicBezTo>
+                      <a:pt x="736089" y="56448"/>
+                      <a:pt x="732330" y="66968"/>
+                      <a:pt x="724813" y="75925"/>
+                    </a:cubicBezTo>
+                    <a:cubicBezTo>
+                      <a:pt x="717296" y="84883"/>
+                      <a:pt x="705740" y="89361"/>
+                      <a:pt x="690143" y="89361"/>
+                    </a:cubicBezTo>
+                    <a:lnTo>
+                      <a:pt x="641459" y="89361"/>
+                    </a:lnTo>
+                    <a:lnTo>
+                      <a:pt x="641459" y="154801"/>
+                    </a:lnTo>
+                    <a:lnTo>
+                      <a:pt x="620487" y="154801"/>
+                    </a:lnTo>
+                    <a:lnTo>
+                      <a:pt x="620487" y="0"/>
+                    </a:lnTo>
+                    <a:close/>
+                    <a:moveTo>
+                      <a:pt x="714908" y="44470"/>
+                    </a:moveTo>
+                    <a:cubicBezTo>
+                      <a:pt x="714908" y="33089"/>
+                      <a:pt x="710692" y="25361"/>
+                      <a:pt x="702261" y="21287"/>
+                    </a:cubicBezTo>
+                    <a:cubicBezTo>
+                      <a:pt x="697625" y="19109"/>
+                      <a:pt x="691267" y="18020"/>
+                      <a:pt x="683188" y="18020"/>
+                    </a:cubicBezTo>
+                    <a:lnTo>
+                      <a:pt x="641459" y="18020"/>
+                    </a:lnTo>
+                    <a:lnTo>
+                      <a:pt x="641459" y="71658"/>
+                    </a:lnTo>
+                    <a:lnTo>
+                      <a:pt x="683188" y="71658"/>
+                    </a:lnTo>
+                    <a:cubicBezTo>
+                      <a:pt x="692602" y="71658"/>
+                      <a:pt x="700242" y="69655"/>
+                      <a:pt x="706108" y="65651"/>
+                    </a:cubicBezTo>
+                    <a:cubicBezTo>
+                      <a:pt x="711974" y="61647"/>
+                      <a:pt x="714908" y="54586"/>
+                      <a:pt x="714908" y="44470"/>
+                    </a:cubicBezTo>
+                    <a:close/>
+                    <a:moveTo>
+                      <a:pt x="774412" y="124768"/>
+                    </a:moveTo>
+                    <a:cubicBezTo>
+                      <a:pt x="774412" y="130248"/>
+                      <a:pt x="776415" y="134569"/>
+                      <a:pt x="780420" y="137730"/>
+                    </a:cubicBezTo>
+                    <a:cubicBezTo>
+                      <a:pt x="784424" y="140891"/>
+                      <a:pt x="789165" y="142472"/>
+                      <a:pt x="794645" y="142472"/>
+                    </a:cubicBezTo>
+                    <a:cubicBezTo>
+                      <a:pt x="801320" y="142472"/>
+                      <a:pt x="807782" y="140927"/>
+                      <a:pt x="814035" y="137835"/>
+                    </a:cubicBezTo>
+                    <a:cubicBezTo>
+                      <a:pt x="824573" y="132707"/>
+                      <a:pt x="829842" y="124312"/>
+                      <a:pt x="829842" y="112650"/>
+                    </a:cubicBezTo>
+                    <a:lnTo>
+                      <a:pt x="829842" y="97370"/>
+                    </a:lnTo>
+                    <a:cubicBezTo>
+                      <a:pt x="827523" y="98845"/>
+                      <a:pt x="824538" y="100075"/>
+                      <a:pt x="820885" y="101058"/>
+                    </a:cubicBezTo>
+                    <a:cubicBezTo>
+                      <a:pt x="817232" y="102042"/>
+                      <a:pt x="813648" y="102744"/>
+                      <a:pt x="810135" y="103166"/>
+                    </a:cubicBezTo>
+                    <a:lnTo>
+                      <a:pt x="798649" y="104641"/>
+                    </a:lnTo>
+                    <a:cubicBezTo>
+                      <a:pt x="791765" y="105554"/>
+                      <a:pt x="786601" y="106995"/>
+                      <a:pt x="783159" y="108962"/>
+                    </a:cubicBezTo>
+                    <a:cubicBezTo>
+                      <a:pt x="777329" y="112264"/>
+                      <a:pt x="774412" y="117532"/>
+                      <a:pt x="774412" y="124768"/>
+                    </a:cubicBezTo>
+                    <a:close/>
+                    <a:moveTo>
+                      <a:pt x="820357" y="86411"/>
+                    </a:moveTo>
+                    <a:cubicBezTo>
+                      <a:pt x="824714" y="85849"/>
+                      <a:pt x="827629" y="84022"/>
+                      <a:pt x="829104" y="80931"/>
+                    </a:cubicBezTo>
+                    <a:cubicBezTo>
+                      <a:pt x="829948" y="79245"/>
+                      <a:pt x="830369" y="76821"/>
+                      <a:pt x="830369" y="73660"/>
+                    </a:cubicBezTo>
+                    <a:cubicBezTo>
+                      <a:pt x="830369" y="67197"/>
+                      <a:pt x="828068" y="62507"/>
+                      <a:pt x="823466" y="59592"/>
+                    </a:cubicBezTo>
+                    <a:cubicBezTo>
+                      <a:pt x="818865" y="56676"/>
+                      <a:pt x="812278" y="55219"/>
+                      <a:pt x="803707" y="55219"/>
+                    </a:cubicBezTo>
+                    <a:cubicBezTo>
+                      <a:pt x="793803" y="55219"/>
+                      <a:pt x="786777" y="57888"/>
+                      <a:pt x="782633" y="63227"/>
+                    </a:cubicBezTo>
+                    <a:cubicBezTo>
+                      <a:pt x="780314" y="66178"/>
+                      <a:pt x="778803" y="70569"/>
+                      <a:pt x="778101" y="76400"/>
+                    </a:cubicBezTo>
+                    <a:lnTo>
+                      <a:pt x="760397" y="76400"/>
+                    </a:lnTo>
+                    <a:cubicBezTo>
+                      <a:pt x="760749" y="62490"/>
+                      <a:pt x="765262" y="52812"/>
+                      <a:pt x="773938" y="47368"/>
+                    </a:cubicBezTo>
+                    <a:cubicBezTo>
+                      <a:pt x="782615" y="41923"/>
+                      <a:pt x="792678" y="39201"/>
+                      <a:pt x="804129" y="39201"/>
+                    </a:cubicBezTo>
+                    <a:cubicBezTo>
+                      <a:pt x="817407" y="39201"/>
+                      <a:pt x="828190" y="41730"/>
+                      <a:pt x="836481" y="46788"/>
+                    </a:cubicBezTo>
+                    <a:cubicBezTo>
+                      <a:pt x="844700" y="51846"/>
+                      <a:pt x="848811" y="59715"/>
+                      <a:pt x="848811" y="70393"/>
+                    </a:cubicBezTo>
+                    <a:lnTo>
+                      <a:pt x="848811" y="135412"/>
+                    </a:lnTo>
+                    <a:cubicBezTo>
+                      <a:pt x="848811" y="137379"/>
+                      <a:pt x="849214" y="138959"/>
+                      <a:pt x="850022" y="140154"/>
+                    </a:cubicBezTo>
+                    <a:cubicBezTo>
+                      <a:pt x="850830" y="141348"/>
+                      <a:pt x="852533" y="141945"/>
+                      <a:pt x="855133" y="141945"/>
+                    </a:cubicBezTo>
+                    <a:cubicBezTo>
+                      <a:pt x="855976" y="141945"/>
+                      <a:pt x="856924" y="141893"/>
+                      <a:pt x="857978" y="141787"/>
+                    </a:cubicBezTo>
+                    <a:cubicBezTo>
+                      <a:pt x="859031" y="141682"/>
+                      <a:pt x="860156" y="141524"/>
+                      <a:pt x="861350" y="141313"/>
+                    </a:cubicBezTo>
+                    <a:lnTo>
+                      <a:pt x="861350" y="155328"/>
+                    </a:lnTo>
+                    <a:cubicBezTo>
+                      <a:pt x="858399" y="156171"/>
+                      <a:pt x="856152" y="156698"/>
+                      <a:pt x="854606" y="156909"/>
+                    </a:cubicBezTo>
+                    <a:cubicBezTo>
+                      <a:pt x="853061" y="157120"/>
+                      <a:pt x="850952" y="157225"/>
+                      <a:pt x="848283" y="157225"/>
+                    </a:cubicBezTo>
+                    <a:cubicBezTo>
+                      <a:pt x="841749" y="157225"/>
+                      <a:pt x="837007" y="154907"/>
+                      <a:pt x="834056" y="150270"/>
+                    </a:cubicBezTo>
+                    <a:cubicBezTo>
+                      <a:pt x="832511" y="147811"/>
+                      <a:pt x="831423" y="144334"/>
+                      <a:pt x="830790" y="139838"/>
+                    </a:cubicBezTo>
+                    <a:cubicBezTo>
+                      <a:pt x="826927" y="144896"/>
+                      <a:pt x="821377" y="149287"/>
+                      <a:pt x="814140" y="153010"/>
+                    </a:cubicBezTo>
+                    <a:cubicBezTo>
+                      <a:pt x="806904" y="156733"/>
+                      <a:pt x="798931" y="158595"/>
+                      <a:pt x="790220" y="158595"/>
+                    </a:cubicBezTo>
+                    <a:cubicBezTo>
+                      <a:pt x="779752" y="158595"/>
+                      <a:pt x="771199" y="155416"/>
+                      <a:pt x="764560" y="149058"/>
+                    </a:cubicBezTo>
+                    <a:cubicBezTo>
+                      <a:pt x="757920" y="142700"/>
+                      <a:pt x="754601" y="134744"/>
+                      <a:pt x="754601" y="125190"/>
+                    </a:cubicBezTo>
+                    <a:cubicBezTo>
+                      <a:pt x="754601" y="114722"/>
+                      <a:pt x="757868" y="106608"/>
+                      <a:pt x="764402" y="100848"/>
+                    </a:cubicBezTo>
+                    <a:cubicBezTo>
+                      <a:pt x="770935" y="95087"/>
+                      <a:pt x="779506" y="91539"/>
+                      <a:pt x="790114" y="90204"/>
+                    </a:cubicBezTo>
+                    <a:lnTo>
+                      <a:pt x="820357" y="86411"/>
+                    </a:lnTo>
+                    <a:close/>
+                    <a:moveTo>
+                      <a:pt x="883646" y="10432"/>
+                    </a:moveTo>
+                    <a:lnTo>
+                      <a:pt x="902825" y="10432"/>
+                    </a:lnTo>
+                    <a:lnTo>
+                      <a:pt x="902825" y="41941"/>
+                    </a:lnTo>
+                    <a:lnTo>
+                      <a:pt x="920845" y="41941"/>
+                    </a:lnTo>
+                    <a:lnTo>
+                      <a:pt x="920845" y="57431"/>
+                    </a:lnTo>
+                    <a:lnTo>
+                      <a:pt x="902825" y="57431"/>
+                    </a:lnTo>
+                    <a:lnTo>
+                      <a:pt x="902825" y="131091"/>
+                    </a:lnTo>
+                    <a:cubicBezTo>
+                      <a:pt x="902825" y="135025"/>
+                      <a:pt x="904160" y="137660"/>
+                      <a:pt x="906830" y="138995"/>
+                    </a:cubicBezTo>
+                    <a:cubicBezTo>
+                      <a:pt x="908305" y="139767"/>
+                      <a:pt x="910764" y="140154"/>
+                      <a:pt x="914207" y="140154"/>
+                    </a:cubicBezTo>
+                    <a:cubicBezTo>
+                      <a:pt x="915119" y="140154"/>
+                      <a:pt x="916102" y="140136"/>
+                      <a:pt x="917156" y="140101"/>
+                    </a:cubicBezTo>
+                    <a:cubicBezTo>
+                      <a:pt x="918211" y="140066"/>
+                      <a:pt x="919439" y="139978"/>
+                      <a:pt x="920845" y="139838"/>
+                    </a:cubicBezTo>
+                    <a:lnTo>
+                      <a:pt x="920845" y="154801"/>
+                    </a:lnTo>
+                    <a:cubicBezTo>
+                      <a:pt x="918667" y="155434"/>
+                      <a:pt x="916402" y="155890"/>
+                      <a:pt x="914049" y="156171"/>
+                    </a:cubicBezTo>
+                    <a:cubicBezTo>
+                      <a:pt x="911694" y="156452"/>
+                      <a:pt x="909148" y="156593"/>
+                      <a:pt x="906408" y="156593"/>
+                    </a:cubicBezTo>
+                    <a:cubicBezTo>
+                      <a:pt x="897557" y="156593"/>
+                      <a:pt x="891549" y="154327"/>
+                      <a:pt x="888388" y="149796"/>
+                    </a:cubicBezTo>
+                    <a:cubicBezTo>
+                      <a:pt x="885227" y="145265"/>
+                      <a:pt x="883646" y="139381"/>
+                      <a:pt x="883646" y="132145"/>
+                    </a:cubicBezTo>
+                    <a:lnTo>
+                      <a:pt x="883646" y="57431"/>
+                    </a:lnTo>
+                    <a:lnTo>
+                      <a:pt x="868366" y="57431"/>
+                    </a:lnTo>
+                    <a:lnTo>
+                      <a:pt x="868366" y="41941"/>
+                    </a:lnTo>
+                    <a:lnTo>
+                      <a:pt x="883646" y="41941"/>
+                    </a:lnTo>
+                    <a:lnTo>
+                      <a:pt x="883646" y="10432"/>
+                    </a:lnTo>
+                    <a:close/>
+                    <a:moveTo>
+                      <a:pt x="939789" y="42468"/>
+                    </a:moveTo>
+                    <a:lnTo>
+                      <a:pt x="959073" y="42468"/>
+                    </a:lnTo>
+                    <a:lnTo>
+                      <a:pt x="959073" y="154801"/>
+                    </a:lnTo>
+                    <a:lnTo>
+                      <a:pt x="939789" y="154801"/>
+                    </a:lnTo>
+                    <a:lnTo>
+                      <a:pt x="939789" y="42468"/>
+                    </a:lnTo>
+                    <a:close/>
+                    <a:moveTo>
+                      <a:pt x="939789" y="0"/>
+                    </a:moveTo>
+                    <a:lnTo>
+                      <a:pt x="959073" y="0"/>
+                    </a:lnTo>
+                    <a:lnTo>
+                      <a:pt x="959073" y="21497"/>
+                    </a:lnTo>
+                    <a:lnTo>
+                      <a:pt x="939789" y="21497"/>
+                    </a:lnTo>
+                    <a:lnTo>
+                      <a:pt x="939789" y="0"/>
+                    </a:lnTo>
+                    <a:close/>
+                    <a:moveTo>
+                      <a:pt x="1034650" y="39412"/>
+                    </a:moveTo>
+                    <a:cubicBezTo>
+                      <a:pt x="1042659" y="39412"/>
+                      <a:pt x="1050423" y="41291"/>
+                      <a:pt x="1057940" y="45049"/>
+                    </a:cubicBezTo>
+                    <a:cubicBezTo>
+                      <a:pt x="1065457" y="48808"/>
+                      <a:pt x="1071183" y="53673"/>
+                      <a:pt x="1075116" y="59644"/>
+                    </a:cubicBezTo>
+                    <a:cubicBezTo>
+                      <a:pt x="1078910" y="65335"/>
+                      <a:pt x="1081439" y="71974"/>
+                      <a:pt x="1082703" y="79561"/>
+                    </a:cubicBezTo>
+                    <a:cubicBezTo>
+                      <a:pt x="1083828" y="84760"/>
+                      <a:pt x="1084390" y="93049"/>
+                      <a:pt x="1084390" y="104430"/>
+                    </a:cubicBezTo>
+                    <a:lnTo>
+                      <a:pt x="1001667" y="104430"/>
+                    </a:lnTo>
+                    <a:cubicBezTo>
+                      <a:pt x="1002018" y="115882"/>
+                      <a:pt x="1004723" y="125067"/>
+                      <a:pt x="1009781" y="131987"/>
+                    </a:cubicBezTo>
+                    <a:cubicBezTo>
+                      <a:pt x="1014840" y="138907"/>
+                      <a:pt x="1022673" y="142367"/>
+                      <a:pt x="1033281" y="142367"/>
+                    </a:cubicBezTo>
+                    <a:cubicBezTo>
+                      <a:pt x="1043187" y="142367"/>
+                      <a:pt x="1051090" y="139100"/>
+                      <a:pt x="1056990" y="132567"/>
+                    </a:cubicBezTo>
+                    <a:cubicBezTo>
+                      <a:pt x="1060363" y="128773"/>
+                      <a:pt x="1062752" y="124382"/>
+                      <a:pt x="1064157" y="119394"/>
+                    </a:cubicBezTo>
+                    <a:lnTo>
+                      <a:pt x="1082809" y="119394"/>
+                    </a:lnTo>
+                    <a:cubicBezTo>
+                      <a:pt x="1082317" y="123539"/>
+                      <a:pt x="1080684" y="128158"/>
+                      <a:pt x="1077909" y="133251"/>
+                    </a:cubicBezTo>
+                    <a:cubicBezTo>
+                      <a:pt x="1075134" y="138345"/>
+                      <a:pt x="1072025" y="142507"/>
+                      <a:pt x="1068582" y="145739"/>
+                    </a:cubicBezTo>
+                    <a:cubicBezTo>
+                      <a:pt x="1062822" y="151359"/>
+                      <a:pt x="1055691" y="155153"/>
+                      <a:pt x="1047191" y="157120"/>
+                    </a:cubicBezTo>
+                    <a:cubicBezTo>
+                      <a:pt x="1042624" y="158244"/>
+                      <a:pt x="1037461" y="158806"/>
+                      <a:pt x="1031700" y="158806"/>
+                    </a:cubicBezTo>
+                    <a:cubicBezTo>
+                      <a:pt x="1017650" y="158806"/>
+                      <a:pt x="1005741" y="153695"/>
+                      <a:pt x="995977" y="143473"/>
+                    </a:cubicBezTo>
+                    <a:cubicBezTo>
+                      <a:pt x="986212" y="133251"/>
+                      <a:pt x="981330" y="118937"/>
+                      <a:pt x="981330" y="100531"/>
+                    </a:cubicBezTo>
+                    <a:cubicBezTo>
+                      <a:pt x="981330" y="82406"/>
+                      <a:pt x="986246" y="67688"/>
+                      <a:pt x="996082" y="56378"/>
+                    </a:cubicBezTo>
+                    <a:cubicBezTo>
+                      <a:pt x="1005917" y="45067"/>
+                      <a:pt x="1018774" y="39412"/>
+                      <a:pt x="1034650" y="39412"/>
+                    </a:cubicBezTo>
+                    <a:close/>
+                    <a:moveTo>
+                      <a:pt x="1064895" y="89361"/>
+                    </a:moveTo>
+                    <a:cubicBezTo>
+                      <a:pt x="1064122" y="81142"/>
+                      <a:pt x="1062330" y="74573"/>
+                      <a:pt x="1059520" y="69655"/>
+                    </a:cubicBezTo>
+                    <a:cubicBezTo>
+                      <a:pt x="1054321" y="60523"/>
+                      <a:pt x="1045645" y="55956"/>
+                      <a:pt x="1033491" y="55956"/>
+                    </a:cubicBezTo>
+                    <a:cubicBezTo>
+                      <a:pt x="1024780" y="55956"/>
+                      <a:pt x="1017474" y="59100"/>
+                      <a:pt x="1011573" y="65388"/>
+                    </a:cubicBezTo>
+                    <a:cubicBezTo>
+                      <a:pt x="1005671" y="71675"/>
+                      <a:pt x="1002546" y="79666"/>
+                      <a:pt x="1002194" y="89361"/>
+                    </a:cubicBezTo>
+                    <a:lnTo>
+                      <a:pt x="1064895" y="89361"/>
+                    </a:lnTo>
+                    <a:close/>
+                    <a:moveTo>
+                      <a:pt x="1107634" y="41941"/>
+                    </a:moveTo>
+                    <a:lnTo>
+                      <a:pt x="1125653" y="41941"/>
+                    </a:lnTo>
+                    <a:lnTo>
+                      <a:pt x="1125653" y="57958"/>
+                    </a:lnTo>
+                    <a:cubicBezTo>
+                      <a:pt x="1130993" y="51355"/>
+                      <a:pt x="1136649" y="46613"/>
+                      <a:pt x="1142619" y="43732"/>
+                    </a:cubicBezTo>
+                    <a:cubicBezTo>
+                      <a:pt x="1148591" y="40852"/>
+                      <a:pt x="1155230" y="39412"/>
+                      <a:pt x="1162536" y="39412"/>
+                    </a:cubicBezTo>
+                    <a:cubicBezTo>
+                      <a:pt x="1178554" y="39412"/>
+                      <a:pt x="1189374" y="44997"/>
+                      <a:pt x="1194994" y="56167"/>
+                    </a:cubicBezTo>
+                    <a:cubicBezTo>
+                      <a:pt x="1198085" y="62279"/>
+                      <a:pt x="1199630" y="71025"/>
+                      <a:pt x="1199630" y="82406"/>
+                    </a:cubicBezTo>
+                    <a:lnTo>
+                      <a:pt x="1199630" y="154801"/>
+                    </a:lnTo>
+                    <a:lnTo>
+                      <a:pt x="1180345" y="154801"/>
+                    </a:lnTo>
+                    <a:lnTo>
+                      <a:pt x="1180345" y="83671"/>
+                    </a:lnTo>
+                    <a:cubicBezTo>
+                      <a:pt x="1180345" y="76786"/>
+                      <a:pt x="1179327" y="71236"/>
+                      <a:pt x="1177290" y="67021"/>
+                    </a:cubicBezTo>
+                    <a:cubicBezTo>
+                      <a:pt x="1173917" y="59996"/>
+                      <a:pt x="1167806" y="56483"/>
+                      <a:pt x="1158953" y="56483"/>
+                    </a:cubicBezTo>
+                    <a:cubicBezTo>
+                      <a:pt x="1154457" y="56483"/>
+                      <a:pt x="1150770" y="56940"/>
+                      <a:pt x="1147889" y="57853"/>
+                    </a:cubicBezTo>
+                    <a:cubicBezTo>
+                      <a:pt x="1142691" y="59398"/>
+                      <a:pt x="1138124" y="62490"/>
+                      <a:pt x="1134190" y="67126"/>
+                    </a:cubicBezTo>
+                    <a:cubicBezTo>
+                      <a:pt x="1131029" y="70850"/>
+                      <a:pt x="1128974" y="74696"/>
+                      <a:pt x="1128024" y="78665"/>
+                    </a:cubicBezTo>
+                    <a:cubicBezTo>
+                      <a:pt x="1127077" y="82635"/>
+                      <a:pt x="1126603" y="88307"/>
+                      <a:pt x="1126603" y="95684"/>
+                    </a:cubicBezTo>
+                    <a:lnTo>
+                      <a:pt x="1126603" y="154801"/>
+                    </a:lnTo>
+                    <a:lnTo>
+                      <a:pt x="1107634" y="154801"/>
+                    </a:lnTo>
+                    <a:lnTo>
+                      <a:pt x="1107634" y="41941"/>
+                    </a:lnTo>
+                    <a:close/>
+                    <a:moveTo>
+                      <a:pt x="1231410" y="10432"/>
+                    </a:moveTo>
+                    <a:lnTo>
+                      <a:pt x="1250589" y="10432"/>
+                    </a:lnTo>
+                    <a:lnTo>
+                      <a:pt x="1250589" y="41941"/>
+                    </a:lnTo>
+                    <a:lnTo>
+                      <a:pt x="1268609" y="41941"/>
+                    </a:lnTo>
+                    <a:lnTo>
+                      <a:pt x="1268609" y="57431"/>
+                    </a:lnTo>
+                    <a:lnTo>
+                      <a:pt x="1250589" y="57431"/>
+                    </a:lnTo>
+                    <a:lnTo>
+                      <a:pt x="1250589" y="131091"/>
+                    </a:lnTo>
+                    <a:cubicBezTo>
+                      <a:pt x="1250589" y="135025"/>
+                      <a:pt x="1251923" y="137660"/>
+                      <a:pt x="1254594" y="138995"/>
+                    </a:cubicBezTo>
+                    <a:cubicBezTo>
+                      <a:pt x="1256069" y="139767"/>
+                      <a:pt x="1258528" y="140154"/>
+                      <a:pt x="1261970" y="140154"/>
+                    </a:cubicBezTo>
+                    <a:cubicBezTo>
+                      <a:pt x="1262883" y="140154"/>
+                      <a:pt x="1263867" y="140136"/>
+                      <a:pt x="1264920" y="140101"/>
+                    </a:cubicBezTo>
+                    <a:cubicBezTo>
+                      <a:pt x="1265974" y="140066"/>
+                      <a:pt x="1267204" y="139978"/>
+                      <a:pt x="1268609" y="139838"/>
+                    </a:cubicBezTo>
+                    <a:lnTo>
+                      <a:pt x="1268609" y="154801"/>
+                    </a:lnTo>
+                    <a:cubicBezTo>
+                      <a:pt x="1266431" y="155434"/>
+                      <a:pt x="1264165" y="155890"/>
+                      <a:pt x="1261812" y="156171"/>
+                    </a:cubicBezTo>
+                    <a:cubicBezTo>
+                      <a:pt x="1259458" y="156452"/>
+                      <a:pt x="1256911" y="156593"/>
+                      <a:pt x="1254172" y="156593"/>
+                    </a:cubicBezTo>
+                    <a:cubicBezTo>
+                      <a:pt x="1245320" y="156593"/>
+                      <a:pt x="1239314" y="154327"/>
+                      <a:pt x="1236153" y="149796"/>
+                    </a:cubicBezTo>
+                    <a:cubicBezTo>
+                      <a:pt x="1232990" y="145265"/>
+                      <a:pt x="1231410" y="139381"/>
+                      <a:pt x="1231410" y="132145"/>
+                    </a:cubicBezTo>
+                    <a:lnTo>
+                      <a:pt x="1231410" y="57431"/>
+                    </a:lnTo>
+                    <a:lnTo>
+                      <a:pt x="1216130" y="57431"/>
+                    </a:lnTo>
+                    <a:lnTo>
+                      <a:pt x="1216130" y="41941"/>
+                    </a:lnTo>
+                    <a:lnTo>
+                      <a:pt x="1231410" y="41941"/>
+                    </a:lnTo>
+                    <a:lnTo>
+                      <a:pt x="1231410" y="10432"/>
+                    </a:lnTo>
+                    <a:close/>
+                    <a:moveTo>
+                      <a:pt x="1298829" y="119394"/>
+                    </a:moveTo>
+                    <a:cubicBezTo>
+                      <a:pt x="1299391" y="125717"/>
+                      <a:pt x="1300972" y="130564"/>
+                      <a:pt x="1303571" y="133936"/>
+                    </a:cubicBezTo>
+                    <a:cubicBezTo>
+                      <a:pt x="1308347" y="140048"/>
+                      <a:pt x="1316638" y="143104"/>
+                      <a:pt x="1328440" y="143104"/>
+                    </a:cubicBezTo>
+                    <a:cubicBezTo>
+                      <a:pt x="1335465" y="143104"/>
+                      <a:pt x="1341647" y="141576"/>
+                      <a:pt x="1346987" y="138520"/>
+                    </a:cubicBezTo>
+                    <a:cubicBezTo>
+                      <a:pt x="1352327" y="135465"/>
+                      <a:pt x="1354996" y="130740"/>
+                      <a:pt x="1354996" y="124347"/>
+                    </a:cubicBezTo>
+                    <a:cubicBezTo>
+                      <a:pt x="1354996" y="119499"/>
+                      <a:pt x="1352853" y="115811"/>
+                      <a:pt x="1348568" y="113282"/>
+                    </a:cubicBezTo>
+                    <a:cubicBezTo>
+                      <a:pt x="1345828" y="111737"/>
+                      <a:pt x="1340418" y="109945"/>
+                      <a:pt x="1332339" y="107908"/>
+                    </a:cubicBezTo>
+                    <a:lnTo>
+                      <a:pt x="1317270" y="104114"/>
+                    </a:lnTo>
+                    <a:cubicBezTo>
+                      <a:pt x="1307645" y="101726"/>
+                      <a:pt x="1300550" y="99056"/>
+                      <a:pt x="1295984" y="96106"/>
+                    </a:cubicBezTo>
+                    <a:cubicBezTo>
+                      <a:pt x="1287835" y="90977"/>
+                      <a:pt x="1283760" y="83881"/>
+                      <a:pt x="1283760" y="74819"/>
+                    </a:cubicBezTo>
+                    <a:cubicBezTo>
+                      <a:pt x="1283760" y="64141"/>
+                      <a:pt x="1287607" y="55500"/>
+                      <a:pt x="1295298" y="48896"/>
+                    </a:cubicBezTo>
+                    <a:cubicBezTo>
+                      <a:pt x="1302991" y="42292"/>
+                      <a:pt x="1313336" y="38990"/>
+                      <a:pt x="1326333" y="38990"/>
+                    </a:cubicBezTo>
+                    <a:cubicBezTo>
+                      <a:pt x="1343334" y="38990"/>
+                      <a:pt x="1355594" y="43978"/>
+                      <a:pt x="1363109" y="53954"/>
+                    </a:cubicBezTo>
+                    <a:cubicBezTo>
+                      <a:pt x="1367817" y="60277"/>
+                      <a:pt x="1370100" y="67091"/>
+                      <a:pt x="1369959" y="74397"/>
+                    </a:cubicBezTo>
+                    <a:lnTo>
+                      <a:pt x="1352045" y="74397"/>
+                    </a:lnTo>
+                    <a:cubicBezTo>
+                      <a:pt x="1351693" y="70112"/>
+                      <a:pt x="1350184" y="66213"/>
+                      <a:pt x="1347515" y="62700"/>
+                    </a:cubicBezTo>
+                    <a:cubicBezTo>
+                      <a:pt x="1343158" y="57712"/>
+                      <a:pt x="1335605" y="55219"/>
+                      <a:pt x="1324857" y="55219"/>
+                    </a:cubicBezTo>
+                    <a:cubicBezTo>
+                      <a:pt x="1317692" y="55219"/>
+                      <a:pt x="1312264" y="56588"/>
+                      <a:pt x="1308577" y="59328"/>
+                    </a:cubicBezTo>
+                    <a:cubicBezTo>
+                      <a:pt x="1304888" y="62068"/>
+                      <a:pt x="1303043" y="65686"/>
+                      <a:pt x="1303043" y="70182"/>
+                    </a:cubicBezTo>
+                    <a:cubicBezTo>
+                      <a:pt x="1303043" y="75100"/>
+                      <a:pt x="1305468" y="79034"/>
+                      <a:pt x="1310315" y="81985"/>
+                    </a:cubicBezTo>
+                    <a:cubicBezTo>
+                      <a:pt x="1313125" y="83741"/>
+                      <a:pt x="1317270" y="85287"/>
+                      <a:pt x="1322750" y="86621"/>
+                    </a:cubicBezTo>
+                    <a:lnTo>
+                      <a:pt x="1335289" y="89677"/>
+                    </a:lnTo>
+                    <a:cubicBezTo>
+                      <a:pt x="1348918" y="92979"/>
+                      <a:pt x="1358051" y="96176"/>
+                      <a:pt x="1362689" y="99267"/>
+                    </a:cubicBezTo>
+                    <a:cubicBezTo>
+                      <a:pt x="1370065" y="104114"/>
+                      <a:pt x="1373753" y="111737"/>
+                      <a:pt x="1373753" y="122134"/>
+                    </a:cubicBezTo>
+                    <a:cubicBezTo>
+                      <a:pt x="1373753" y="132180"/>
+                      <a:pt x="1369942" y="140856"/>
+                      <a:pt x="1362319" y="148163"/>
+                    </a:cubicBezTo>
+                    <a:cubicBezTo>
+                      <a:pt x="1354698" y="155469"/>
+                      <a:pt x="1343088" y="159122"/>
+                      <a:pt x="1327492" y="159122"/>
+                    </a:cubicBezTo>
+                    <a:cubicBezTo>
+                      <a:pt x="1310702" y="159122"/>
+                      <a:pt x="1298811" y="155311"/>
+                      <a:pt x="1291821" y="147688"/>
+                    </a:cubicBezTo>
+                    <a:cubicBezTo>
+                      <a:pt x="1284832" y="140066"/>
+                      <a:pt x="1281089" y="130635"/>
+                      <a:pt x="1280598" y="119394"/>
+                    </a:cubicBezTo>
+                    <a:lnTo>
+                      <a:pt x="1298829" y="119394"/>
+                    </a:lnTo>
+                    <a:close/>
+                  </a:path>
+                </a:pathLst>
+              </a:custGeom>
+              <a:solidFill>
+                <a:srgbClr val="303030"/>
+              </a:solidFill>
+              <a:ln w="3800" cap="flat">
+                <a:solidFill>
+                  <a:srgbClr val="323232"/>
+                </a:solidFill>
+                <a:miter/>
+              </a:ln>
+            </p:spPr>
+          </p:sp>
+        </p:grpSp>
+        <p:grpSp>
+          <p:nvGrpSpPr>
+            <p:cNvPr id="1110" name="Group 1109">
+              <a:extLst>
+                <a:ext uri="{FF2B5EF4-FFF2-40B4-BE49-F238E27FC236}">
+                  <a16:creationId xmlns:a16="http://schemas.microsoft.com/office/drawing/2014/main" id="{47F452C4-D98C-E10C-5F2A-D531DB15427D}"/>
+                </a:ext>
+              </a:extLst>
+            </p:cNvPr>
+            <p:cNvGrpSpPr/>
+            <p:nvPr/>
+          </p:nvGrpSpPr>
+          <p:grpSpPr>
+            <a:xfrm>
+              <a:off x="3369998" y="1664243"/>
+              <a:ext cx="303700" cy="373975"/>
+              <a:chOff x="3369998" y="1664243"/>
+              <a:chExt cx="303700" cy="373975"/>
+            </a:xfrm>
+          </p:grpSpPr>
+          <p:sp>
+            <p:nvSpPr>
+              <p:cNvPr id="1111" name="Freeform 1110">
+                <a:extLst>
+                  <a:ext uri="{FF2B5EF4-FFF2-40B4-BE49-F238E27FC236}">
+                    <a16:creationId xmlns:a16="http://schemas.microsoft.com/office/drawing/2014/main" id="{4C85D0CC-D17F-2BF1-ECE6-352CA74A49BC}"/>
+                  </a:ext>
+                </a:extLst>
+              </p:cNvPr>
+              <p:cNvSpPr/>
+              <p:nvPr/>
+            </p:nvSpPr>
+            <p:spPr>
+              <a:xfrm>
+                <a:off x="3375477" y="1909782"/>
+                <a:ext cx="292744" cy="110901"/>
+              </a:xfrm>
+              <a:custGeom>
+                <a:avLst/>
+                <a:gdLst/>
+                <a:ahLst/>
+                <a:cxnLst/>
+                <a:rect l="l" t="t" r="r" b="b"/>
+                <a:pathLst>
+                  <a:path w="292744" h="110901" stroke="0">
+                    <a:moveTo>
+                      <a:pt x="276308" y="88547"/>
+                    </a:moveTo>
+                    <a:lnTo>
+                      <a:pt x="215499" y="69543"/>
+                    </a:lnTo>
+                    <a:cubicBezTo>
+                      <a:pt x="205721" y="66487"/>
+                      <a:pt x="199065" y="57432"/>
+                      <a:pt x="199065" y="47188"/>
+                    </a:cubicBezTo>
+                    <a:lnTo>
+                      <a:pt x="199065" y="26771"/>
+                    </a:lnTo>
+                    <a:lnTo>
+                      <a:pt x="93677" y="0"/>
+                    </a:lnTo>
+                    <a:lnTo>
+                      <a:pt x="93677" y="47188"/>
+                    </a:lnTo>
+                    <a:cubicBezTo>
+                      <a:pt x="93677" y="57432"/>
+                      <a:pt x="87020" y="66487"/>
+                      <a:pt x="77244" y="69543"/>
+                    </a:cubicBezTo>
+                    <a:lnTo>
+                      <a:pt x="16434" y="88547"/>
+                    </a:lnTo>
+                    <a:cubicBezTo>
+                      <a:pt x="6657" y="91602"/>
+                      <a:pt x="0" y="100658"/>
+                      <a:pt x="0" y="110901"/>
+                    </a:cubicBezTo>
+                    <a:lnTo>
+                      <a:pt x="292744" y="110901"/>
+                    </a:lnTo>
+                    <a:cubicBezTo>
+                      <a:pt x="292743" y="100658"/>
+                      <a:pt x="286085" y="91603"/>
+                      <a:pt x="276308" y="88547"/>
+                    </a:cubicBezTo>
+                    <a:close/>
+                  </a:path>
+                  <a:path w="292744" h="110901" fill="none">
+                    <a:moveTo>
+                      <a:pt x="276308" y="88547"/>
+                    </a:moveTo>
+                    <a:lnTo>
+                      <a:pt x="215499" y="69543"/>
+                    </a:lnTo>
+                    <a:cubicBezTo>
+                      <a:pt x="205721" y="66487"/>
+                      <a:pt x="199065" y="57432"/>
+                      <a:pt x="199065" y="47188"/>
+                    </a:cubicBezTo>
+                    <a:lnTo>
+                      <a:pt x="199065" y="26771"/>
+                    </a:lnTo>
+                    <a:lnTo>
+                      <a:pt x="93677" y="0"/>
+                    </a:lnTo>
+                    <a:lnTo>
+                      <a:pt x="93677" y="47188"/>
+                    </a:lnTo>
+                    <a:cubicBezTo>
+                      <a:pt x="93677" y="57432"/>
+                      <a:pt x="87020" y="66487"/>
+                      <a:pt x="77244" y="69543"/>
+                    </a:cubicBezTo>
+                    <a:lnTo>
+                      <a:pt x="16434" y="88547"/>
+                    </a:lnTo>
+                    <a:cubicBezTo>
+                      <a:pt x="6657" y="91602"/>
+                      <a:pt x="0" y="100658"/>
+                      <a:pt x="0" y="110901"/>
+                    </a:cubicBezTo>
+                    <a:lnTo>
+                      <a:pt x="292744" y="110901"/>
+                    </a:lnTo>
+                    <a:cubicBezTo>
+                      <a:pt x="292743" y="100658"/>
+                      <a:pt x="286085" y="91603"/>
+                      <a:pt x="276308" y="88547"/>
+                    </a:cubicBezTo>
+                    <a:close/>
+                  </a:path>
+                </a:pathLst>
+              </a:custGeom>
+              <a:solidFill>
+                <a:srgbClr val="F6D190"/>
+              </a:solidFill>
+              <a:ln w="7600" cap="flat">
+                <a:noFill/>
+                <a:miter/>
+              </a:ln>
+            </p:spPr>
+          </p:sp>
+          <p:sp>
+            <p:nvSpPr>
+              <p:cNvPr id="1112" name="Freeform 1111">
+                <a:extLst>
+                  <a:ext uri="{FF2B5EF4-FFF2-40B4-BE49-F238E27FC236}">
+                    <a16:creationId xmlns:a16="http://schemas.microsoft.com/office/drawing/2014/main" id="{AFDFAE7D-2CAC-D2F4-9995-2091CF857900}"/>
+                  </a:ext>
+                </a:extLst>
+              </p:cNvPr>
+              <p:cNvSpPr/>
+              <p:nvPr/>
+            </p:nvSpPr>
+            <p:spPr>
+              <a:xfrm>
+                <a:off x="3375476" y="1978394"/>
+                <a:ext cx="292744" cy="54345"/>
+              </a:xfrm>
+              <a:custGeom>
+                <a:avLst/>
+                <a:gdLst/>
+                <a:ahLst/>
+                <a:cxnLst/>
+                <a:rect l="l" t="t" r="r" b="b"/>
+                <a:pathLst>
+                  <a:path w="292744" h="54345" stroke="0">
+                    <a:moveTo>
+                      <a:pt x="292744" y="42288"/>
+                    </a:moveTo>
+                    <a:cubicBezTo>
+                      <a:pt x="292744" y="32044"/>
+                      <a:pt x="286087" y="22989"/>
+                      <a:pt x="276310" y="19933"/>
+                    </a:cubicBezTo>
+                    <a:lnTo>
+                      <a:pt x="215500" y="929"/>
+                    </a:lnTo>
+                    <a:cubicBezTo>
+                      <a:pt x="214700" y="0"/>
+                      <a:pt x="213955" y="0"/>
+                      <a:pt x="213199" y="0"/>
+                    </a:cubicBezTo>
+                    <a:cubicBezTo>
+                      <a:pt x="197090" y="18900"/>
+                      <a:pt x="173151" y="30924"/>
+                      <a:pt x="146372" y="30924"/>
+                    </a:cubicBezTo>
+                    <a:cubicBezTo>
+                      <a:pt x="119593" y="30924"/>
+                      <a:pt x="95654" y="18900"/>
+                      <a:pt x="79545" y="0"/>
+                    </a:cubicBezTo>
+                    <a:cubicBezTo>
+                      <a:pt x="78789" y="0"/>
+                      <a:pt x="78044" y="0"/>
+                      <a:pt x="77244" y="929"/>
+                    </a:cubicBezTo>
+                    <a:lnTo>
+                      <a:pt x="16434" y="19933"/>
+                    </a:lnTo>
+                    <a:cubicBezTo>
+                      <a:pt x="6657" y="22989"/>
+                      <a:pt x="0" y="32044"/>
+                      <a:pt x="0" y="42288"/>
+                    </a:cubicBezTo>
+                    <a:lnTo>
+                      <a:pt x="0" y="54345"/>
+                    </a:lnTo>
+                    <a:lnTo>
+                      <a:pt x="292744" y="54345"/>
+                    </a:lnTo>
+                    <a:lnTo>
+                      <a:pt x="292744" y="42288"/>
+                    </a:lnTo>
+                    <a:close/>
+                  </a:path>
+                  <a:path w="292744" h="54345" fill="none">
+                    <a:moveTo>
+                      <a:pt x="292744" y="42288"/>
+                    </a:moveTo>
+                    <a:cubicBezTo>
+                      <a:pt x="292744" y="32044"/>
+                      <a:pt x="286087" y="22989"/>
+                      <a:pt x="276310" y="19933"/>
+                    </a:cubicBezTo>
+                    <a:lnTo>
+                      <a:pt x="215500" y="929"/>
+                    </a:lnTo>
+                    <a:cubicBezTo>
+                      <a:pt x="214700" y="0"/>
+                      <a:pt x="213955" y="0"/>
+                      <a:pt x="213199" y="0"/>
+                    </a:cubicBezTo>
+                    <a:cubicBezTo>
+                      <a:pt x="197090" y="18900"/>
+                      <a:pt x="173151" y="30924"/>
+                      <a:pt x="146372" y="30924"/>
+                    </a:cubicBezTo>
+                    <a:cubicBezTo>
+                      <a:pt x="119593" y="30924"/>
+                      <a:pt x="95654" y="18900"/>
+                      <a:pt x="79545" y="0"/>
+                    </a:cubicBezTo>
+                    <a:cubicBezTo>
+                      <a:pt x="78789" y="0"/>
+                      <a:pt x="78044" y="0"/>
+                      <a:pt x="77244" y="929"/>
+                    </a:cubicBezTo>
+                    <a:lnTo>
+                      <a:pt x="16434" y="19933"/>
+                    </a:lnTo>
+                    <a:cubicBezTo>
+                      <a:pt x="6657" y="22989"/>
+                      <a:pt x="0" y="32044"/>
+                      <a:pt x="0" y="42288"/>
+                    </a:cubicBezTo>
+                    <a:lnTo>
+                      <a:pt x="0" y="54345"/>
+                    </a:lnTo>
+                    <a:lnTo>
+                      <a:pt x="292744" y="54345"/>
+                    </a:lnTo>
+                    <a:lnTo>
+                      <a:pt x="292744" y="42288"/>
+                    </a:lnTo>
+                    <a:close/>
+                  </a:path>
+                </a:pathLst>
+              </a:custGeom>
+              <a:solidFill>
+                <a:srgbClr val="DAD8DB"/>
+              </a:solidFill>
+              <a:ln w="7600" cap="flat">
+                <a:noFill/>
+                <a:miter/>
+              </a:ln>
+            </p:spPr>
+          </p:sp>
+          <p:sp>
+            <p:nvSpPr>
+              <p:cNvPr id="1113" name="Freeform 1112">
+                <a:extLst>
+                  <a:ext uri="{FF2B5EF4-FFF2-40B4-BE49-F238E27FC236}">
+                    <a16:creationId xmlns:a16="http://schemas.microsoft.com/office/drawing/2014/main" id="{E0860CBA-0F7F-5ACA-4B3C-F29766EF129F}"/>
+                  </a:ext>
+                </a:extLst>
+              </p:cNvPr>
+              <p:cNvSpPr/>
+              <p:nvPr/>
+            </p:nvSpPr>
+            <p:spPr>
+              <a:xfrm>
+                <a:off x="3469154" y="1909782"/>
+                <a:ext cx="105388" cy="40986"/>
+              </a:xfrm>
+              <a:custGeom>
+                <a:avLst/>
+                <a:gdLst/>
+                <a:ahLst/>
+                <a:cxnLst/>
+                <a:rect l="l" t="t" r="r" b="b"/>
+                <a:pathLst>
+                  <a:path w="105388" h="40986" stroke="0">
+                    <a:moveTo>
+                      <a:pt x="0" y="26771"/>
+                    </a:moveTo>
+                    <a:cubicBezTo>
+                      <a:pt x="15513" y="35759"/>
+                      <a:pt x="33475" y="40986"/>
+                      <a:pt x="52694" y="40986"/>
+                    </a:cubicBezTo>
+                    <a:cubicBezTo>
+                      <a:pt x="71913" y="40986"/>
+                      <a:pt x="89874" y="35759"/>
+                      <a:pt x="105388" y="26771"/>
+                    </a:cubicBezTo>
+                    <a:lnTo>
+                      <a:pt x="105388" y="0"/>
+                    </a:lnTo>
+                    <a:lnTo>
+                      <a:pt x="0" y="0"/>
+                    </a:lnTo>
+                    <a:lnTo>
+                      <a:pt x="0" y="26771"/>
+                    </a:lnTo>
+                    <a:close/>
+                  </a:path>
+                  <a:path w="105388" h="40986" fill="none">
+                    <a:moveTo>
+                      <a:pt x="0" y="26771"/>
+                    </a:moveTo>
+                    <a:cubicBezTo>
+                      <a:pt x="15513" y="35759"/>
+                      <a:pt x="33475" y="40986"/>
+                      <a:pt x="52694" y="40986"/>
+                    </a:cubicBezTo>
+                    <a:cubicBezTo>
+                      <a:pt x="71913" y="40986"/>
+                      <a:pt x="89874" y="35759"/>
+                      <a:pt x="105388" y="26771"/>
+                    </a:cubicBezTo>
+                    <a:lnTo>
+                      <a:pt x="105388" y="0"/>
+                    </a:lnTo>
+                    <a:lnTo>
+                      <a:pt x="0" y="0"/>
+                    </a:lnTo>
+                    <a:lnTo>
+                      <a:pt x="0" y="26771"/>
+                    </a:lnTo>
+                    <a:close/>
+                  </a:path>
+                </a:pathLst>
+              </a:custGeom>
+              <a:solidFill>
+                <a:srgbClr val="ECBD83"/>
+              </a:solidFill>
+              <a:ln w="7600" cap="flat">
+                <a:noFill/>
+                <a:miter/>
+              </a:ln>
+            </p:spPr>
+          </p:sp>
+          <p:sp>
+            <p:nvSpPr>
+              <p:cNvPr id="1114" name="Freeform 1113">
+                <a:extLst>
+                  <a:ext uri="{FF2B5EF4-FFF2-40B4-BE49-F238E27FC236}">
+                    <a16:creationId xmlns:a16="http://schemas.microsoft.com/office/drawing/2014/main" id="{B995ED15-9B01-1F2F-36C1-8FEF3E0E943C}"/>
+                  </a:ext>
+                </a:extLst>
+              </p:cNvPr>
+              <p:cNvSpPr/>
+              <p:nvPr/>
+            </p:nvSpPr>
+            <p:spPr>
+              <a:xfrm>
+                <a:off x="3416460" y="1669721"/>
+                <a:ext cx="210776" cy="158088"/>
+              </a:xfrm>
+              <a:custGeom>
+                <a:avLst/>
+                <a:gdLst/>
+                <a:ahLst/>
+                <a:cxnLst/>
+                <a:rect l="l" t="t" r="r" b="b"/>
+                <a:pathLst>
+                  <a:path w="210776" h="158088" stroke="0">
+                    <a:moveTo>
+                      <a:pt x="152228" y="0"/>
+                    </a:moveTo>
+                    <a:lnTo>
+                      <a:pt x="76114" y="0"/>
+                    </a:lnTo>
+                    <a:cubicBezTo>
+                      <a:pt x="65213" y="0"/>
+                      <a:pt x="56134" y="7482"/>
+                      <a:pt x="53522" y="17565"/>
+                    </a:cubicBezTo>
+                    <a:lnTo>
+                      <a:pt x="40984" y="17565"/>
+                    </a:lnTo>
+                    <a:cubicBezTo>
+                      <a:pt x="18350" y="17565"/>
+                      <a:pt x="0" y="35915"/>
+                      <a:pt x="0" y="58551"/>
+                    </a:cubicBezTo>
+                    <a:lnTo>
+                      <a:pt x="8733" y="158088"/>
+                    </a:lnTo>
+                    <a:lnTo>
+                      <a:pt x="210776" y="158088"/>
+                    </a:lnTo>
+                    <a:lnTo>
+                      <a:pt x="210776" y="58551"/>
+                    </a:lnTo>
+                    <a:cubicBezTo>
+                      <a:pt x="210776" y="26214"/>
+                      <a:pt x="184563" y="0"/>
+                      <a:pt x="152228" y="0"/>
+                    </a:cubicBezTo>
+                    <a:close/>
+                  </a:path>
+                  <a:path w="210776" h="158088" fill="none">
+                    <a:moveTo>
+                      <a:pt x="152228" y="0"/>
+                    </a:moveTo>
+                    <a:lnTo>
+                      <a:pt x="76114" y="0"/>
+                    </a:lnTo>
+                    <a:cubicBezTo>
+                      <a:pt x="65213" y="0"/>
+                      <a:pt x="56134" y="7482"/>
+                      <a:pt x="53522" y="17565"/>
+                    </a:cubicBezTo>
+                    <a:lnTo>
+                      <a:pt x="40984" y="17565"/>
+                    </a:lnTo>
+                    <a:cubicBezTo>
+                      <a:pt x="18350" y="17565"/>
+                      <a:pt x="0" y="35915"/>
+                      <a:pt x="0" y="58551"/>
+                    </a:cubicBezTo>
+                    <a:lnTo>
+                      <a:pt x="8733" y="158088"/>
+                    </a:lnTo>
+                    <a:lnTo>
+                      <a:pt x="210776" y="158088"/>
+                    </a:lnTo>
+                    <a:lnTo>
+                      <a:pt x="210776" y="58551"/>
+                    </a:lnTo>
+                    <a:cubicBezTo>
+                      <a:pt x="210776" y="26214"/>
+                      <a:pt x="184563" y="0"/>
+                      <a:pt x="152228" y="0"/>
+                    </a:cubicBezTo>
+                    <a:close/>
+                  </a:path>
+                </a:pathLst>
+              </a:custGeom>
+              <a:solidFill>
+                <a:srgbClr val="966A5B"/>
+              </a:solidFill>
+              <a:ln w="7600" cap="flat">
+                <a:noFill/>
+                <a:miter/>
+              </a:ln>
+            </p:spPr>
+          </p:sp>
+          <p:sp>
+            <p:nvSpPr>
+              <p:cNvPr id="1115" name="Freeform 1114">
+                <a:extLst>
+                  <a:ext uri="{FF2B5EF4-FFF2-40B4-BE49-F238E27FC236}">
+                    <a16:creationId xmlns:a16="http://schemas.microsoft.com/office/drawing/2014/main" id="{C2F766E0-E1D1-4939-C3B9-608D75C1A2BD}"/>
+                  </a:ext>
+                </a:extLst>
+              </p:cNvPr>
+              <p:cNvSpPr/>
+              <p:nvPr/>
+            </p:nvSpPr>
+            <p:spPr>
+              <a:xfrm>
+                <a:off x="3416461" y="1687286"/>
+                <a:ext cx="52694" cy="140523"/>
+              </a:xfrm>
+              <a:custGeom>
+                <a:avLst/>
+                <a:gdLst/>
+                <a:ahLst/>
+                <a:cxnLst/>
+                <a:rect l="l" t="t" r="r" b="b"/>
+                <a:pathLst>
+                  <a:path w="52694" h="140523" stroke="0">
+                    <a:moveTo>
+                      <a:pt x="52694" y="0"/>
+                    </a:moveTo>
+                    <a:lnTo>
+                      <a:pt x="40984" y="0"/>
+                    </a:lnTo>
+                    <a:cubicBezTo>
+                      <a:pt x="18349" y="0"/>
+                      <a:pt x="0" y="18350"/>
+                      <a:pt x="0" y="40986"/>
+                    </a:cubicBezTo>
+                    <a:lnTo>
+                      <a:pt x="0" y="140523"/>
+                    </a:lnTo>
+                    <a:lnTo>
+                      <a:pt x="52694" y="140523"/>
+                    </a:lnTo>
+                    <a:lnTo>
+                      <a:pt x="52694" y="0"/>
+                    </a:lnTo>
+                    <a:close/>
+                  </a:path>
+                  <a:path w="52694" h="140523" fill="none">
+                    <a:moveTo>
+                      <a:pt x="52694" y="0"/>
+                    </a:moveTo>
+                    <a:lnTo>
+                      <a:pt x="40984" y="0"/>
+                    </a:lnTo>
+                    <a:cubicBezTo>
+                      <a:pt x="18349" y="0"/>
+                      <a:pt x="0" y="18350"/>
+                      <a:pt x="0" y="40986"/>
+                    </a:cubicBezTo>
+                    <a:lnTo>
+                      <a:pt x="0" y="140523"/>
+                    </a:lnTo>
+                    <a:lnTo>
+                      <a:pt x="52694" y="140523"/>
+                    </a:lnTo>
+                    <a:lnTo>
+                      <a:pt x="52694" y="0"/>
+                    </a:lnTo>
+                    <a:close/>
+                  </a:path>
+                </a:pathLst>
+              </a:custGeom>
+              <a:solidFill>
+                <a:srgbClr val="785353"/>
+              </a:solidFill>
+              <a:ln w="7600" cap="flat">
+                <a:noFill/>
+                <a:miter/>
+              </a:ln>
+            </p:spPr>
+          </p:sp>
+          <p:sp>
+            <p:nvSpPr>
+              <p:cNvPr id="1116" name="Freeform 1115">
+                <a:extLst>
+                  <a:ext uri="{FF2B5EF4-FFF2-40B4-BE49-F238E27FC236}">
+                    <a16:creationId xmlns:a16="http://schemas.microsoft.com/office/drawing/2014/main" id="{7A85367A-00D6-C73E-5CB7-8A428798C975}"/>
+                  </a:ext>
+                </a:extLst>
+              </p:cNvPr>
+              <p:cNvSpPr/>
+              <p:nvPr/>
+            </p:nvSpPr>
+            <p:spPr>
+              <a:xfrm>
+                <a:off x="3404729" y="1745837"/>
+                <a:ext cx="234217" cy="187365"/>
+              </a:xfrm>
+              <a:custGeom>
+                <a:avLst/>
+                <a:gdLst/>
+                <a:ahLst/>
+                <a:cxnLst/>
+                <a:rect l="l" t="t" r="r" b="b"/>
+                <a:pathLst>
+                  <a:path w="234217" h="187365" stroke="0">
+                    <a:moveTo>
+                      <a:pt x="215659" y="70262"/>
+                    </a:moveTo>
+                    <a:lnTo>
+                      <a:pt x="210798" y="70262"/>
+                    </a:lnTo>
+                    <a:cubicBezTo>
+                      <a:pt x="201097" y="70262"/>
+                      <a:pt x="193234" y="62398"/>
+                      <a:pt x="193234" y="52697"/>
+                    </a:cubicBezTo>
+                    <a:lnTo>
+                      <a:pt x="193234" y="23421"/>
+                    </a:lnTo>
+                    <a:cubicBezTo>
+                      <a:pt x="193234" y="10486"/>
+                      <a:pt x="182748" y="0"/>
+                      <a:pt x="169814" y="0"/>
+                    </a:cubicBezTo>
+                    <a:lnTo>
+                      <a:pt x="64426" y="0"/>
+                    </a:lnTo>
+                    <a:cubicBezTo>
+                      <a:pt x="51492" y="0"/>
+                      <a:pt x="41006" y="10486"/>
+                      <a:pt x="41006" y="23421"/>
+                    </a:cubicBezTo>
+                    <a:lnTo>
+                      <a:pt x="41006" y="52697"/>
+                    </a:lnTo>
+                    <a:cubicBezTo>
+                      <a:pt x="41006" y="62398"/>
+                      <a:pt x="33142" y="70262"/>
+                      <a:pt x="23442" y="70262"/>
+                    </a:cubicBezTo>
+                    <a:lnTo>
+                      <a:pt x="18581" y="70262"/>
+                    </a:lnTo>
+                    <a:cubicBezTo>
+                      <a:pt x="9070" y="70262"/>
+                      <a:pt x="0" y="77384"/>
+                      <a:pt x="0" y="86883"/>
+                    </a:cubicBezTo>
+                    <a:cubicBezTo>
+                      <a:pt x="0" y="97013"/>
+                      <a:pt x="7573" y="105393"/>
+                      <a:pt x="17586" y="105393"/>
+                    </a:cubicBezTo>
+                    <a:lnTo>
+                      <a:pt x="29592" y="105393"/>
+                    </a:lnTo>
+                    <a:cubicBezTo>
+                      <a:pt x="32618" y="151155"/>
+                      <a:pt x="70592" y="187365"/>
+                      <a:pt x="117119" y="187365"/>
+                    </a:cubicBezTo>
+                    <a:cubicBezTo>
+                      <a:pt x="163647" y="187365"/>
+                      <a:pt x="201621" y="151155"/>
+                      <a:pt x="204647" y="105393"/>
+                    </a:cubicBezTo>
+                    <a:lnTo>
+                      <a:pt x="216652" y="105393"/>
+                    </a:lnTo>
+                    <a:cubicBezTo>
+                      <a:pt x="226666" y="105393"/>
+                      <a:pt x="234723" y="97013"/>
+                      <a:pt x="234192" y="86883"/>
+                    </a:cubicBezTo>
+                    <a:cubicBezTo>
+                      <a:pt x="233695" y="77384"/>
+                      <a:pt x="225169" y="70262"/>
+                      <a:pt x="215659" y="70262"/>
+                    </a:cubicBezTo>
+                    <a:close/>
+                  </a:path>
+                  <a:path w="234217" h="187365" fill="none">
+                    <a:moveTo>
+                      <a:pt x="215659" y="70262"/>
+                    </a:moveTo>
+                    <a:lnTo>
+                      <a:pt x="210798" y="70262"/>
+                    </a:lnTo>
+                    <a:cubicBezTo>
+                      <a:pt x="201097" y="70262"/>
+                      <a:pt x="193234" y="62398"/>
+                      <a:pt x="193234" y="52697"/>
+                    </a:cubicBezTo>
+                    <a:lnTo>
+                      <a:pt x="193234" y="23421"/>
+                    </a:lnTo>
+                    <a:cubicBezTo>
+                      <a:pt x="193234" y="10486"/>
+                      <a:pt x="182748" y="0"/>
+                      <a:pt x="169814" y="0"/>
+                    </a:cubicBezTo>
+                    <a:lnTo>
+                      <a:pt x="64426" y="0"/>
+                    </a:lnTo>
+                    <a:cubicBezTo>
+                      <a:pt x="51492" y="0"/>
+                      <a:pt x="41006" y="10486"/>
+                      <a:pt x="41006" y="23421"/>
+                    </a:cubicBezTo>
+                    <a:lnTo>
+                      <a:pt x="41006" y="52697"/>
+                    </a:lnTo>
+                    <a:cubicBezTo>
+                      <a:pt x="41006" y="62398"/>
+                      <a:pt x="33142" y="70262"/>
+                      <a:pt x="23442" y="70262"/>
+                    </a:cubicBezTo>
+                    <a:lnTo>
+                      <a:pt x="18581" y="70262"/>
+                    </a:lnTo>
+                    <a:cubicBezTo>
+                      <a:pt x="9070" y="70262"/>
+                      <a:pt x="0" y="77384"/>
+                      <a:pt x="0" y="86883"/>
+                    </a:cubicBezTo>
+                    <a:cubicBezTo>
+                      <a:pt x="0" y="97013"/>
+                      <a:pt x="7573" y="105393"/>
+                      <a:pt x="17586" y="105393"/>
+                    </a:cubicBezTo>
+                    <a:lnTo>
+                      <a:pt x="29592" y="105393"/>
+                    </a:lnTo>
+                    <a:cubicBezTo>
+                      <a:pt x="32618" y="151155"/>
+                      <a:pt x="70592" y="187365"/>
+                      <a:pt x="117119" y="187365"/>
+                    </a:cubicBezTo>
+                    <a:cubicBezTo>
+                      <a:pt x="163647" y="187365"/>
+                      <a:pt x="201621" y="151155"/>
+                      <a:pt x="204647" y="105393"/>
+                    </a:cubicBezTo>
+                    <a:lnTo>
+                      <a:pt x="216652" y="105393"/>
+                    </a:lnTo>
+                    <a:cubicBezTo>
+                      <a:pt x="226666" y="105393"/>
+                      <a:pt x="234723" y="97013"/>
+                      <a:pt x="234192" y="86883"/>
+                    </a:cubicBezTo>
+                    <a:cubicBezTo>
+                      <a:pt x="233695" y="77384"/>
+                      <a:pt x="225169" y="70262"/>
+                      <a:pt x="215659" y="70262"/>
+                    </a:cubicBezTo>
+                    <a:close/>
+                  </a:path>
+                </a:pathLst>
+              </a:custGeom>
+              <a:solidFill>
+                <a:srgbClr val="FFE09F"/>
+              </a:solidFill>
+              <a:ln w="7600" cap="flat">
+                <a:noFill/>
+                <a:miter/>
+              </a:ln>
+            </p:spPr>
+          </p:sp>
+          <p:sp>
+            <p:nvSpPr>
+              <p:cNvPr id="1117" name="Freeform 1116">
+                <a:extLst>
+                  <a:ext uri="{FF2B5EF4-FFF2-40B4-BE49-F238E27FC236}">
+                    <a16:creationId xmlns:a16="http://schemas.microsoft.com/office/drawing/2014/main" id="{DA34B167-0D2A-CA3C-5F63-EFD1BE4DD624}"/>
+                  </a:ext>
+                </a:extLst>
+              </p:cNvPr>
+              <p:cNvSpPr/>
+              <p:nvPr/>
+            </p:nvSpPr>
+            <p:spPr>
+              <a:xfrm>
+                <a:off x="3404728" y="1745838"/>
+                <a:ext cx="134629" cy="187364"/>
+              </a:xfrm>
+              <a:custGeom>
+                <a:avLst/>
+                <a:gdLst/>
+                <a:ahLst/>
+                <a:cxnLst/>
+                <a:rect l="l" t="t" r="r" b="b"/>
+                <a:pathLst>
+                  <a:path w="134629" h="187364" stroke="0">
+                    <a:moveTo>
+                      <a:pt x="64426" y="99537"/>
+                    </a:moveTo>
+                    <a:lnTo>
+                      <a:pt x="64426" y="0"/>
+                    </a:lnTo>
+                    <a:cubicBezTo>
+                      <a:pt x="51491" y="0"/>
+                      <a:pt x="41006" y="10486"/>
+                      <a:pt x="41006" y="23421"/>
+                    </a:cubicBezTo>
+                    <a:lnTo>
+                      <a:pt x="41006" y="52697"/>
+                    </a:lnTo>
+                    <a:cubicBezTo>
+                      <a:pt x="41006" y="62398"/>
+                      <a:pt x="33142" y="70262"/>
+                      <a:pt x="23442" y="70262"/>
+                    </a:cubicBezTo>
+                    <a:lnTo>
+                      <a:pt x="18581" y="70262"/>
+                    </a:lnTo>
+                    <a:cubicBezTo>
+                      <a:pt x="9070" y="70262"/>
+                      <a:pt x="0" y="77384"/>
+                      <a:pt x="0" y="86883"/>
+                    </a:cubicBezTo>
+                    <a:cubicBezTo>
+                      <a:pt x="0" y="97012"/>
+                      <a:pt x="7573" y="105392"/>
+                      <a:pt x="17587" y="105392"/>
+                    </a:cubicBezTo>
+                    <a:lnTo>
+                      <a:pt x="29592" y="105392"/>
+                    </a:lnTo>
+                    <a:cubicBezTo>
+                      <a:pt x="32618" y="151154"/>
+                      <a:pt x="70593" y="187364"/>
+                      <a:pt x="117120" y="187364"/>
+                    </a:cubicBezTo>
+                    <a:cubicBezTo>
+                      <a:pt x="123121" y="187364"/>
+                      <a:pt x="128969" y="186740"/>
+                      <a:pt x="134629" y="185592"/>
+                    </a:cubicBezTo>
+                    <a:cubicBezTo>
+                      <a:pt x="94570" y="177433"/>
+                      <a:pt x="64426" y="142007"/>
+                      <a:pt x="64426" y="99537"/>
+                    </a:cubicBezTo>
+                    <a:close/>
+                  </a:path>
+                  <a:path w="134629" h="187364" fill="none">
+                    <a:moveTo>
+                      <a:pt x="64426" y="99537"/>
+                    </a:moveTo>
+                    <a:lnTo>
+                      <a:pt x="64426" y="0"/>
+                    </a:lnTo>
+                    <a:cubicBezTo>
+                      <a:pt x="51491" y="0"/>
+                      <a:pt x="41006" y="10486"/>
+                      <a:pt x="41006" y="23421"/>
+                    </a:cubicBezTo>
+                    <a:lnTo>
+                      <a:pt x="41006" y="52697"/>
+                    </a:lnTo>
+                    <a:cubicBezTo>
+                      <a:pt x="41006" y="62398"/>
+                      <a:pt x="33142" y="70262"/>
+                      <a:pt x="23442" y="70262"/>
+                    </a:cubicBezTo>
+                    <a:lnTo>
+                      <a:pt x="18581" y="70262"/>
+                    </a:lnTo>
+                    <a:cubicBezTo>
+                      <a:pt x="9070" y="70262"/>
+                      <a:pt x="0" y="77384"/>
+                      <a:pt x="0" y="86883"/>
+                    </a:cubicBezTo>
+                    <a:cubicBezTo>
+                      <a:pt x="0" y="97012"/>
+                      <a:pt x="7573" y="105392"/>
+                      <a:pt x="17587" y="105392"/>
+                    </a:cubicBezTo>
+                    <a:lnTo>
+                      <a:pt x="29592" y="105392"/>
+                    </a:lnTo>
+                    <a:cubicBezTo>
+                      <a:pt x="32618" y="151154"/>
+                      <a:pt x="70593" y="187364"/>
+                      <a:pt x="117120" y="187364"/>
+                    </a:cubicBezTo>
+                    <a:cubicBezTo>
+                      <a:pt x="123121" y="187364"/>
+                      <a:pt x="128969" y="186740"/>
+                      <a:pt x="134629" y="185592"/>
+                    </a:cubicBezTo>
+                    <a:cubicBezTo>
+                      <a:pt x="94570" y="177433"/>
+                      <a:pt x="64426" y="142007"/>
+                      <a:pt x="64426" y="99537"/>
+                    </a:cubicBezTo>
+                    <a:close/>
+                  </a:path>
+                </a:pathLst>
+              </a:custGeom>
+              <a:solidFill>
+                <a:srgbClr val="F6D190"/>
+              </a:solidFill>
+              <a:ln w="7600" cap="flat">
+                <a:noFill/>
+                <a:miter/>
+              </a:ln>
+            </p:spPr>
+          </p:sp>
+          <p:sp>
+            <p:nvSpPr>
+              <p:cNvPr id="1118" name="Freeform 1117">
+                <a:extLst>
+                  <a:ext uri="{FF2B5EF4-FFF2-40B4-BE49-F238E27FC236}">
+                    <a16:creationId xmlns:a16="http://schemas.microsoft.com/office/drawing/2014/main" id="{4E1A5376-ABC0-4EAA-9C3C-43A3C8FBA743}"/>
+                  </a:ext>
+                </a:extLst>
+              </p:cNvPr>
+              <p:cNvSpPr/>
+              <p:nvPr/>
+            </p:nvSpPr>
+            <p:spPr>
+              <a:xfrm>
+                <a:off x="3434321" y="1851230"/>
+                <a:ext cx="175351" cy="81972"/>
+              </a:xfrm>
+              <a:custGeom>
+                <a:avLst/>
+                <a:gdLst/>
+                <a:ahLst/>
+                <a:cxnLst/>
+                <a:rect l="l" t="t" r="r" b="b"/>
+                <a:pathLst>
+                  <a:path w="175351" h="81972" stroke="0">
+                    <a:moveTo>
+                      <a:pt x="0" y="0"/>
+                    </a:moveTo>
+                    <a:cubicBezTo>
+                      <a:pt x="3026" y="45762"/>
+                      <a:pt x="41000" y="81972"/>
+                      <a:pt x="87528" y="81972"/>
+                    </a:cubicBezTo>
+                    <a:cubicBezTo>
+                      <a:pt x="134001" y="81972"/>
+                      <a:pt x="172248" y="45688"/>
+                      <a:pt x="175351" y="0"/>
+                    </a:cubicBezTo>
+                    <a:lnTo>
+                      <a:pt x="0" y="0"/>
+                    </a:lnTo>
+                    <a:close/>
+                  </a:path>
+                  <a:path w="175351" h="81972" fill="none">
+                    <a:moveTo>
+                      <a:pt x="0" y="0"/>
+                    </a:moveTo>
+                    <a:cubicBezTo>
+                      <a:pt x="3026" y="45762"/>
+                      <a:pt x="41000" y="81972"/>
+                      <a:pt x="87528" y="81972"/>
+                    </a:cubicBezTo>
+                    <a:cubicBezTo>
+                      <a:pt x="134001" y="81972"/>
+                      <a:pt x="172248" y="45688"/>
+                      <a:pt x="175351" y="0"/>
+                    </a:cubicBezTo>
+                    <a:lnTo>
+                      <a:pt x="0" y="0"/>
+                    </a:lnTo>
+                    <a:close/>
+                  </a:path>
+                </a:pathLst>
+              </a:custGeom>
+              <a:solidFill>
+                <a:srgbClr val="FAF5DC"/>
+              </a:solidFill>
+              <a:ln w="7600" cap="flat">
+                <a:noFill/>
+                <a:miter/>
+              </a:ln>
+            </p:spPr>
+          </p:sp>
+          <p:sp>
+            <p:nvSpPr>
+              <p:cNvPr id="1119" name="Freeform 1118">
+                <a:extLst>
+                  <a:ext uri="{FF2B5EF4-FFF2-40B4-BE49-F238E27FC236}">
+                    <a16:creationId xmlns:a16="http://schemas.microsoft.com/office/drawing/2014/main" id="{C396E1AB-6B1A-9FC6-05E2-F84EE7617602}"/>
+                  </a:ext>
+                </a:extLst>
+              </p:cNvPr>
+              <p:cNvSpPr/>
+              <p:nvPr/>
+            </p:nvSpPr>
+            <p:spPr>
+              <a:xfrm>
+                <a:off x="3431337" y="1978395"/>
+                <a:ext cx="181025" cy="54345"/>
+              </a:xfrm>
+              <a:custGeom>
+                <a:avLst/>
+                <a:gdLst/>
+                <a:ahLst/>
+                <a:cxnLst/>
+                <a:rect l="l" t="t" r="r" b="b"/>
+                <a:pathLst>
+                  <a:path w="181025" h="54345" stroke="0">
+                    <a:moveTo>
+                      <a:pt x="181025" y="7612"/>
+                    </a:moveTo>
+                    <a:lnTo>
+                      <a:pt x="159640" y="929"/>
+                    </a:lnTo>
+                    <a:cubicBezTo>
+                      <a:pt x="158840" y="0"/>
+                      <a:pt x="158095" y="0"/>
+                      <a:pt x="157339" y="0"/>
+                    </a:cubicBezTo>
+                    <a:cubicBezTo>
+                      <a:pt x="141230" y="18900"/>
+                      <a:pt x="117291" y="30924"/>
+                      <a:pt x="90513" y="30924"/>
+                    </a:cubicBezTo>
+                    <a:cubicBezTo>
+                      <a:pt x="63734" y="30924"/>
+                      <a:pt x="39794" y="18900"/>
+                      <a:pt x="23686" y="0"/>
+                    </a:cubicBezTo>
+                    <a:cubicBezTo>
+                      <a:pt x="22930" y="0"/>
+                      <a:pt x="22186" y="0"/>
+                      <a:pt x="21385" y="929"/>
+                    </a:cubicBezTo>
+                    <a:lnTo>
+                      <a:pt x="0" y="7612"/>
+                    </a:lnTo>
+                    <a:cubicBezTo>
+                      <a:pt x="20173" y="35864"/>
+                      <a:pt x="53152" y="54345"/>
+                      <a:pt x="90513" y="54345"/>
+                    </a:cubicBezTo>
+                    <a:cubicBezTo>
+                      <a:pt x="127874" y="54345"/>
+                      <a:pt x="160852" y="35864"/>
+                      <a:pt x="181025" y="7612"/>
+                    </a:cubicBezTo>
+                    <a:close/>
+                  </a:path>
+                  <a:path w="181025" h="54345" fill="none">
+                    <a:moveTo>
+                      <a:pt x="181025" y="7612"/>
+                    </a:moveTo>
+                    <a:lnTo>
+                      <a:pt x="159640" y="929"/>
+                    </a:lnTo>
+                    <a:cubicBezTo>
+                      <a:pt x="158840" y="0"/>
+                      <a:pt x="158095" y="0"/>
+                      <a:pt x="157339" y="0"/>
+                    </a:cubicBezTo>
+                    <a:cubicBezTo>
+                      <a:pt x="141230" y="18900"/>
+                      <a:pt x="117291" y="30924"/>
+                      <a:pt x="90513" y="30924"/>
+                    </a:cubicBezTo>
+                    <a:cubicBezTo>
+                      <a:pt x="63734" y="30924"/>
+                      <a:pt x="39794" y="18900"/>
+                      <a:pt x="23686" y="0"/>
+                    </a:cubicBezTo>
+                    <a:cubicBezTo>
+                      <a:pt x="22930" y="0"/>
+                      <a:pt x="22186" y="0"/>
+                      <a:pt x="21385" y="929"/>
+                    </a:cubicBezTo>
+                    <a:lnTo>
+                      <a:pt x="0" y="7612"/>
+                    </a:lnTo>
+                    <a:cubicBezTo>
+                      <a:pt x="20173" y="35864"/>
+                      <a:pt x="53152" y="54345"/>
+                      <a:pt x="90513" y="54345"/>
+                    </a:cubicBezTo>
+                    <a:cubicBezTo>
+                      <a:pt x="127874" y="54345"/>
+                      <a:pt x="160852" y="35864"/>
+                      <a:pt x="181025" y="7612"/>
+                    </a:cubicBezTo>
+                    <a:close/>
+                  </a:path>
+                </a:pathLst>
+              </a:custGeom>
+              <a:solidFill>
+                <a:srgbClr val="ECEAEC"/>
+              </a:solidFill>
+              <a:ln w="7600" cap="flat">
+                <a:noFill/>
+                <a:miter/>
+              </a:ln>
+            </p:spPr>
+          </p:sp>
+          <p:sp>
+            <p:nvSpPr>
+              <p:cNvPr id="1120" name="Freeform 1119">
+                <a:extLst>
+                  <a:ext uri="{FF2B5EF4-FFF2-40B4-BE49-F238E27FC236}">
+                    <a16:creationId xmlns:a16="http://schemas.microsoft.com/office/drawing/2014/main" id="{EAD83F8C-1993-DF6B-236D-0308FC4340E4}"/>
+                  </a:ext>
+                </a:extLst>
+              </p:cNvPr>
+              <p:cNvSpPr/>
+              <p:nvPr/>
+            </p:nvSpPr>
+            <p:spPr>
+              <a:xfrm>
+                <a:off x="3434025" y="1851230"/>
+                <a:ext cx="105332" cy="81972"/>
+              </a:xfrm>
+              <a:custGeom>
+                <a:avLst/>
+                <a:gdLst/>
+                <a:ahLst/>
+                <a:cxnLst/>
+                <a:rect l="l" t="t" r="r" b="b"/>
+                <a:pathLst>
+                  <a:path w="105332" h="81972" stroke="0">
+                    <a:moveTo>
+                      <a:pt x="35388" y="0"/>
+                    </a:moveTo>
+                    <a:lnTo>
+                      <a:pt x="0" y="0"/>
+                    </a:lnTo>
+                    <a:cubicBezTo>
+                      <a:pt x="3103" y="45688"/>
+                      <a:pt x="41350" y="81972"/>
+                      <a:pt x="87823" y="81972"/>
+                    </a:cubicBezTo>
+                    <a:cubicBezTo>
+                      <a:pt x="93824" y="81972"/>
+                      <a:pt x="99673" y="81347"/>
+                      <a:pt x="105332" y="80200"/>
+                    </a:cubicBezTo>
+                    <a:cubicBezTo>
+                      <a:pt x="67135" y="72420"/>
+                      <a:pt x="38018" y="39830"/>
+                      <a:pt x="35388" y="0"/>
+                    </a:cubicBezTo>
+                    <a:close/>
+                  </a:path>
+                  <a:path w="105332" h="81972" fill="none">
+                    <a:moveTo>
+                      <a:pt x="35388" y="0"/>
+                    </a:moveTo>
+                    <a:lnTo>
+                      <a:pt x="0" y="0"/>
+                    </a:lnTo>
+                    <a:cubicBezTo>
+                      <a:pt x="3103" y="45688"/>
+                      <a:pt x="41350" y="81972"/>
+                      <a:pt x="87823" y="81972"/>
+                    </a:cubicBezTo>
+                    <a:cubicBezTo>
+                      <a:pt x="93824" y="81972"/>
+                      <a:pt x="99673" y="81347"/>
+                      <a:pt x="105332" y="80200"/>
+                    </a:cubicBezTo>
+                    <a:cubicBezTo>
+                      <a:pt x="67135" y="72420"/>
+                      <a:pt x="38018" y="39830"/>
+                      <a:pt x="35388" y="0"/>
+                    </a:cubicBezTo>
+                    <a:close/>
+                  </a:path>
+                </a:pathLst>
+              </a:custGeom>
+              <a:solidFill>
+                <a:srgbClr val="F5EBCD"/>
+              </a:solidFill>
+              <a:ln w="7600" cap="flat">
+                <a:noFill/>
+                <a:miter/>
+              </a:ln>
+            </p:spPr>
+          </p:sp>
+          <p:sp>
+            <p:nvSpPr>
+              <p:cNvPr id="1121" name="Freeform 1120">
+                <a:extLst>
+                  <a:ext uri="{FF2B5EF4-FFF2-40B4-BE49-F238E27FC236}">
+                    <a16:creationId xmlns:a16="http://schemas.microsoft.com/office/drawing/2014/main" id="{E3D1156E-7FDD-0066-5B30-7DE563040886}"/>
+                  </a:ext>
+                </a:extLst>
+              </p:cNvPr>
+              <p:cNvSpPr/>
+              <p:nvPr/>
+            </p:nvSpPr>
+            <p:spPr>
+              <a:xfrm>
+                <a:off x="3463675" y="1793051"/>
+                <a:ext cx="116346" cy="40238"/>
+              </a:xfrm>
+              <a:custGeom>
+                <a:avLst/>
+                <a:gdLst/>
+                <a:ahLst/>
+                <a:cxnLst/>
+                <a:rect l="l" t="t" r="r" b="b"/>
+                <a:pathLst>
+                  <a:path w="116346" h="40238" stroke="0">
+                    <a:moveTo>
+                      <a:pt x="17566" y="28904"/>
+                    </a:moveTo>
+                    <a:lnTo>
+                      <a:pt x="17566" y="34759"/>
+                    </a:lnTo>
+                    <a:cubicBezTo>
+                      <a:pt x="17566" y="37785"/>
+                      <a:pt x="20018" y="40238"/>
+                      <a:pt x="23044" y="40238"/>
+                    </a:cubicBezTo>
+                    <a:cubicBezTo>
+                      <a:pt x="26069" y="40238"/>
+                      <a:pt x="28521" y="37785"/>
+                      <a:pt x="28521" y="34759"/>
+                    </a:cubicBezTo>
+                    <a:lnTo>
+                      <a:pt x="28521" y="28904"/>
+                    </a:lnTo>
+                    <a:cubicBezTo>
+                      <a:pt x="28521" y="25879"/>
+                      <a:pt x="26069" y="23426"/>
+                      <a:pt x="23044" y="23426"/>
+                    </a:cubicBezTo>
+                    <a:cubicBezTo>
+                      <a:pt x="20018" y="23426"/>
+                      <a:pt x="17566" y="25879"/>
+                      <a:pt x="17566" y="28904"/>
+                    </a:cubicBezTo>
+                    <a:close/>
+                  </a:path>
+                  <a:path w="116346" h="40238" stroke="0">
+                    <a:moveTo>
+                      <a:pt x="87825" y="28904"/>
+                    </a:moveTo>
+                    <a:lnTo>
+                      <a:pt x="87825" y="34759"/>
+                    </a:lnTo>
+                    <a:cubicBezTo>
+                      <a:pt x="87825" y="37785"/>
+                      <a:pt x="90277" y="40238"/>
+                      <a:pt x="93303" y="40238"/>
+                    </a:cubicBezTo>
+                    <a:cubicBezTo>
+                      <a:pt x="96328" y="40238"/>
+                      <a:pt x="98781" y="37785"/>
+                      <a:pt x="98781" y="34759"/>
+                    </a:cubicBezTo>
+                    <a:lnTo>
+                      <a:pt x="98781" y="28904"/>
+                    </a:lnTo>
+                    <a:cubicBezTo>
+                      <a:pt x="98781" y="25879"/>
+                      <a:pt x="96328" y="23426"/>
+                      <a:pt x="93303" y="23426"/>
+                    </a:cubicBezTo>
+                    <a:cubicBezTo>
+                      <a:pt x="90277" y="23426"/>
+                      <a:pt x="87825" y="25879"/>
+                      <a:pt x="87825" y="28904"/>
+                    </a:cubicBezTo>
+                    <a:close/>
+                  </a:path>
+                  <a:path w="116346" h="40238" stroke="0">
+                    <a:moveTo>
+                      <a:pt x="34213" y="4155"/>
+                    </a:moveTo>
+                    <a:cubicBezTo>
+                      <a:pt x="33479" y="1220"/>
+                      <a:pt x="30505" y="0"/>
+                      <a:pt x="27570" y="0"/>
+                    </a:cubicBezTo>
+                    <a:lnTo>
+                      <a:pt x="4151" y="6025"/>
+                    </a:lnTo>
+                    <a:cubicBezTo>
+                      <a:pt x="1216" y="6758"/>
+                      <a:pt x="0" y="9733"/>
+                      <a:pt x="0" y="12668"/>
+                    </a:cubicBezTo>
+                    <a:cubicBezTo>
+                      <a:pt x="774" y="15105"/>
+                      <a:pt x="2963" y="16816"/>
+                      <a:pt x="5475" y="16819"/>
+                    </a:cubicBezTo>
+                    <a:cubicBezTo>
+                      <a:pt x="5914" y="16819"/>
+                      <a:pt x="6361" y="16765"/>
+                      <a:pt x="6808" y="16654"/>
+                    </a:cubicBezTo>
+                    <a:lnTo>
+                      <a:pt x="30227" y="10799"/>
+                    </a:lnTo>
+                    <a:cubicBezTo>
+                      <a:pt x="33162" y="10065"/>
+                      <a:pt x="34946" y="7091"/>
+                      <a:pt x="34213" y="4155"/>
+                    </a:cubicBezTo>
+                    <a:close/>
+                  </a:path>
+                  <a:path w="116346" h="40238" stroke="0">
+                    <a:moveTo>
+                      <a:pt x="110871" y="16819"/>
+                    </a:moveTo>
+                    <a:cubicBezTo>
+                      <a:pt x="113383" y="16816"/>
+                      <a:pt x="115572" y="15105"/>
+                      <a:pt x="116181" y="12668"/>
+                    </a:cubicBezTo>
+                    <a:cubicBezTo>
+                      <a:pt x="116915" y="9733"/>
+                      <a:pt x="115131" y="6758"/>
+                      <a:pt x="112196" y="6025"/>
+                    </a:cubicBezTo>
+                    <a:lnTo>
+                      <a:pt x="88776" y="0"/>
+                    </a:lnTo>
+                    <a:cubicBezTo>
+                      <a:pt x="86874" y="0"/>
+                      <a:pt x="84858" y="0"/>
+                      <a:pt x="83492" y="1665"/>
+                    </a:cubicBezTo>
+                    <a:cubicBezTo>
+                      <a:pt x="82126" y="3074"/>
+                      <a:pt x="81618" y="5106"/>
+                      <a:pt x="82160" y="6993"/>
+                    </a:cubicBezTo>
+                    <a:cubicBezTo>
+                      <a:pt x="82703" y="8879"/>
+                      <a:pt x="84213" y="10331"/>
+                      <a:pt x="86119" y="10799"/>
+                    </a:cubicBezTo>
+                    <a:lnTo>
+                      <a:pt x="109538" y="16654"/>
+                    </a:lnTo>
+                    <a:cubicBezTo>
+                      <a:pt x="109974" y="16763"/>
+                      <a:pt x="110422" y="16819"/>
+                      <a:pt x="110871" y="16819"/>
+                    </a:cubicBezTo>
+                    <a:close/>
+                  </a:path>
+                  <a:path w="116346" h="40238" fill="none">
+                    <a:moveTo>
+                      <a:pt x="17566" y="28904"/>
+                    </a:moveTo>
+                    <a:lnTo>
+                      <a:pt x="17566" y="34759"/>
+                    </a:lnTo>
+                    <a:cubicBezTo>
+                      <a:pt x="17566" y="37785"/>
+                      <a:pt x="20018" y="40238"/>
+                      <a:pt x="23044" y="40238"/>
+                    </a:cubicBezTo>
+                    <a:cubicBezTo>
+                      <a:pt x="26069" y="40238"/>
+                      <a:pt x="28521" y="37785"/>
+                      <a:pt x="28521" y="34759"/>
+                    </a:cubicBezTo>
+                    <a:lnTo>
+                      <a:pt x="28521" y="28904"/>
+                    </a:lnTo>
+                    <a:cubicBezTo>
+                      <a:pt x="28521" y="25879"/>
+                      <a:pt x="26069" y="23426"/>
+                      <a:pt x="23044" y="23426"/>
+                    </a:cubicBezTo>
+                    <a:cubicBezTo>
+                      <a:pt x="20018" y="23426"/>
+                      <a:pt x="17566" y="25879"/>
+                      <a:pt x="17566" y="28904"/>
+                    </a:cubicBezTo>
+                    <a:close/>
+                  </a:path>
+                  <a:path w="116346" h="40238" fill="none">
+                    <a:moveTo>
+                      <a:pt x="87825" y="28904"/>
+                    </a:moveTo>
+                    <a:lnTo>
+                      <a:pt x="87825" y="34759"/>
+                    </a:lnTo>
+                    <a:cubicBezTo>
+                      <a:pt x="87825" y="37785"/>
+                      <a:pt x="90277" y="40238"/>
+                      <a:pt x="93303" y="40238"/>
+                    </a:cubicBezTo>
+                    <a:cubicBezTo>
+                      <a:pt x="96328" y="40238"/>
+                      <a:pt x="98781" y="37785"/>
+                      <a:pt x="98781" y="34759"/>
+                    </a:cubicBezTo>
+                    <a:lnTo>
+                      <a:pt x="98781" y="28904"/>
+                    </a:lnTo>
+                    <a:cubicBezTo>
+                      <a:pt x="98781" y="25879"/>
+                      <a:pt x="96328" y="23426"/>
+                      <a:pt x="93303" y="23426"/>
+                    </a:cubicBezTo>
+                    <a:cubicBezTo>
+                      <a:pt x="90277" y="23426"/>
+                      <a:pt x="87825" y="25879"/>
+                      <a:pt x="87825" y="28904"/>
+                    </a:cubicBezTo>
+                    <a:close/>
+                  </a:path>
+                  <a:path w="116346" h="40238" fill="none">
+                    <a:moveTo>
+                      <a:pt x="34213" y="4155"/>
+                    </a:moveTo>
+                    <a:cubicBezTo>
+                      <a:pt x="33479" y="1220"/>
+                      <a:pt x="30505" y="0"/>
+                      <a:pt x="27570" y="0"/>
+                    </a:cubicBezTo>
+                    <a:lnTo>
+                      <a:pt x="4151" y="6025"/>
+                    </a:lnTo>
+                    <a:cubicBezTo>
+                      <a:pt x="1216" y="6758"/>
+                      <a:pt x="0" y="9733"/>
+                      <a:pt x="0" y="12668"/>
+                    </a:cubicBezTo>
+                    <a:cubicBezTo>
+                      <a:pt x="774" y="15105"/>
+                      <a:pt x="2963" y="16816"/>
+                      <a:pt x="5475" y="16819"/>
+                    </a:cubicBezTo>
+                    <a:cubicBezTo>
+                      <a:pt x="5914" y="16819"/>
+                      <a:pt x="6361" y="16765"/>
+                      <a:pt x="6808" y="16654"/>
+                    </a:cubicBezTo>
+                    <a:lnTo>
+                      <a:pt x="30227" y="10799"/>
+                    </a:lnTo>
+                    <a:cubicBezTo>
+                      <a:pt x="33162" y="10065"/>
+                      <a:pt x="34946" y="7091"/>
+                      <a:pt x="34213" y="4155"/>
+                    </a:cubicBezTo>
+                    <a:close/>
+                  </a:path>
+                  <a:path w="116346" h="40238" fill="none">
+                    <a:moveTo>
+                      <a:pt x="110871" y="16819"/>
+                    </a:moveTo>
+                    <a:cubicBezTo>
+                      <a:pt x="113383" y="16816"/>
+                      <a:pt x="115572" y="15105"/>
+                      <a:pt x="116181" y="12668"/>
+                    </a:cubicBezTo>
+                    <a:cubicBezTo>
+                      <a:pt x="116915" y="9733"/>
+                      <a:pt x="115131" y="6758"/>
+                      <a:pt x="112196" y="6025"/>
+                    </a:cubicBezTo>
+                    <a:lnTo>
+                      <a:pt x="88776" y="0"/>
+                    </a:lnTo>
+                    <a:cubicBezTo>
+                      <a:pt x="86874" y="0"/>
+                      <a:pt x="84858" y="0"/>
+                      <a:pt x="83492" y="1665"/>
+                    </a:cubicBezTo>
+                    <a:cubicBezTo>
+                      <a:pt x="82126" y="3074"/>
+                      <a:pt x="81618" y="5106"/>
+                      <a:pt x="82160" y="6993"/>
+                    </a:cubicBezTo>
+                    <a:cubicBezTo>
+                      <a:pt x="82703" y="8879"/>
+                      <a:pt x="84213" y="10331"/>
+                      <a:pt x="86119" y="10799"/>
+                    </a:cubicBezTo>
+                    <a:lnTo>
+                      <a:pt x="109538" y="16654"/>
+                    </a:lnTo>
+                    <a:cubicBezTo>
+                      <a:pt x="109974" y="16763"/>
+                      <a:pt x="110422" y="16819"/>
+                      <a:pt x="110871" y="16819"/>
+                    </a:cubicBezTo>
+                    <a:close/>
+                  </a:path>
+                </a:pathLst>
+              </a:custGeom>
+              <a:solidFill>
+                <a:srgbClr val="000000"/>
+              </a:solidFill>
+              <a:ln w="7600" cap="flat">
+                <a:noFill/>
+                <a:miter/>
+              </a:ln>
+            </p:spPr>
+          </p:sp>
+          <p:sp>
+            <p:nvSpPr>
+              <p:cNvPr id="1122" name="Freeform 1121">
+                <a:extLst>
+                  <a:ext uri="{FF2B5EF4-FFF2-40B4-BE49-F238E27FC236}">
+                    <a16:creationId xmlns:a16="http://schemas.microsoft.com/office/drawing/2014/main" id="{14FE7633-B198-FE91-51D4-68D8B01A7C69}"/>
+                  </a:ext>
+                </a:extLst>
+              </p:cNvPr>
+              <p:cNvSpPr/>
+              <p:nvPr/>
+            </p:nvSpPr>
+            <p:spPr>
+              <a:xfrm>
+                <a:off x="3369998" y="1664243"/>
+                <a:ext cx="303700" cy="373975"/>
+              </a:xfrm>
+              <a:custGeom>
+                <a:avLst/>
+                <a:gdLst/>
+                <a:ahLst/>
+                <a:cxnLst/>
+                <a:rect l="l" t="t" r="r" b="b"/>
+                <a:pathLst>
+                  <a:path w="303700" h="373975" stroke="0">
+                    <a:moveTo>
+                      <a:pt x="283423" y="328857"/>
+                    </a:moveTo>
+                    <a:lnTo>
+                      <a:pt x="222612" y="309853"/>
+                    </a:lnTo>
+                    <a:cubicBezTo>
+                      <a:pt x="215082" y="307499"/>
+                      <a:pt x="210022" y="300617"/>
+                      <a:pt x="210022" y="292727"/>
+                    </a:cubicBezTo>
+                    <a:lnTo>
+                      <a:pt x="210022" y="280670"/>
+                    </a:lnTo>
+                    <a:cubicBezTo>
+                      <a:pt x="210022" y="277645"/>
+                      <a:pt x="207570" y="275192"/>
+                      <a:pt x="204545" y="275192"/>
+                    </a:cubicBezTo>
+                    <a:cubicBezTo>
+                      <a:pt x="201519" y="275192"/>
+                      <a:pt x="199067" y="277645"/>
+                      <a:pt x="199067" y="280670"/>
+                    </a:cubicBezTo>
+                    <a:lnTo>
+                      <a:pt x="199067" y="292727"/>
+                    </a:lnTo>
+                    <a:cubicBezTo>
+                      <a:pt x="199067" y="301834"/>
+                      <a:pt x="203252" y="310106"/>
+                      <a:pt x="210087" y="315458"/>
+                    </a:cubicBezTo>
+                    <a:cubicBezTo>
+                      <a:pt x="194688" y="330858"/>
+                      <a:pt x="173754" y="339599"/>
+                      <a:pt x="151851" y="339599"/>
+                    </a:cubicBezTo>
+                    <a:cubicBezTo>
+                      <a:pt x="129990" y="339599"/>
+                      <a:pt x="109005" y="330853"/>
+                      <a:pt x="93609" y="315463"/>
+                    </a:cubicBezTo>
+                    <a:cubicBezTo>
+                      <a:pt x="100447" y="310111"/>
+                      <a:pt x="104635" y="301836"/>
+                      <a:pt x="104635" y="292728"/>
+                    </a:cubicBezTo>
+                    <a:lnTo>
+                      <a:pt x="104635" y="261600"/>
+                    </a:lnTo>
+                    <a:cubicBezTo>
+                      <a:pt x="118822" y="269961"/>
+                      <a:pt x="135047" y="274439"/>
+                      <a:pt x="151851" y="274439"/>
+                    </a:cubicBezTo>
+                    <a:cubicBezTo>
+                      <a:pt x="175677" y="274439"/>
+                      <a:pt x="198347" y="265448"/>
+                      <a:pt x="215683" y="249124"/>
+                    </a:cubicBezTo>
+                    <a:cubicBezTo>
+                      <a:pt x="231675" y="234066"/>
+                      <a:pt x="241742" y="214105"/>
+                      <a:pt x="244366" y="192466"/>
+                    </a:cubicBezTo>
+                    <a:lnTo>
+                      <a:pt x="251384" y="192466"/>
+                    </a:lnTo>
+                    <a:cubicBezTo>
+                      <a:pt x="257703" y="192455"/>
+                      <a:pt x="263742" y="189860"/>
+                      <a:pt x="268100" y="185284"/>
+                    </a:cubicBezTo>
+                    <a:cubicBezTo>
+                      <a:pt x="272493" y="180654"/>
+                      <a:pt x="274729" y="174584"/>
+                      <a:pt x="274394" y="168192"/>
+                    </a:cubicBezTo>
+                    <a:cubicBezTo>
+                      <a:pt x="273979" y="160254"/>
+                      <a:pt x="269390" y="153437"/>
+                      <a:pt x="262717" y="149625"/>
+                    </a:cubicBezTo>
+                    <a:lnTo>
+                      <a:pt x="262717" y="64029"/>
+                    </a:lnTo>
+                    <a:cubicBezTo>
+                      <a:pt x="262717" y="28724"/>
+                      <a:pt x="233995" y="0"/>
+                      <a:pt x="198690" y="0"/>
+                    </a:cubicBezTo>
+                    <a:lnTo>
+                      <a:pt x="122576" y="0"/>
+                    </a:lnTo>
+                    <a:cubicBezTo>
+                      <a:pt x="110915" y="0"/>
+                      <a:pt x="100556" y="7041"/>
+                      <a:pt x="96077" y="17565"/>
+                    </a:cubicBezTo>
+                    <a:lnTo>
+                      <a:pt x="87446" y="17565"/>
+                    </a:lnTo>
+                    <a:cubicBezTo>
+                      <a:pt x="61827" y="17565"/>
+                      <a:pt x="40984" y="38409"/>
+                      <a:pt x="40984" y="64029"/>
+                    </a:cubicBezTo>
+                    <a:lnTo>
+                      <a:pt x="40984" y="130837"/>
+                    </a:lnTo>
+                    <a:cubicBezTo>
+                      <a:pt x="40984" y="133862"/>
+                      <a:pt x="43437" y="136315"/>
+                      <a:pt x="46462" y="136315"/>
+                    </a:cubicBezTo>
+                    <a:cubicBezTo>
+                      <a:pt x="49488" y="136315"/>
+                      <a:pt x="51940" y="133862"/>
+                      <a:pt x="51940" y="130837"/>
+                    </a:cubicBezTo>
+                    <a:lnTo>
+                      <a:pt x="51940" y="64029"/>
+                    </a:lnTo>
+                    <a:cubicBezTo>
+                      <a:pt x="51940" y="44450"/>
+                      <a:pt x="67868" y="28521"/>
+                      <a:pt x="87446" y="28521"/>
+                    </a:cubicBezTo>
+                    <a:lnTo>
+                      <a:pt x="99984" y="28521"/>
+                    </a:lnTo>
+                    <a:cubicBezTo>
+                      <a:pt x="102481" y="28521"/>
+                      <a:pt x="104661" y="26833"/>
+                      <a:pt x="105287" y="24417"/>
+                    </a:cubicBezTo>
+                    <a:cubicBezTo>
+                      <a:pt x="107340" y="16491"/>
+                      <a:pt x="114450" y="10956"/>
+                      <a:pt x="122576" y="10956"/>
+                    </a:cubicBezTo>
+                    <a:lnTo>
+                      <a:pt x="198689" y="10956"/>
+                    </a:lnTo>
+                    <a:cubicBezTo>
+                      <a:pt x="227953" y="10956"/>
+                      <a:pt x="251760" y="34765"/>
+                      <a:pt x="251760" y="64029"/>
+                    </a:cubicBezTo>
+                    <a:lnTo>
+                      <a:pt x="251760" y="146419"/>
+                    </a:lnTo>
+                    <a:cubicBezTo>
+                      <a:pt x="251304" y="146393"/>
+                      <a:pt x="250847" y="146380"/>
+                      <a:pt x="250390" y="146378"/>
+                    </a:cubicBezTo>
+                    <a:lnTo>
+                      <a:pt x="245529" y="146378"/>
+                    </a:lnTo>
+                    <a:cubicBezTo>
+                      <a:pt x="238864" y="146378"/>
+                      <a:pt x="233442" y="140957"/>
+                      <a:pt x="233442" y="134292"/>
+                    </a:cubicBezTo>
+                    <a:lnTo>
+                      <a:pt x="233442" y="105016"/>
+                    </a:lnTo>
+                    <a:cubicBezTo>
+                      <a:pt x="233442" y="89081"/>
+                      <a:pt x="220478" y="76116"/>
+                      <a:pt x="204545" y="76116"/>
+                    </a:cubicBezTo>
+                    <a:cubicBezTo>
+                      <a:pt x="201519" y="76116"/>
+                      <a:pt x="199067" y="78569"/>
+                      <a:pt x="199067" y="81595"/>
+                    </a:cubicBezTo>
+                    <a:cubicBezTo>
+                      <a:pt x="199067" y="84620"/>
+                      <a:pt x="201519" y="87073"/>
+                      <a:pt x="204545" y="87073"/>
+                    </a:cubicBezTo>
+                    <a:cubicBezTo>
+                      <a:pt x="214438" y="87073"/>
+                      <a:pt x="222486" y="95122"/>
+                      <a:pt x="222486" y="105016"/>
+                    </a:cubicBezTo>
+                    <a:lnTo>
+                      <a:pt x="222486" y="134292"/>
+                    </a:lnTo>
+                    <a:cubicBezTo>
+                      <a:pt x="222486" y="142880"/>
+                      <a:pt x="227211" y="150380"/>
+                      <a:pt x="234195" y="154343"/>
+                    </a:cubicBezTo>
+                    <a:lnTo>
+                      <a:pt x="234195" y="169422"/>
+                    </a:lnTo>
+                    <a:cubicBezTo>
+                      <a:pt x="234195" y="176087"/>
+                      <a:pt x="228774" y="181509"/>
+                      <a:pt x="222109" y="181509"/>
+                    </a:cubicBezTo>
+                    <a:lnTo>
+                      <a:pt x="81592" y="181509"/>
+                    </a:lnTo>
+                    <a:cubicBezTo>
+                      <a:pt x="74928" y="181509"/>
+                      <a:pt x="69506" y="176087"/>
+                      <a:pt x="69506" y="169422"/>
+                    </a:cubicBezTo>
+                    <a:lnTo>
+                      <a:pt x="69506" y="154343"/>
+                    </a:lnTo>
+                    <a:cubicBezTo>
+                      <a:pt x="76490" y="150380"/>
+                      <a:pt x="81215" y="142879"/>
+                      <a:pt x="81215" y="134292"/>
+                    </a:cubicBezTo>
+                    <a:lnTo>
+                      <a:pt x="81215" y="105016"/>
+                    </a:lnTo>
+                    <a:cubicBezTo>
+                      <a:pt x="81215" y="95122"/>
+                      <a:pt x="89264" y="87073"/>
+                      <a:pt x="99157" y="87073"/>
+                    </a:cubicBezTo>
+                    <a:lnTo>
+                      <a:pt x="181123" y="87073"/>
+                    </a:lnTo>
+                    <a:cubicBezTo>
+                      <a:pt x="184148" y="87073"/>
+                      <a:pt x="186601" y="84620"/>
+                      <a:pt x="186601" y="81595"/>
+                    </a:cubicBezTo>
+                    <a:cubicBezTo>
+                      <a:pt x="186601" y="78569"/>
+                      <a:pt x="184148" y="76116"/>
+                      <a:pt x="181123" y="76116"/>
+                    </a:cubicBezTo>
+                    <a:lnTo>
+                      <a:pt x="99157" y="76116"/>
+                    </a:lnTo>
+                    <a:cubicBezTo>
+                      <a:pt x="83223" y="76116"/>
+                      <a:pt x="70260" y="89081"/>
+                      <a:pt x="70260" y="105016"/>
+                    </a:cubicBezTo>
+                    <a:lnTo>
+                      <a:pt x="70260" y="134292"/>
+                    </a:lnTo>
+                    <a:cubicBezTo>
+                      <a:pt x="70260" y="140957"/>
+                      <a:pt x="64837" y="146378"/>
+                      <a:pt x="58172" y="146378"/>
+                    </a:cubicBezTo>
+                    <a:lnTo>
+                      <a:pt x="53312" y="146378"/>
+                    </a:lnTo>
+                    <a:cubicBezTo>
+                      <a:pt x="40492" y="146378"/>
+                      <a:pt x="29948" y="155959"/>
+                      <a:pt x="29308" y="168191"/>
+                    </a:cubicBezTo>
+                    <a:cubicBezTo>
+                      <a:pt x="28973" y="174583"/>
+                      <a:pt x="31209" y="180654"/>
+                      <a:pt x="35602" y="185283"/>
+                    </a:cubicBezTo>
+                    <a:cubicBezTo>
+                      <a:pt x="39960" y="189859"/>
+                      <a:pt x="45999" y="192454"/>
+                      <a:pt x="52318" y="192466"/>
+                    </a:cubicBezTo>
+                    <a:lnTo>
+                      <a:pt x="59336" y="192466"/>
+                    </a:lnTo>
+                    <a:cubicBezTo>
+                      <a:pt x="61960" y="214104"/>
+                      <a:pt x="72027" y="234065"/>
+                      <a:pt x="88019" y="249123"/>
+                    </a:cubicBezTo>
+                    <a:cubicBezTo>
+                      <a:pt x="89840" y="250835"/>
+                      <a:pt x="91728" y="252474"/>
+                      <a:pt x="93680" y="254035"/>
+                    </a:cubicBezTo>
+                    <a:lnTo>
+                      <a:pt x="93680" y="292727"/>
+                    </a:lnTo>
+                    <a:cubicBezTo>
+                      <a:pt x="93680" y="300617"/>
+                      <a:pt x="88620" y="307500"/>
+                      <a:pt x="81090" y="309853"/>
+                    </a:cubicBezTo>
+                    <a:lnTo>
+                      <a:pt x="20278" y="328857"/>
+                    </a:lnTo>
+                    <a:cubicBezTo>
+                      <a:pt x="8150" y="332647"/>
+                      <a:pt x="0" y="343732"/>
+                      <a:pt x="0" y="356439"/>
+                    </a:cubicBezTo>
+                    <a:lnTo>
+                      <a:pt x="0" y="368497"/>
+                    </a:lnTo>
+                    <a:cubicBezTo>
+                      <a:pt x="0" y="371523"/>
+                      <a:pt x="2453" y="373975"/>
+                      <a:pt x="5478" y="373975"/>
+                    </a:cubicBezTo>
+                    <a:cubicBezTo>
+                      <a:pt x="8503" y="373975"/>
+                      <a:pt x="10956" y="371523"/>
+                      <a:pt x="10956" y="368497"/>
+                    </a:cubicBezTo>
+                    <a:lnTo>
+                      <a:pt x="10956" y="356440"/>
+                    </a:lnTo>
+                    <a:cubicBezTo>
+                      <a:pt x="10956" y="348550"/>
+                      <a:pt x="16015" y="341668"/>
+                      <a:pt x="23546" y="339315"/>
+                    </a:cubicBezTo>
+                    <a:lnTo>
+                      <a:pt x="59159" y="328186"/>
+                    </a:lnTo>
+                    <a:cubicBezTo>
+                      <a:pt x="69555" y="341743"/>
+                      <a:pt x="82958" y="353016"/>
+                      <a:pt x="98082" y="360878"/>
+                    </a:cubicBezTo>
+                    <a:cubicBezTo>
+                      <a:pt x="114561" y="369447"/>
+                      <a:pt x="133154" y="373975"/>
+                      <a:pt x="151851" y="373975"/>
+                    </a:cubicBezTo>
+                    <a:cubicBezTo>
+                      <a:pt x="170445" y="373975"/>
+                      <a:pt x="188949" y="369493"/>
+                      <a:pt x="205360" y="361013"/>
+                    </a:cubicBezTo>
+                    <a:cubicBezTo>
+                      <a:pt x="220585" y="353146"/>
+                      <a:pt x="234084" y="341819"/>
+                      <a:pt x="244538" y="328184"/>
+                    </a:cubicBezTo>
+                    <a:lnTo>
+                      <a:pt x="280154" y="339315"/>
+                    </a:lnTo>
+                    <a:cubicBezTo>
+                      <a:pt x="287684" y="341668"/>
+                      <a:pt x="292744" y="348550"/>
+                      <a:pt x="292744" y="356440"/>
+                    </a:cubicBezTo>
+                    <a:lnTo>
+                      <a:pt x="292744" y="368497"/>
+                    </a:lnTo>
+                    <a:cubicBezTo>
+                      <a:pt x="292744" y="371523"/>
+                      <a:pt x="295197" y="373975"/>
+                      <a:pt x="298222" y="373975"/>
+                    </a:cubicBezTo>
+                    <a:cubicBezTo>
+                      <a:pt x="301247" y="373975"/>
+                      <a:pt x="303700" y="371523"/>
+                      <a:pt x="303700" y="368497"/>
+                    </a:cubicBezTo>
+                    <a:lnTo>
+                      <a:pt x="303700" y="356440"/>
+                    </a:lnTo>
+                    <a:cubicBezTo>
+                      <a:pt x="303700" y="343732"/>
+                      <a:pt x="295552" y="332647"/>
+                      <a:pt x="283423" y="328857"/>
+                    </a:cubicBezTo>
+                    <a:close/>
+                    <a:moveTo>
+                      <a:pt x="245152" y="157326"/>
+                    </a:moveTo>
+                    <a:cubicBezTo>
+                      <a:pt x="245160" y="157326"/>
+                      <a:pt x="245159" y="157326"/>
+                      <a:pt x="245152" y="157326"/>
+                    </a:cubicBezTo>
+                    <a:close/>
+                    <a:moveTo>
+                      <a:pt x="245152" y="169422"/>
+                    </a:moveTo>
+                    <a:lnTo>
+                      <a:pt x="245152" y="157336"/>
+                    </a:lnTo>
+                    <a:lnTo>
+                      <a:pt x="250390" y="157336"/>
+                    </a:lnTo>
+                    <a:cubicBezTo>
+                      <a:pt x="257263" y="157336"/>
+                      <a:pt x="263123" y="162462"/>
+                      <a:pt x="263453" y="168764"/>
+                    </a:cubicBezTo>
+                    <a:cubicBezTo>
+                      <a:pt x="263629" y="172125"/>
+                      <a:pt x="262457" y="175313"/>
+                      <a:pt x="260153" y="177741"/>
+                    </a:cubicBezTo>
+                    <a:cubicBezTo>
+                      <a:pt x="257846" y="180171"/>
+                      <a:pt x="254732" y="181510"/>
+                      <a:pt x="251384" y="181510"/>
+                    </a:cubicBezTo>
+                    <a:lnTo>
+                      <a:pt x="241716" y="181510"/>
+                    </a:lnTo>
+                    <a:cubicBezTo>
+                      <a:pt x="243966" y="177880"/>
+                      <a:pt x="245156" y="173693"/>
+                      <a:pt x="245152" y="169422"/>
+                    </a:cubicBezTo>
+                    <a:close/>
+                    <a:moveTo>
+                      <a:pt x="52318" y="181510"/>
+                    </a:moveTo>
+                    <a:cubicBezTo>
+                      <a:pt x="48969" y="181510"/>
+                      <a:pt x="45855" y="180171"/>
+                      <a:pt x="43549" y="177740"/>
+                    </a:cubicBezTo>
+                    <a:cubicBezTo>
+                      <a:pt x="41244" y="175313"/>
+                      <a:pt x="40073" y="172124"/>
+                      <a:pt x="40248" y="168764"/>
+                    </a:cubicBezTo>
+                    <a:cubicBezTo>
+                      <a:pt x="40578" y="162462"/>
+                      <a:pt x="46438" y="157335"/>
+                      <a:pt x="53311" y="157335"/>
+                    </a:cubicBezTo>
+                    <a:lnTo>
+                      <a:pt x="58549" y="157335"/>
+                    </a:lnTo>
+                    <a:lnTo>
+                      <a:pt x="58549" y="169422"/>
+                    </a:lnTo>
+                    <a:cubicBezTo>
+                      <a:pt x="58545" y="173692"/>
+                      <a:pt x="59735" y="177879"/>
+                      <a:pt x="61985" y="181509"/>
+                    </a:cubicBezTo>
+                    <a:lnTo>
+                      <a:pt x="52318" y="181509"/>
+                    </a:lnTo>
+                    <a:close/>
+                    <a:moveTo>
+                      <a:pt x="70385" y="192466"/>
+                    </a:moveTo>
+                    <a:lnTo>
+                      <a:pt x="233315" y="192466"/>
+                    </a:lnTo>
+                    <a:cubicBezTo>
+                      <a:pt x="232732" y="196685"/>
+                      <a:pt x="231820" y="200853"/>
+                      <a:pt x="230586" y="204930"/>
+                    </a:cubicBezTo>
+                    <a:lnTo>
+                      <a:pt x="128432" y="204930"/>
+                    </a:lnTo>
+                    <a:cubicBezTo>
+                      <a:pt x="125406" y="204930"/>
+                      <a:pt x="122953" y="207382"/>
+                      <a:pt x="122953" y="210408"/>
+                    </a:cubicBezTo>
+                    <a:cubicBezTo>
+                      <a:pt x="122953" y="213433"/>
+                      <a:pt x="125406" y="215886"/>
+                      <a:pt x="128432" y="215886"/>
+                    </a:cubicBezTo>
+                    <a:lnTo>
+                      <a:pt x="216658" y="215886"/>
+                    </a:lnTo>
+                    <a:cubicBezTo>
+                      <a:pt x="201091" y="227336"/>
+                      <a:pt x="177270" y="234206"/>
+                      <a:pt x="151851" y="234206"/>
+                    </a:cubicBezTo>
+                    <a:cubicBezTo>
+                      <a:pt x="126430" y="234206"/>
+                      <a:pt x="102611" y="227336"/>
+                      <a:pt x="87043" y="215886"/>
+                    </a:cubicBezTo>
+                    <a:lnTo>
+                      <a:pt x="105013" y="215886"/>
+                    </a:lnTo>
+                    <a:cubicBezTo>
+                      <a:pt x="108038" y="215886"/>
+                      <a:pt x="110491" y="213433"/>
+                      <a:pt x="110491" y="210408"/>
+                    </a:cubicBezTo>
+                    <a:cubicBezTo>
+                      <a:pt x="110491" y="207382"/>
+                      <a:pt x="108038" y="204930"/>
+                      <a:pt x="105013" y="204930"/>
+                    </a:cubicBezTo>
+                    <a:lnTo>
+                      <a:pt x="73115" y="204930"/>
+                    </a:lnTo>
+                    <a:cubicBezTo>
+                      <a:pt x="71881" y="200853"/>
+                      <a:pt x="70969" y="196685"/>
+                      <a:pt x="70385" y="192466"/>
+                    </a:cubicBezTo>
+                    <a:close/>
+                    <a:moveTo>
+                      <a:pt x="83429" y="226758"/>
+                    </a:moveTo>
+                    <a:cubicBezTo>
+                      <a:pt x="100812" y="238442"/>
+                      <a:pt x="125273" y="245162"/>
+                      <a:pt x="151851" y="245162"/>
+                    </a:cubicBezTo>
+                    <a:cubicBezTo>
+                      <a:pt x="178428" y="245162"/>
+                      <a:pt x="202889" y="238442"/>
+                      <a:pt x="220272" y="226757"/>
+                    </a:cubicBezTo>
+                    <a:cubicBezTo>
+                      <a:pt x="205447" y="248938"/>
+                      <a:pt x="180183" y="263481"/>
+                      <a:pt x="151851" y="263481"/>
+                    </a:cubicBezTo>
+                    <a:cubicBezTo>
+                      <a:pt x="123518" y="263481"/>
+                      <a:pt x="98254" y="248938"/>
+                      <a:pt x="83429" y="226758"/>
+                    </a:cubicBezTo>
+                    <a:close/>
+                    <a:moveTo>
+                      <a:pt x="200330" y="351279"/>
+                    </a:moveTo>
+                    <a:cubicBezTo>
+                      <a:pt x="185255" y="359069"/>
+                      <a:pt x="168944" y="363019"/>
+                      <a:pt x="151851" y="363019"/>
+                    </a:cubicBezTo>
+                    <a:cubicBezTo>
+                      <a:pt x="120367" y="363019"/>
+                      <a:pt x="90379" y="348798"/>
+                      <a:pt x="70371" y="324681"/>
+                    </a:cubicBezTo>
+                    <a:lnTo>
+                      <a:pt x="83377" y="320617"/>
+                    </a:lnTo>
+                    <a:cubicBezTo>
+                      <a:pt x="101008" y="339656"/>
+                      <a:pt x="125882" y="350555"/>
+                      <a:pt x="151851" y="350555"/>
+                    </a:cubicBezTo>
+                    <a:cubicBezTo>
+                      <a:pt x="177872" y="350555"/>
+                      <a:pt x="202691" y="339674"/>
+                      <a:pt x="220333" y="320620"/>
+                    </a:cubicBezTo>
+                    <a:lnTo>
+                      <a:pt x="233334" y="324683"/>
+                    </a:lnTo>
+                    <a:cubicBezTo>
+                      <a:pt x="224246" y="335636"/>
+                      <a:pt x="212937" y="344765"/>
+                      <a:pt x="200330" y="351279"/>
+                    </a:cubicBezTo>
+                    <a:close/>
+                  </a:path>
+                  <a:path w="303700" h="373975" fill="none">
+                    <a:moveTo>
+                      <a:pt x="283423" y="328857"/>
+                    </a:moveTo>
+                    <a:lnTo>
+                      <a:pt x="222612" y="309853"/>
+                    </a:lnTo>
+                    <a:cubicBezTo>
+                      <a:pt x="215082" y="307499"/>
+                      <a:pt x="210022" y="300617"/>
+                      <a:pt x="210022" y="292727"/>
+                    </a:cubicBezTo>
+                    <a:lnTo>
+                      <a:pt x="210022" y="280670"/>
+                    </a:lnTo>
+                    <a:cubicBezTo>
+                      <a:pt x="210022" y="277645"/>
+                      <a:pt x="207570" y="275192"/>
+                      <a:pt x="204545" y="275192"/>
+                    </a:cubicBezTo>
+                    <a:cubicBezTo>
+                      <a:pt x="201519" y="275192"/>
+                      <a:pt x="199067" y="277645"/>
+                      <a:pt x="199067" y="280670"/>
+                    </a:cubicBezTo>
+                    <a:lnTo>
+                      <a:pt x="199067" y="292727"/>
+                    </a:lnTo>
+                    <a:cubicBezTo>
+                      <a:pt x="199067" y="301834"/>
+                      <a:pt x="203252" y="310106"/>
+                      <a:pt x="210087" y="315458"/>
+                    </a:cubicBezTo>
+                    <a:cubicBezTo>
+                      <a:pt x="194688" y="330858"/>
+                      <a:pt x="173754" y="339599"/>
+                      <a:pt x="151851" y="339599"/>
+                    </a:cubicBezTo>
+                    <a:cubicBezTo>
+                      <a:pt x="129990" y="339599"/>
+                      <a:pt x="109005" y="330853"/>
+                      <a:pt x="93609" y="315463"/>
+                    </a:cubicBezTo>
+                    <a:cubicBezTo>
+                      <a:pt x="100447" y="310111"/>
+                      <a:pt x="104635" y="301836"/>
+                      <a:pt x="104635" y="292728"/>
+                    </a:cubicBezTo>
+                    <a:lnTo>
+                      <a:pt x="104635" y="261600"/>
+                    </a:lnTo>
+                    <a:cubicBezTo>
+                      <a:pt x="118822" y="269961"/>
+                      <a:pt x="135047" y="274439"/>
+                      <a:pt x="151851" y="274439"/>
+                    </a:cubicBezTo>
+                    <a:cubicBezTo>
+                      <a:pt x="175677" y="274439"/>
+                      <a:pt x="198347" y="265448"/>
+                      <a:pt x="215683" y="249124"/>
+                    </a:cubicBezTo>
+                    <a:cubicBezTo>
+                      <a:pt x="231675" y="234066"/>
+                      <a:pt x="241742" y="214105"/>
+                      <a:pt x="244366" y="192466"/>
+                    </a:cubicBezTo>
+                    <a:lnTo>
+                      <a:pt x="251384" y="192466"/>
+                    </a:lnTo>
+                    <a:cubicBezTo>
+                      <a:pt x="257703" y="192455"/>
+                      <a:pt x="263742" y="189860"/>
+                      <a:pt x="268100" y="185284"/>
+                    </a:cubicBezTo>
+                    <a:cubicBezTo>
+                      <a:pt x="272493" y="180654"/>
+                      <a:pt x="274729" y="174584"/>
+                      <a:pt x="274394" y="168192"/>
+                    </a:cubicBezTo>
+                    <a:cubicBezTo>
+                      <a:pt x="273979" y="160254"/>
+                      <a:pt x="269390" y="153437"/>
+                      <a:pt x="262717" y="149625"/>
+                    </a:cubicBezTo>
+                    <a:lnTo>
+                      <a:pt x="262717" y="64029"/>
+                    </a:lnTo>
+                    <a:cubicBezTo>
+                      <a:pt x="262717" y="28724"/>
+                      <a:pt x="233995" y="0"/>
+                      <a:pt x="198690" y="0"/>
+                    </a:cubicBezTo>
+                    <a:lnTo>
+                      <a:pt x="122576" y="0"/>
+                    </a:lnTo>
+                    <a:cubicBezTo>
+                      <a:pt x="110915" y="0"/>
+                      <a:pt x="100556" y="7041"/>
+                      <a:pt x="96077" y="17565"/>
+                    </a:cubicBezTo>
+                    <a:lnTo>
+                      <a:pt x="87446" y="17565"/>
+                    </a:lnTo>
+                    <a:cubicBezTo>
+                      <a:pt x="61827" y="17565"/>
+                      <a:pt x="40984" y="38409"/>
+                      <a:pt x="40984" y="64029"/>
+                    </a:cubicBezTo>
+                    <a:lnTo>
+                      <a:pt x="40984" y="130837"/>
+                    </a:lnTo>
+                    <a:cubicBezTo>
+                      <a:pt x="40984" y="133862"/>
+                      <a:pt x="43437" y="136315"/>
+                      <a:pt x="46462" y="136315"/>
+                    </a:cubicBezTo>
+                    <a:cubicBezTo>
+                      <a:pt x="49488" y="136315"/>
+                      <a:pt x="51940" y="133862"/>
+                      <a:pt x="51940" y="130837"/>
+                    </a:cubicBezTo>
+                    <a:lnTo>
+                      <a:pt x="51940" y="64029"/>
+                    </a:lnTo>
+                    <a:cubicBezTo>
+                      <a:pt x="51940" y="44450"/>
+                      <a:pt x="67868" y="28521"/>
+                      <a:pt x="87446" y="28521"/>
+                    </a:cubicBezTo>
+                    <a:lnTo>
+                      <a:pt x="99984" y="28521"/>
+                    </a:lnTo>
+                    <a:cubicBezTo>
+                      <a:pt x="102481" y="28521"/>
+                      <a:pt x="104661" y="26833"/>
+                      <a:pt x="105287" y="24417"/>
+                    </a:cubicBezTo>
+                    <a:cubicBezTo>
+                      <a:pt x="107340" y="16491"/>
+                      <a:pt x="114450" y="10956"/>
+                      <a:pt x="122576" y="10956"/>
+                    </a:cubicBezTo>
+                    <a:lnTo>
+                      <a:pt x="198689" y="10956"/>
+                    </a:lnTo>
+                    <a:cubicBezTo>
+                      <a:pt x="227953" y="10956"/>
+                      <a:pt x="251760" y="34765"/>
+                      <a:pt x="251760" y="64029"/>
+                    </a:cubicBezTo>
+                    <a:lnTo>
+                      <a:pt x="251760" y="146419"/>
+                    </a:lnTo>
+                    <a:cubicBezTo>
+                      <a:pt x="251304" y="146393"/>
+                      <a:pt x="250847" y="146380"/>
+                      <a:pt x="250390" y="146378"/>
+                    </a:cubicBezTo>
+                    <a:lnTo>
+                      <a:pt x="245529" y="146378"/>
+                    </a:lnTo>
+                    <a:cubicBezTo>
+                      <a:pt x="238864" y="146378"/>
+                      <a:pt x="233442" y="140957"/>
+                      <a:pt x="233442" y="134292"/>
+                    </a:cubicBezTo>
+                    <a:lnTo>
+                      <a:pt x="233442" y="105016"/>
+                    </a:lnTo>
+                    <a:cubicBezTo>
+                      <a:pt x="233442" y="89081"/>
+                      <a:pt x="220478" y="76116"/>
+                      <a:pt x="204545" y="76116"/>
+                    </a:cubicBezTo>
+                    <a:cubicBezTo>
+                      <a:pt x="201519" y="76116"/>
+                      <a:pt x="199067" y="78569"/>
+                      <a:pt x="199067" y="81595"/>
+                    </a:cubicBezTo>
+                    <a:cubicBezTo>
+                      <a:pt x="199067" y="84620"/>
+                      <a:pt x="201519" y="87073"/>
+                      <a:pt x="204545" y="87073"/>
+                    </a:cubicBezTo>
+                    <a:cubicBezTo>
+                      <a:pt x="214438" y="87073"/>
+                      <a:pt x="222486" y="95122"/>
+                      <a:pt x="222486" y="105016"/>
+                    </a:cubicBezTo>
+                    <a:lnTo>
+                      <a:pt x="222486" y="134292"/>
+                    </a:lnTo>
+                    <a:cubicBezTo>
+                      <a:pt x="222486" y="142880"/>
+                      <a:pt x="227211" y="150380"/>
+                      <a:pt x="234195" y="154343"/>
+                    </a:cubicBezTo>
+                    <a:lnTo>
+                      <a:pt x="234195" y="169422"/>
+                    </a:lnTo>
+                    <a:cubicBezTo>
+                      <a:pt x="234195" y="176087"/>
+                      <a:pt x="228774" y="181509"/>
+                      <a:pt x="222109" y="181509"/>
+                    </a:cubicBezTo>
+                    <a:lnTo>
+                      <a:pt x="81592" y="181509"/>
+                    </a:lnTo>
+                    <a:cubicBezTo>
+                      <a:pt x="74928" y="181509"/>
+                      <a:pt x="69506" y="176087"/>
+                      <a:pt x="69506" y="169422"/>
+                    </a:cubicBezTo>
+                    <a:lnTo>
+                      <a:pt x="69506" y="154343"/>
+                    </a:lnTo>
+                    <a:cubicBezTo>
+                      <a:pt x="76490" y="150380"/>
+                      <a:pt x="81215" y="142879"/>
+                      <a:pt x="81215" y="134292"/>
+                    </a:cubicBezTo>
+                    <a:lnTo>
+                      <a:pt x="81215" y="105016"/>
+                    </a:lnTo>
+                    <a:cubicBezTo>
+                      <a:pt x="81215" y="95122"/>
+                      <a:pt x="89264" y="87073"/>
+                      <a:pt x="99157" y="87073"/>
+                    </a:cubicBezTo>
+                    <a:lnTo>
+                      <a:pt x="181123" y="87073"/>
+                    </a:lnTo>
+                    <a:cubicBezTo>
+                      <a:pt x="184148" y="87073"/>
+                      <a:pt x="186601" y="84620"/>
+                      <a:pt x="186601" y="81595"/>
+                    </a:cubicBezTo>
+                    <a:cubicBezTo>
+                      <a:pt x="186601" y="78569"/>
+                      <a:pt x="184148" y="76116"/>
+                      <a:pt x="181123" y="76116"/>
+                    </a:cubicBezTo>
+                    <a:lnTo>
+                      <a:pt x="99157" y="76116"/>
+                    </a:lnTo>
+                    <a:cubicBezTo>
+                      <a:pt x="83223" y="76116"/>
+                      <a:pt x="70260" y="89081"/>
+                      <a:pt x="70260" y="105016"/>
+                    </a:cubicBezTo>
+                    <a:lnTo>
+                      <a:pt x="70260" y="134292"/>
+                    </a:lnTo>
+                    <a:cubicBezTo>
+                      <a:pt x="70260" y="140957"/>
+                      <a:pt x="64837" y="146378"/>
+                      <a:pt x="58172" y="146378"/>
+                    </a:cubicBezTo>
+                    <a:lnTo>
+                      <a:pt x="53312" y="146378"/>
+                    </a:lnTo>
+                    <a:cubicBezTo>
+                      <a:pt x="40492" y="146378"/>
+                      <a:pt x="29948" y="155959"/>
+                      <a:pt x="29308" y="168191"/>
+                    </a:cubicBezTo>
+                    <a:cubicBezTo>
+                      <a:pt x="28973" y="174583"/>
+                      <a:pt x="31209" y="180654"/>
+                      <a:pt x="35602" y="185283"/>
+                    </a:cubicBezTo>
+                    <a:cubicBezTo>
+                      <a:pt x="39960" y="189859"/>
+                      <a:pt x="45999" y="192454"/>
+                      <a:pt x="52318" y="192466"/>
+                    </a:cubicBezTo>
+                    <a:lnTo>
+                      <a:pt x="59336" y="192466"/>
+                    </a:lnTo>
+                    <a:cubicBezTo>
+                      <a:pt x="61960" y="214104"/>
+                      <a:pt x="72027" y="234065"/>
+                      <a:pt x="88019" y="249123"/>
+                    </a:cubicBezTo>
+                    <a:cubicBezTo>
+                      <a:pt x="89840" y="250835"/>
+                      <a:pt x="91728" y="252474"/>
+                      <a:pt x="93680" y="254035"/>
+                    </a:cubicBezTo>
+                    <a:lnTo>
+                      <a:pt x="93680" y="292727"/>
+                    </a:lnTo>
+                    <a:cubicBezTo>
+                      <a:pt x="93680" y="300617"/>
+                      <a:pt x="88620" y="307500"/>
+                      <a:pt x="81090" y="309853"/>
+                    </a:cubicBezTo>
+                    <a:lnTo>
+                      <a:pt x="20278" y="328857"/>
+                    </a:lnTo>
+                    <a:cubicBezTo>
+                      <a:pt x="8150" y="332647"/>
+                      <a:pt x="0" y="343732"/>
+                      <a:pt x="0" y="356439"/>
+                    </a:cubicBezTo>
+                    <a:lnTo>
+                      <a:pt x="0" y="368497"/>
+                    </a:lnTo>
+                    <a:cubicBezTo>
+                      <a:pt x="0" y="371523"/>
+                      <a:pt x="2453" y="373975"/>
+                      <a:pt x="5478" y="373975"/>
+                    </a:cubicBezTo>
+                    <a:cubicBezTo>
+                      <a:pt x="8503" y="373975"/>
+                      <a:pt x="10956" y="371523"/>
+                      <a:pt x="10956" y="368497"/>
+                    </a:cubicBezTo>
+                    <a:lnTo>
+                      <a:pt x="10956" y="356440"/>
+                    </a:lnTo>
+                    <a:cubicBezTo>
+                      <a:pt x="10956" y="348550"/>
+                      <a:pt x="16015" y="341668"/>
+                      <a:pt x="23546" y="339315"/>
+                    </a:cubicBezTo>
+                    <a:lnTo>
+                      <a:pt x="59159" y="328186"/>
+                    </a:lnTo>
+                    <a:cubicBezTo>
+                      <a:pt x="69555" y="341743"/>
+                      <a:pt x="82958" y="353016"/>
+                      <a:pt x="98082" y="360878"/>
+                    </a:cubicBezTo>
+                    <a:cubicBezTo>
+                      <a:pt x="114561" y="369447"/>
+                      <a:pt x="133154" y="373975"/>
+                      <a:pt x="151851" y="373975"/>
+                    </a:cubicBezTo>
+                    <a:cubicBezTo>
+                      <a:pt x="170445" y="373975"/>
+                      <a:pt x="188949" y="369493"/>
+                      <a:pt x="205360" y="361013"/>
+                    </a:cubicBezTo>
+                    <a:cubicBezTo>
+                      <a:pt x="220585" y="353146"/>
+                      <a:pt x="234084" y="341819"/>
+                      <a:pt x="244538" y="328184"/>
+                    </a:cubicBezTo>
+                    <a:lnTo>
+                      <a:pt x="280154" y="339315"/>
+                    </a:lnTo>
+                    <a:cubicBezTo>
+                      <a:pt x="287684" y="341668"/>
+                      <a:pt x="292744" y="348550"/>
+                      <a:pt x="292744" y="356440"/>
+                    </a:cubicBezTo>
+                    <a:lnTo>
+                      <a:pt x="292744" y="368497"/>
+                    </a:lnTo>
+                    <a:cubicBezTo>
+                      <a:pt x="292744" y="371523"/>
+                      <a:pt x="295197" y="373975"/>
+                      <a:pt x="298222" y="373975"/>
+                    </a:cubicBezTo>
+                    <a:cubicBezTo>
+                      <a:pt x="301247" y="373975"/>
+                      <a:pt x="303700" y="371523"/>
+                      <a:pt x="303700" y="368497"/>
+                    </a:cubicBezTo>
+                    <a:lnTo>
+                      <a:pt x="303700" y="356440"/>
+                    </a:lnTo>
+                    <a:cubicBezTo>
+                      <a:pt x="303700" y="343732"/>
+                      <a:pt x="295552" y="332647"/>
+                      <a:pt x="283423" y="328857"/>
+                    </a:cubicBezTo>
+                    <a:close/>
+                    <a:moveTo>
+                      <a:pt x="245152" y="157326"/>
+                    </a:moveTo>
+                    <a:cubicBezTo>
+                      <a:pt x="245160" y="157326"/>
+                      <a:pt x="245159" y="157326"/>
+                      <a:pt x="245152" y="157326"/>
+                    </a:cubicBezTo>
+                    <a:close/>
+                    <a:moveTo>
+                      <a:pt x="245152" y="169422"/>
+                    </a:moveTo>
+                    <a:lnTo>
+                      <a:pt x="245152" y="157336"/>
+                    </a:lnTo>
+                    <a:lnTo>
+                      <a:pt x="250390" y="157336"/>
+                    </a:lnTo>
+                    <a:cubicBezTo>
+                      <a:pt x="257263" y="157336"/>
+                      <a:pt x="263123" y="162462"/>
+                      <a:pt x="263453" y="168764"/>
+                    </a:cubicBezTo>
+                    <a:cubicBezTo>
+                      <a:pt x="263629" y="172125"/>
+                      <a:pt x="262457" y="175313"/>
+                      <a:pt x="260153" y="177741"/>
+                    </a:cubicBezTo>
+                    <a:cubicBezTo>
+                      <a:pt x="257846" y="180171"/>
+                      <a:pt x="254732" y="181510"/>
+                      <a:pt x="251384" y="181510"/>
+                    </a:cubicBezTo>
+                    <a:lnTo>
+                      <a:pt x="241716" y="181510"/>
+                    </a:lnTo>
+                    <a:cubicBezTo>
+                      <a:pt x="243966" y="177880"/>
+                      <a:pt x="245156" y="173693"/>
+                      <a:pt x="245152" y="169422"/>
+                    </a:cubicBezTo>
+                    <a:close/>
+                    <a:moveTo>
+                      <a:pt x="52318" y="181510"/>
+                    </a:moveTo>
+                    <a:cubicBezTo>
+                      <a:pt x="48969" y="181510"/>
+                      <a:pt x="45855" y="180171"/>
+                      <a:pt x="43549" y="177740"/>
+                    </a:cubicBezTo>
+                    <a:cubicBezTo>
+                      <a:pt x="41244" y="175313"/>
+                      <a:pt x="40073" y="172124"/>
+                      <a:pt x="40248" y="168764"/>
+                    </a:cubicBezTo>
+                    <a:cubicBezTo>
+                      <a:pt x="40578" y="162462"/>
+                      <a:pt x="46438" y="157335"/>
+                      <a:pt x="53311" y="157335"/>
+                    </a:cubicBezTo>
+                    <a:lnTo>
+                      <a:pt x="58549" y="157335"/>
+                    </a:lnTo>
+                    <a:lnTo>
+                      <a:pt x="58549" y="169422"/>
+                    </a:lnTo>
+                    <a:cubicBezTo>
+                      <a:pt x="58545" y="173692"/>
+                      <a:pt x="59735" y="177879"/>
+                      <a:pt x="61985" y="181509"/>
+                    </a:cubicBezTo>
+                    <a:lnTo>
+                      <a:pt x="52318" y="181509"/>
+                    </a:lnTo>
+                    <a:close/>
+                    <a:moveTo>
+                      <a:pt x="70385" y="192466"/>
+                    </a:moveTo>
+                    <a:lnTo>
+                      <a:pt x="233315" y="192466"/>
+                    </a:lnTo>
+                    <a:cubicBezTo>
+                      <a:pt x="232732" y="196685"/>
+                      <a:pt x="231820" y="200853"/>
+                      <a:pt x="230586" y="204930"/>
+                    </a:cubicBezTo>
+                    <a:lnTo>
+                      <a:pt x="128432" y="204930"/>
+                    </a:lnTo>
+                    <a:cubicBezTo>
+                      <a:pt x="125406" y="204930"/>
+                      <a:pt x="122953" y="207382"/>
+                      <a:pt x="122953" y="210408"/>
+                    </a:cubicBezTo>
+                    <a:cubicBezTo>
+                      <a:pt x="122953" y="213433"/>
+                      <a:pt x="125406" y="215886"/>
+                      <a:pt x="128432" y="215886"/>
+                    </a:cubicBezTo>
+                    <a:lnTo>
+                      <a:pt x="216658" y="215886"/>
+                    </a:lnTo>
+                    <a:cubicBezTo>
+                      <a:pt x="201091" y="227336"/>
+                      <a:pt x="177270" y="234206"/>
+                      <a:pt x="151851" y="234206"/>
+                    </a:cubicBezTo>
+                    <a:cubicBezTo>
+                      <a:pt x="126430" y="234206"/>
+                      <a:pt x="102611" y="227336"/>
+                      <a:pt x="87043" y="215886"/>
+                    </a:cubicBezTo>
+                    <a:lnTo>
+                      <a:pt x="105013" y="215886"/>
+                    </a:lnTo>
+                    <a:cubicBezTo>
+                      <a:pt x="108038" y="215886"/>
+                      <a:pt x="110491" y="213433"/>
+                      <a:pt x="110491" y="210408"/>
+                    </a:cubicBezTo>
+                    <a:cubicBezTo>
+                      <a:pt x="110491" y="207382"/>
+                      <a:pt x="108038" y="204930"/>
+                      <a:pt x="105013" y="204930"/>
+                    </a:cubicBezTo>
+                    <a:lnTo>
+                      <a:pt x="73115" y="204930"/>
+                    </a:lnTo>
+                    <a:cubicBezTo>
+                      <a:pt x="71881" y="200853"/>
+                      <a:pt x="70969" y="196685"/>
+                      <a:pt x="70385" y="192466"/>
+                    </a:cubicBezTo>
+                    <a:close/>
+                    <a:moveTo>
+                      <a:pt x="83429" y="226758"/>
+                    </a:moveTo>
+                    <a:cubicBezTo>
+                      <a:pt x="100812" y="238442"/>
+                      <a:pt x="125273" y="245162"/>
+                      <a:pt x="151851" y="245162"/>
+                    </a:cubicBezTo>
+                    <a:cubicBezTo>
+                      <a:pt x="178428" y="245162"/>
+                      <a:pt x="202889" y="238442"/>
+                      <a:pt x="220272" y="226757"/>
+                    </a:cubicBezTo>
+                    <a:cubicBezTo>
+                      <a:pt x="205447" y="248938"/>
+                      <a:pt x="180183" y="263481"/>
+                      <a:pt x="151851" y="263481"/>
+                    </a:cubicBezTo>
+                    <a:cubicBezTo>
+                      <a:pt x="123518" y="263481"/>
+                      <a:pt x="98254" y="248938"/>
+                      <a:pt x="83429" y="226758"/>
+                    </a:cubicBezTo>
+                    <a:close/>
+                    <a:moveTo>
+                      <a:pt x="200330" y="351279"/>
+                    </a:moveTo>
+                    <a:cubicBezTo>
+                      <a:pt x="185255" y="359069"/>
+                      <a:pt x="168944" y="363019"/>
+                      <a:pt x="151851" y="363019"/>
+                    </a:cubicBezTo>
+                    <a:cubicBezTo>
+                      <a:pt x="120367" y="363019"/>
+                      <a:pt x="90379" y="348798"/>
+                      <a:pt x="70371" y="324681"/>
+                    </a:cubicBezTo>
+                    <a:lnTo>
+                      <a:pt x="83377" y="320617"/>
+                    </a:lnTo>
+                    <a:cubicBezTo>
+                      <a:pt x="101008" y="339656"/>
+                      <a:pt x="125882" y="350555"/>
+                      <a:pt x="151851" y="350555"/>
+                    </a:cubicBezTo>
+                    <a:cubicBezTo>
+                      <a:pt x="177872" y="350555"/>
+                      <a:pt x="202691" y="339674"/>
+                      <a:pt x="220333" y="320620"/>
+                    </a:cubicBezTo>
+                    <a:lnTo>
+                      <a:pt x="233334" y="324683"/>
+                    </a:lnTo>
+                    <a:cubicBezTo>
+                      <a:pt x="224246" y="335636"/>
+                      <a:pt x="212937" y="344765"/>
+                      <a:pt x="200330" y="351279"/>
+                    </a:cubicBezTo>
+                    <a:close/>
+                  </a:path>
+                </a:pathLst>
+              </a:custGeom>
+              <a:solidFill>
+                <a:srgbClr val="000000"/>
+              </a:solidFill>
+              <a:ln w="7600" cap="flat">
+                <a:noFill/>
+                <a:miter/>
+              </a:ln>
+            </p:spPr>
+          </p:sp>
+        </p:grpSp>
+      </p:grpSp>
+    </p:spTree>
+    <p:extLst>
+      <p:ext uri="{BB962C8B-B14F-4D97-AF65-F5344CB8AC3E}">
+        <p14:creationId xmlns:p14="http://schemas.microsoft.com/office/powerpoint/2010/main" val="969966339"/>
       </p:ext>
     </p:extLst>
   </p:cSld>

--- a/img/pubs/Thumbnail.pptx
+++ b/img/pubs/Thumbnail.pptx
@@ -6,11 +6,12 @@
   </p:sldMasterIdLst>
   <p:sldIdLst>
     <p:sldId id="257" r:id="rId2"/>
-    <p:sldId id="258" r:id="rId3"/>
-    <p:sldId id="259" r:id="rId4"/>
-    <p:sldId id="260" r:id="rId5"/>
-    <p:sldId id="261" r:id="rId6"/>
-    <p:sldId id="262" r:id="rId7"/>
+    <p:sldId id="263" r:id="rId3"/>
+    <p:sldId id="258" r:id="rId4"/>
+    <p:sldId id="259" r:id="rId5"/>
+    <p:sldId id="260" r:id="rId6"/>
+    <p:sldId id="261" r:id="rId7"/>
+    <p:sldId id="262" r:id="rId8"/>
   </p:sldIdLst>
   <p:sldSz cx="2160588" cy="2436813"/>
   <p:notesSz cx="6858000" cy="9144000"/>
@@ -8913,6 +8914,66 @@
           <a:chExt cx="0" cy="0"/>
         </a:xfrm>
       </p:grpSpPr>
+      <p:pic>
+        <p:nvPicPr>
+          <p:cNvPr id="33" name="Picture 32">
+            <a:extLst>
+              <a:ext uri="{FF2B5EF4-FFF2-40B4-BE49-F238E27FC236}">
+                <a16:creationId xmlns:a16="http://schemas.microsoft.com/office/drawing/2014/main" id="{7AB24F72-D85D-DDE2-492B-E38481D069F0}"/>
+              </a:ext>
+            </a:extLst>
+          </p:cNvPr>
+          <p:cNvPicPr>
+            <a:picLocks noChangeAspect="1"/>
+          </p:cNvPicPr>
+          <p:nvPr/>
+        </p:nvPicPr>
+        <p:blipFill>
+          <a:blip r:embed="rId2"/>
+          <a:stretch>
+            <a:fillRect/>
+          </a:stretch>
+        </p:blipFill>
+        <p:spPr>
+          <a:xfrm>
+            <a:off x="-42681" y="-345696"/>
+            <a:ext cx="2123525" cy="3128203"/>
+          </a:xfrm>
+          <a:prstGeom prst="rect">
+            <a:avLst/>
+          </a:prstGeom>
+        </p:spPr>
+      </p:pic>
+    </p:spTree>
+    <p:extLst>
+      <p:ext uri="{BB962C8B-B14F-4D97-AF65-F5344CB8AC3E}">
+        <p14:creationId xmlns:p14="http://schemas.microsoft.com/office/powerpoint/2010/main" val="165752214"/>
+      </p:ext>
+    </p:extLst>
+  </p:cSld>
+  <p:clrMapOvr>
+    <a:masterClrMapping/>
+  </p:clrMapOvr>
+</p:sld>
+</file>
+
+<file path=ppt/slides/slide3.xml><?xml version="1.0" encoding="utf-8"?>
+<p:sld xmlns:a="http://schemas.openxmlformats.org/drawingml/2006/main" xmlns:r="http://schemas.openxmlformats.org/officeDocument/2006/relationships" xmlns:p="http://schemas.openxmlformats.org/presentationml/2006/main">
+  <p:cSld>
+    <p:spTree>
+      <p:nvGrpSpPr>
+        <p:cNvPr id="1" name=""/>
+        <p:cNvGrpSpPr/>
+        <p:nvPr/>
+      </p:nvGrpSpPr>
+      <p:grpSpPr>
+        <a:xfrm>
+          <a:off x="0" y="0"/>
+          <a:ext cx="0" cy="0"/>
+          <a:chOff x="0" y="0"/>
+          <a:chExt cx="0" cy="0"/>
+        </a:xfrm>
+      </p:grpSpPr>
       <p:grpSp>
         <p:nvGrpSpPr>
           <p:cNvPr id="123" name="组合 1" descr="本素材由iSlide™ 提供&#10;iSlide™尊重知识产权并注重保护用户享有的各项权利。郑重提醒您：&#10;iSlide™插件中提供的任何信息内容的所有权、知识产权归其原始权利人或权利受让人所有，您免费/购买获得的是信息内容的使用权，并受下述条款的约束；&#10;1. 您仅可以个人非商业用途使用该等信息内容，不可将信息内容的全部或部分用于出售，或以出租、出借、转让、分销、发布等其他任何方式供他人使用；&#10;2. 禁止在接入互联网或移动互联网的任何网站、平台、应用或程序上以任何方式为他人提供iSlide™插件资源内容的下载。&#10;The resource is supplied by iSlide™.&#10;iSlide™ respects all intellectual property rights and protects all the rights its users acquired.Solemnly remind you:&#10;The ownership and intellectual property of the resources supplied in iSlide Add-in belongs to its owner or the assignee of this ownership.you only acquired the usage of the resources supplied in iSlide Add-in, as well as respected the following restrain terms:&#10;1.You are only allowed to use such resource for personal and non-commercial aim, not allowed to use such resource or part of it for the sale; or rent, lend, transfer to others; or distribution or release it in any way.&#10;2.You are not permitted to provide the resource of iSlide Add-in in any website, platform, application access to the Internet or mobile Internet." title="iSlide™ 版权声明  COPYRIGHT NOTICE">
@@ -13071,7 +13132,7 @@
 </p:sld>
 </file>
 
-<file path=ppt/slides/slide3.xml><?xml version="1.0" encoding="utf-8"?>
+<file path=ppt/slides/slide4.xml><?xml version="1.0" encoding="utf-8"?>
 <p:sld xmlns:a="http://schemas.openxmlformats.org/drawingml/2006/main" xmlns:r="http://schemas.openxmlformats.org/officeDocument/2006/relationships" xmlns:p="http://schemas.openxmlformats.org/presentationml/2006/main">
   <p:cSld>
     <p:spTree>
@@ -25083,7 +25144,7 @@
 </p:sld>
 </file>
 
-<file path=ppt/slides/slide4.xml><?xml version="1.0" encoding="utf-8"?>
+<file path=ppt/slides/slide5.xml><?xml version="1.0" encoding="utf-8"?>
 <p:sld xmlns:a="http://schemas.openxmlformats.org/drawingml/2006/main" xmlns:r="http://schemas.openxmlformats.org/officeDocument/2006/relationships" xmlns:p="http://schemas.openxmlformats.org/presentationml/2006/main">
   <p:cSld>
     <p:spTree>
@@ -25142,7 +25203,7 @@
 </p:sld>
 </file>
 
-<file path=ppt/slides/slide5.xml><?xml version="1.0" encoding="utf-8"?>
+<file path=ppt/slides/slide6.xml><?xml version="1.0" encoding="utf-8"?>
 <p:sld xmlns:a="http://schemas.openxmlformats.org/drawingml/2006/main" xmlns:r="http://schemas.openxmlformats.org/officeDocument/2006/relationships" xmlns:p="http://schemas.openxmlformats.org/presentationml/2006/main">
   <p:cSld>
     <p:spTree>
@@ -25249,7 +25310,7 @@
 </p:sld>
 </file>
 
-<file path=ppt/slides/slide6.xml><?xml version="1.0" encoding="utf-8"?>
+<file path=ppt/slides/slide7.xml><?xml version="1.0" encoding="utf-8"?>
 <p:sld xmlns:a="http://schemas.openxmlformats.org/drawingml/2006/main" xmlns:r="http://schemas.openxmlformats.org/officeDocument/2006/relationships" xmlns:p="http://schemas.openxmlformats.org/presentationml/2006/main">
   <p:cSld>
     <p:spTree>

--- a/img/pubs/Thumbnail.pptx
+++ b/img/pubs/Thumbnail.pptx
@@ -12,6 +12,7 @@
     <p:sldId id="260" r:id="rId6"/>
     <p:sldId id="261" r:id="rId7"/>
     <p:sldId id="262" r:id="rId8"/>
+    <p:sldId id="264" r:id="rId9"/>
   </p:sldIdLst>
   <p:sldSz cx="2160588" cy="2436813"/>
   <p:notesSz cx="6858000" cy="9144000"/>
@@ -34119,6 +34120,66 @@
 </p:sld>
 </file>
 
+<file path=ppt/slides/slide8.xml><?xml version="1.0" encoding="utf-8"?>
+<p:sld xmlns:a="http://schemas.openxmlformats.org/drawingml/2006/main" xmlns:r="http://schemas.openxmlformats.org/officeDocument/2006/relationships" xmlns:p="http://schemas.openxmlformats.org/presentationml/2006/main">
+  <p:cSld>
+    <p:spTree>
+      <p:nvGrpSpPr>
+        <p:cNvPr id="1" name=""/>
+        <p:cNvGrpSpPr/>
+        <p:nvPr/>
+      </p:nvGrpSpPr>
+      <p:grpSpPr>
+        <a:xfrm>
+          <a:off x="0" y="0"/>
+          <a:ext cx="0" cy="0"/>
+          <a:chOff x="0" y="0"/>
+          <a:chExt cx="0" cy="0"/>
+        </a:xfrm>
+      </p:grpSpPr>
+      <p:pic>
+        <p:nvPicPr>
+          <p:cNvPr id="2" name="Picture 1">
+            <a:extLst>
+              <a:ext uri="{FF2B5EF4-FFF2-40B4-BE49-F238E27FC236}">
+                <a16:creationId xmlns:a16="http://schemas.microsoft.com/office/drawing/2014/main" id="{FFC04BC4-6208-FBC9-72D0-80FA89F5BF41}"/>
+              </a:ext>
+            </a:extLst>
+          </p:cNvPr>
+          <p:cNvPicPr>
+            <a:picLocks noChangeAspect="1"/>
+          </p:cNvPicPr>
+          <p:nvPr/>
+        </p:nvPicPr>
+        <p:blipFill>
+          <a:blip r:embed="rId2"/>
+          <a:stretch>
+            <a:fillRect/>
+          </a:stretch>
+        </p:blipFill>
+        <p:spPr>
+          <a:xfrm>
+            <a:off x="-53563" y="28669"/>
+            <a:ext cx="2214151" cy="2379474"/>
+          </a:xfrm>
+          <a:prstGeom prst="rect">
+            <a:avLst/>
+          </a:prstGeom>
+        </p:spPr>
+      </p:pic>
+    </p:spTree>
+    <p:extLst>
+      <p:ext uri="{BB962C8B-B14F-4D97-AF65-F5344CB8AC3E}">
+        <p14:creationId xmlns:p14="http://schemas.microsoft.com/office/powerpoint/2010/main" val="1561580442"/>
+      </p:ext>
+    </p:extLst>
+  </p:cSld>
+  <p:clrMapOvr>
+    <a:masterClrMapping/>
+  </p:clrMapOvr>
+</p:sld>
+</file>
+
 <file path=ppt/theme/theme1.xml><?xml version="1.0" encoding="utf-8"?>
 <a:theme xmlns:a="http://schemas.openxmlformats.org/drawingml/2006/main" name="Office Theme">
   <a:themeElements>
